--- a/論文/figures/snapshots _long.pptx
+++ b/論文/figures/snapshots _long.pptx
@@ -8,6 +8,7 @@
     <p:sldId id="286" r:id="rId2"/>
     <p:sldId id="287" r:id="rId3"/>
     <p:sldId id="288" r:id="rId4"/>
+    <p:sldId id="289" r:id="rId5"/>
   </p:sldIdLst>
   <p:sldSz cx="7199313" cy="10799763"/>
   <p:notesSz cx="6858000" cy="9144000"/>
@@ -245,7 +246,7 @@
           <a:p>
             <a:fld id="{9A6F05D6-4815-4D41-8255-913DB112E6D5}" type="datetimeFigureOut">
               <a:rPr kumimoji="1" lang="ja-JP" altLang="en-US" smtClean="0"/>
-              <a:t>2020/2/27</a:t>
+              <a:t>2020/3/10</a:t>
             </a:fld>
             <a:endParaRPr kumimoji="1" lang="ja-JP" altLang="en-US"/>
           </a:p>
@@ -447,7 +448,7 @@
           <a:p>
             <a:fld id="{9A6F05D6-4815-4D41-8255-913DB112E6D5}" type="datetimeFigureOut">
               <a:rPr kumimoji="1" lang="ja-JP" altLang="en-US" smtClean="0"/>
-              <a:t>2020/2/27</a:t>
+              <a:t>2020/3/10</a:t>
             </a:fld>
             <a:endParaRPr kumimoji="1" lang="ja-JP" altLang="en-US"/>
           </a:p>
@@ -659,7 +660,7 @@
           <a:p>
             <a:fld id="{9A6F05D6-4815-4D41-8255-913DB112E6D5}" type="datetimeFigureOut">
               <a:rPr kumimoji="1" lang="ja-JP" altLang="en-US" smtClean="0"/>
-              <a:t>2020/2/27</a:t>
+              <a:t>2020/3/10</a:t>
             </a:fld>
             <a:endParaRPr kumimoji="1" lang="ja-JP" altLang="en-US"/>
           </a:p>
@@ -861,7 +862,7 @@
           <a:p>
             <a:fld id="{9A6F05D6-4815-4D41-8255-913DB112E6D5}" type="datetimeFigureOut">
               <a:rPr kumimoji="1" lang="ja-JP" altLang="en-US" smtClean="0"/>
-              <a:t>2020/2/27</a:t>
+              <a:t>2020/3/10</a:t>
             </a:fld>
             <a:endParaRPr kumimoji="1" lang="ja-JP" altLang="en-US"/>
           </a:p>
@@ -1105,7 +1106,7 @@
           <a:p>
             <a:fld id="{9A6F05D6-4815-4D41-8255-913DB112E6D5}" type="datetimeFigureOut">
               <a:rPr kumimoji="1" lang="ja-JP" altLang="en-US" smtClean="0"/>
-              <a:t>2020/2/27</a:t>
+              <a:t>2020/3/10</a:t>
             </a:fld>
             <a:endParaRPr kumimoji="1" lang="ja-JP" altLang="en-US"/>
           </a:p>
@@ -1401,7 +1402,7 @@
           <a:p>
             <a:fld id="{9A6F05D6-4815-4D41-8255-913DB112E6D5}" type="datetimeFigureOut">
               <a:rPr kumimoji="1" lang="ja-JP" altLang="en-US" smtClean="0"/>
-              <a:t>2020/2/27</a:t>
+              <a:t>2020/3/10</a:t>
             </a:fld>
             <a:endParaRPr kumimoji="1" lang="ja-JP" altLang="en-US"/>
           </a:p>
@@ -1832,7 +1833,7 @@
           <a:p>
             <a:fld id="{9A6F05D6-4815-4D41-8255-913DB112E6D5}" type="datetimeFigureOut">
               <a:rPr kumimoji="1" lang="ja-JP" altLang="en-US" smtClean="0"/>
-              <a:t>2020/2/27</a:t>
+              <a:t>2020/3/10</a:t>
             </a:fld>
             <a:endParaRPr kumimoji="1" lang="ja-JP" altLang="en-US"/>
           </a:p>
@@ -1950,7 +1951,7 @@
           <a:p>
             <a:fld id="{9A6F05D6-4815-4D41-8255-913DB112E6D5}" type="datetimeFigureOut">
               <a:rPr kumimoji="1" lang="ja-JP" altLang="en-US" smtClean="0"/>
-              <a:t>2020/2/27</a:t>
+              <a:t>2020/3/10</a:t>
             </a:fld>
             <a:endParaRPr kumimoji="1" lang="ja-JP" altLang="en-US"/>
           </a:p>
@@ -2045,7 +2046,7 @@
           <a:p>
             <a:fld id="{9A6F05D6-4815-4D41-8255-913DB112E6D5}" type="datetimeFigureOut">
               <a:rPr kumimoji="1" lang="ja-JP" altLang="en-US" smtClean="0"/>
-              <a:t>2020/2/27</a:t>
+              <a:t>2020/3/10</a:t>
             </a:fld>
             <a:endParaRPr kumimoji="1" lang="ja-JP" altLang="en-US"/>
           </a:p>
@@ -2354,7 +2355,7 @@
           <a:p>
             <a:fld id="{9A6F05D6-4815-4D41-8255-913DB112E6D5}" type="datetimeFigureOut">
               <a:rPr kumimoji="1" lang="ja-JP" altLang="en-US" smtClean="0"/>
-              <a:t>2020/2/27</a:t>
+              <a:t>2020/3/10</a:t>
             </a:fld>
             <a:endParaRPr kumimoji="1" lang="ja-JP" altLang="en-US"/>
           </a:p>
@@ -2611,7 +2612,7 @@
           <a:p>
             <a:fld id="{9A6F05D6-4815-4D41-8255-913DB112E6D5}" type="datetimeFigureOut">
               <a:rPr kumimoji="1" lang="ja-JP" altLang="en-US" smtClean="0"/>
-              <a:t>2020/2/27</a:t>
+              <a:t>2020/3/10</a:t>
             </a:fld>
             <a:endParaRPr kumimoji="1" lang="ja-JP" altLang="en-US"/>
           </a:p>
@@ -2856,7 +2857,7 @@
           <a:p>
             <a:fld id="{9A6F05D6-4815-4D41-8255-913DB112E6D5}" type="datetimeFigureOut">
               <a:rPr kumimoji="1" lang="ja-JP" altLang="en-US" smtClean="0"/>
-              <a:t>2020/2/27</a:t>
+              <a:t>2020/3/10</a:t>
             </a:fld>
             <a:endParaRPr kumimoji="1" lang="ja-JP" altLang="en-US"/>
           </a:p>
@@ -4833,7 +4834,7 @@
 </file>
 
 <file path=ppt/slides/slide3.xml><?xml version="1.0" encoding="utf-8"?>
-<p:sld xmlns:a="http://schemas.openxmlformats.org/drawingml/2006/main" xmlns:r="http://schemas.openxmlformats.org/officeDocument/2006/relationships" xmlns:p="http://schemas.openxmlformats.org/presentationml/2006/main" show="0">
+<p:sld xmlns:a="http://schemas.openxmlformats.org/drawingml/2006/main" xmlns:r="http://schemas.openxmlformats.org/officeDocument/2006/relationships" xmlns:p="http://schemas.openxmlformats.org/presentationml/2006/main">
   <p:cSld>
     <p:spTree>
       <p:nvGrpSpPr>
@@ -4849,12 +4850,1565 @@
           <a:chExt cx="0" cy="0"/>
         </a:xfrm>
       </p:grpSpPr>
+      <p:graphicFrame>
+        <p:nvGraphicFramePr>
+          <p:cNvPr id="2" name="表 2">
+            <a:extLst>
+              <a:ext uri="{FF2B5EF4-FFF2-40B4-BE49-F238E27FC236}">
+                <a16:creationId xmlns:a16="http://schemas.microsoft.com/office/drawing/2014/main" id="{C8F8CC08-29D4-4A13-8721-20940DA6A24F}"/>
+              </a:ext>
+            </a:extLst>
+          </p:cNvPr>
+          <p:cNvGraphicFramePr>
+            <a:graphicFrameLocks noGrp="1"/>
+          </p:cNvGraphicFramePr>
+          <p:nvPr>
+            <p:extLst>
+              <p:ext uri="{D42A27DB-BD31-4B8C-83A1-F6EECF244321}">
+                <p14:modId xmlns:p14="http://schemas.microsoft.com/office/powerpoint/2010/main" val="4249904179"/>
+              </p:ext>
+            </p:extLst>
+          </p:nvPr>
+        </p:nvGraphicFramePr>
+        <p:xfrm>
+          <a:off x="1051814" y="1001665"/>
+          <a:ext cx="5400000" cy="8640000"/>
+        </p:xfrm>
+        <a:graphic>
+          <a:graphicData uri="http://schemas.openxmlformats.org/drawingml/2006/table">
+            <a:tbl>
+              <a:tblPr bandRow="1">
+                <a:tableStyleId>{5C22544A-7EE6-4342-B048-85BDC9FD1C3A}</a:tableStyleId>
+              </a:tblPr>
+              <a:tblGrid>
+                <a:gridCol w="1080000">
+                  <a:extLst>
+                    <a:ext uri="{9D8B030D-6E8A-4147-A177-3AD203B41FA5}">
+                      <a16:colId xmlns:a16="http://schemas.microsoft.com/office/drawing/2014/main" val="1785709967"/>
+                    </a:ext>
+                  </a:extLst>
+                </a:gridCol>
+                <a:gridCol w="1080000">
+                  <a:extLst>
+                    <a:ext uri="{9D8B030D-6E8A-4147-A177-3AD203B41FA5}">
+                      <a16:colId xmlns:a16="http://schemas.microsoft.com/office/drawing/2014/main" val="523170169"/>
+                    </a:ext>
+                  </a:extLst>
+                </a:gridCol>
+                <a:gridCol w="1080000">
+                  <a:extLst>
+                    <a:ext uri="{9D8B030D-6E8A-4147-A177-3AD203B41FA5}">
+                      <a16:colId xmlns:a16="http://schemas.microsoft.com/office/drawing/2014/main" val="2530900487"/>
+                    </a:ext>
+                  </a:extLst>
+                </a:gridCol>
+                <a:gridCol w="1080000">
+                  <a:extLst>
+                    <a:ext uri="{9D8B030D-6E8A-4147-A177-3AD203B41FA5}">
+                      <a16:colId xmlns:a16="http://schemas.microsoft.com/office/drawing/2014/main" val="2146028669"/>
+                    </a:ext>
+                  </a:extLst>
+                </a:gridCol>
+                <a:gridCol w="1080000">
+                  <a:extLst>
+                    <a:ext uri="{9D8B030D-6E8A-4147-A177-3AD203B41FA5}">
+                      <a16:colId xmlns:a16="http://schemas.microsoft.com/office/drawing/2014/main" val="2686109121"/>
+                    </a:ext>
+                  </a:extLst>
+                </a:gridCol>
+              </a:tblGrid>
+              <a:tr h="1440000">
+                <a:tc>
+                  <a:txBody>
+                    <a:bodyPr/>
+                    <a:lstStyle/>
+                    <a:p>
+                      <a:endParaRPr kumimoji="1" lang="ja-JP" altLang="en-US" dirty="0"/>
+                    </a:p>
+                  </a:txBody>
+                  <a:tcPr>
+                    <a:lnL w="12700" cap="flat" cmpd="sng" algn="ctr">
+                      <a:solidFill>
+                        <a:schemeClr val="tx1"/>
+                      </a:solidFill>
+                      <a:prstDash val="solid"/>
+                      <a:round/>
+                      <a:headEnd type="none" w="med" len="med"/>
+                      <a:tailEnd type="none" w="med" len="med"/>
+                    </a:lnL>
+                    <a:lnR w="12700" cap="flat" cmpd="sng" algn="ctr">
+                      <a:solidFill>
+                        <a:schemeClr val="tx1"/>
+                      </a:solidFill>
+                      <a:prstDash val="solid"/>
+                      <a:round/>
+                      <a:headEnd type="none" w="med" len="med"/>
+                      <a:tailEnd type="none" w="med" len="med"/>
+                    </a:lnR>
+                    <a:lnT w="12700" cap="flat" cmpd="sng" algn="ctr">
+                      <a:solidFill>
+                        <a:schemeClr val="tx1"/>
+                      </a:solidFill>
+                      <a:prstDash val="solid"/>
+                      <a:round/>
+                      <a:headEnd type="none" w="med" len="med"/>
+                      <a:tailEnd type="none" w="med" len="med"/>
+                    </a:lnT>
+                    <a:lnB w="12700" cap="flat" cmpd="sng" algn="ctr">
+                      <a:solidFill>
+                        <a:schemeClr val="tx1"/>
+                      </a:solidFill>
+                      <a:prstDash val="solid"/>
+                      <a:round/>
+                      <a:headEnd type="none" w="med" len="med"/>
+                      <a:tailEnd type="none" w="med" len="med"/>
+                    </a:lnB>
+                    <a:noFill/>
+                  </a:tcPr>
+                </a:tc>
+                <a:tc>
+                  <a:txBody>
+                    <a:bodyPr/>
+                    <a:lstStyle/>
+                    <a:p>
+                      <a:endParaRPr kumimoji="1" lang="ja-JP" altLang="en-US" dirty="0"/>
+                    </a:p>
+                  </a:txBody>
+                  <a:tcPr>
+                    <a:lnL w="12700" cap="flat" cmpd="sng" algn="ctr">
+                      <a:solidFill>
+                        <a:schemeClr val="tx1"/>
+                      </a:solidFill>
+                      <a:prstDash val="solid"/>
+                      <a:round/>
+                      <a:headEnd type="none" w="med" len="med"/>
+                      <a:tailEnd type="none" w="med" len="med"/>
+                    </a:lnL>
+                    <a:lnR w="12700" cap="flat" cmpd="sng" algn="ctr">
+                      <a:solidFill>
+                        <a:schemeClr val="tx1"/>
+                      </a:solidFill>
+                      <a:prstDash val="solid"/>
+                      <a:round/>
+                      <a:headEnd type="none" w="med" len="med"/>
+                      <a:tailEnd type="none" w="med" len="med"/>
+                    </a:lnR>
+                    <a:lnT w="12700" cap="flat" cmpd="sng" algn="ctr">
+                      <a:solidFill>
+                        <a:schemeClr val="tx1"/>
+                      </a:solidFill>
+                      <a:prstDash val="solid"/>
+                      <a:round/>
+                      <a:headEnd type="none" w="med" len="med"/>
+                      <a:tailEnd type="none" w="med" len="med"/>
+                    </a:lnT>
+                    <a:lnB w="12700" cap="flat" cmpd="sng" algn="ctr">
+                      <a:solidFill>
+                        <a:schemeClr val="tx1"/>
+                      </a:solidFill>
+                      <a:prstDash val="solid"/>
+                      <a:round/>
+                      <a:headEnd type="none" w="med" len="med"/>
+                      <a:tailEnd type="none" w="med" len="med"/>
+                    </a:lnB>
+                    <a:noFill/>
+                  </a:tcPr>
+                </a:tc>
+                <a:tc>
+                  <a:txBody>
+                    <a:bodyPr/>
+                    <a:lstStyle/>
+                    <a:p>
+                      <a:endParaRPr kumimoji="1" lang="ja-JP" altLang="en-US"/>
+                    </a:p>
+                  </a:txBody>
+                  <a:tcPr>
+                    <a:lnL w="12700" cap="flat" cmpd="sng" algn="ctr">
+                      <a:solidFill>
+                        <a:schemeClr val="tx1"/>
+                      </a:solidFill>
+                      <a:prstDash val="solid"/>
+                      <a:round/>
+                      <a:headEnd type="none" w="med" len="med"/>
+                      <a:tailEnd type="none" w="med" len="med"/>
+                    </a:lnL>
+                    <a:lnR w="12700" cap="flat" cmpd="sng" algn="ctr">
+                      <a:solidFill>
+                        <a:schemeClr val="tx1"/>
+                      </a:solidFill>
+                      <a:prstDash val="solid"/>
+                      <a:round/>
+                      <a:headEnd type="none" w="med" len="med"/>
+                      <a:tailEnd type="none" w="med" len="med"/>
+                    </a:lnR>
+                    <a:lnT w="12700" cap="flat" cmpd="sng" algn="ctr">
+                      <a:solidFill>
+                        <a:schemeClr val="tx1"/>
+                      </a:solidFill>
+                      <a:prstDash val="solid"/>
+                      <a:round/>
+                      <a:headEnd type="none" w="med" len="med"/>
+                      <a:tailEnd type="none" w="med" len="med"/>
+                    </a:lnT>
+                    <a:lnB w="12700" cap="flat" cmpd="sng" algn="ctr">
+                      <a:solidFill>
+                        <a:schemeClr val="tx1"/>
+                      </a:solidFill>
+                      <a:prstDash val="solid"/>
+                      <a:round/>
+                      <a:headEnd type="none" w="med" len="med"/>
+                      <a:tailEnd type="none" w="med" len="med"/>
+                    </a:lnB>
+                    <a:noFill/>
+                  </a:tcPr>
+                </a:tc>
+                <a:tc>
+                  <a:txBody>
+                    <a:bodyPr/>
+                    <a:lstStyle/>
+                    <a:p>
+                      <a:endParaRPr kumimoji="1" lang="ja-JP" altLang="en-US" dirty="0"/>
+                    </a:p>
+                  </a:txBody>
+                  <a:tcPr>
+                    <a:lnL w="12700" cap="flat" cmpd="sng" algn="ctr">
+                      <a:solidFill>
+                        <a:schemeClr val="tx1"/>
+                      </a:solidFill>
+                      <a:prstDash val="solid"/>
+                      <a:round/>
+                      <a:headEnd type="none" w="med" len="med"/>
+                      <a:tailEnd type="none" w="med" len="med"/>
+                    </a:lnL>
+                    <a:lnR w="12700" cap="flat" cmpd="sng" algn="ctr">
+                      <a:solidFill>
+                        <a:schemeClr val="tx1"/>
+                      </a:solidFill>
+                      <a:prstDash val="solid"/>
+                      <a:round/>
+                      <a:headEnd type="none" w="med" len="med"/>
+                      <a:tailEnd type="none" w="med" len="med"/>
+                    </a:lnR>
+                    <a:lnT w="12700" cap="flat" cmpd="sng" algn="ctr">
+                      <a:solidFill>
+                        <a:schemeClr val="tx1"/>
+                      </a:solidFill>
+                      <a:prstDash val="solid"/>
+                      <a:round/>
+                      <a:headEnd type="none" w="med" len="med"/>
+                      <a:tailEnd type="none" w="med" len="med"/>
+                    </a:lnT>
+                    <a:lnB w="12700" cap="flat" cmpd="sng" algn="ctr">
+                      <a:solidFill>
+                        <a:schemeClr val="tx1"/>
+                      </a:solidFill>
+                      <a:prstDash val="solid"/>
+                      <a:round/>
+                      <a:headEnd type="none" w="med" len="med"/>
+                      <a:tailEnd type="none" w="med" len="med"/>
+                    </a:lnB>
+                    <a:noFill/>
+                  </a:tcPr>
+                </a:tc>
+                <a:tc>
+                  <a:txBody>
+                    <a:bodyPr/>
+                    <a:lstStyle/>
+                    <a:p>
+                      <a:endParaRPr kumimoji="1" lang="ja-JP" altLang="en-US" dirty="0"/>
+                    </a:p>
+                  </a:txBody>
+                  <a:tcPr>
+                    <a:lnL w="12700" cap="flat" cmpd="sng" algn="ctr">
+                      <a:solidFill>
+                        <a:schemeClr val="tx1"/>
+                      </a:solidFill>
+                      <a:prstDash val="solid"/>
+                      <a:round/>
+                      <a:headEnd type="none" w="med" len="med"/>
+                      <a:tailEnd type="none" w="med" len="med"/>
+                    </a:lnL>
+                    <a:lnR w="12700" cap="flat" cmpd="sng" algn="ctr">
+                      <a:solidFill>
+                        <a:schemeClr val="tx1"/>
+                      </a:solidFill>
+                      <a:prstDash val="solid"/>
+                      <a:round/>
+                      <a:headEnd type="none" w="med" len="med"/>
+                      <a:tailEnd type="none" w="med" len="med"/>
+                    </a:lnR>
+                    <a:lnT w="12700" cap="flat" cmpd="sng" algn="ctr">
+                      <a:solidFill>
+                        <a:schemeClr val="tx1"/>
+                      </a:solidFill>
+                      <a:prstDash val="solid"/>
+                      <a:round/>
+                      <a:headEnd type="none" w="med" len="med"/>
+                      <a:tailEnd type="none" w="med" len="med"/>
+                    </a:lnT>
+                    <a:lnB w="12700" cap="flat" cmpd="sng" algn="ctr">
+                      <a:solidFill>
+                        <a:schemeClr val="tx1"/>
+                      </a:solidFill>
+                      <a:prstDash val="solid"/>
+                      <a:round/>
+                      <a:headEnd type="none" w="med" len="med"/>
+                      <a:tailEnd type="none" w="med" len="med"/>
+                    </a:lnB>
+                    <a:noFill/>
+                  </a:tcPr>
+                </a:tc>
+                <a:extLst>
+                  <a:ext uri="{0D108BD9-81ED-4DB2-BD59-A6C34878D82A}">
+                    <a16:rowId xmlns:a16="http://schemas.microsoft.com/office/drawing/2014/main" val="699192490"/>
+                  </a:ext>
+                </a:extLst>
+              </a:tr>
+              <a:tr h="1440000">
+                <a:tc>
+                  <a:txBody>
+                    <a:bodyPr/>
+                    <a:lstStyle/>
+                    <a:p>
+                      <a:endParaRPr kumimoji="1" lang="ja-JP" altLang="en-US"/>
+                    </a:p>
+                  </a:txBody>
+                  <a:tcPr>
+                    <a:lnL w="12700" cap="flat" cmpd="sng" algn="ctr">
+                      <a:solidFill>
+                        <a:schemeClr val="tx1"/>
+                      </a:solidFill>
+                      <a:prstDash val="solid"/>
+                      <a:round/>
+                      <a:headEnd type="none" w="med" len="med"/>
+                      <a:tailEnd type="none" w="med" len="med"/>
+                    </a:lnL>
+                    <a:lnR w="12700" cap="flat" cmpd="sng" algn="ctr">
+                      <a:solidFill>
+                        <a:schemeClr val="tx1"/>
+                      </a:solidFill>
+                      <a:prstDash val="solid"/>
+                      <a:round/>
+                      <a:headEnd type="none" w="med" len="med"/>
+                      <a:tailEnd type="none" w="med" len="med"/>
+                    </a:lnR>
+                    <a:lnT w="12700" cap="flat" cmpd="sng" algn="ctr">
+                      <a:solidFill>
+                        <a:schemeClr val="tx1"/>
+                      </a:solidFill>
+                      <a:prstDash val="solid"/>
+                      <a:round/>
+                      <a:headEnd type="none" w="med" len="med"/>
+                      <a:tailEnd type="none" w="med" len="med"/>
+                    </a:lnT>
+                    <a:lnB w="12700" cap="flat" cmpd="sng" algn="ctr">
+                      <a:solidFill>
+                        <a:schemeClr val="tx1"/>
+                      </a:solidFill>
+                      <a:prstDash val="solid"/>
+                      <a:round/>
+                      <a:headEnd type="none" w="med" len="med"/>
+                      <a:tailEnd type="none" w="med" len="med"/>
+                    </a:lnB>
+                    <a:noFill/>
+                  </a:tcPr>
+                </a:tc>
+                <a:tc>
+                  <a:txBody>
+                    <a:bodyPr/>
+                    <a:lstStyle/>
+                    <a:p>
+                      <a:endParaRPr kumimoji="1" lang="ja-JP" altLang="en-US" dirty="0"/>
+                    </a:p>
+                  </a:txBody>
+                  <a:tcPr>
+                    <a:lnL w="12700" cap="flat" cmpd="sng" algn="ctr">
+                      <a:solidFill>
+                        <a:schemeClr val="tx1"/>
+                      </a:solidFill>
+                      <a:prstDash val="solid"/>
+                      <a:round/>
+                      <a:headEnd type="none" w="med" len="med"/>
+                      <a:tailEnd type="none" w="med" len="med"/>
+                    </a:lnL>
+                    <a:lnR w="12700" cap="flat" cmpd="sng" algn="ctr">
+                      <a:solidFill>
+                        <a:schemeClr val="tx1"/>
+                      </a:solidFill>
+                      <a:prstDash val="solid"/>
+                      <a:round/>
+                      <a:headEnd type="none" w="med" len="med"/>
+                      <a:tailEnd type="none" w="med" len="med"/>
+                    </a:lnR>
+                    <a:lnT w="12700" cap="flat" cmpd="sng" algn="ctr">
+                      <a:solidFill>
+                        <a:schemeClr val="tx1"/>
+                      </a:solidFill>
+                      <a:prstDash val="solid"/>
+                      <a:round/>
+                      <a:headEnd type="none" w="med" len="med"/>
+                      <a:tailEnd type="none" w="med" len="med"/>
+                    </a:lnT>
+                    <a:lnB w="12700" cap="flat" cmpd="sng" algn="ctr">
+                      <a:solidFill>
+                        <a:schemeClr val="tx1"/>
+                      </a:solidFill>
+                      <a:prstDash val="solid"/>
+                      <a:round/>
+                      <a:headEnd type="none" w="med" len="med"/>
+                      <a:tailEnd type="none" w="med" len="med"/>
+                    </a:lnB>
+                    <a:noFill/>
+                  </a:tcPr>
+                </a:tc>
+                <a:tc>
+                  <a:txBody>
+                    <a:bodyPr/>
+                    <a:lstStyle/>
+                    <a:p>
+                      <a:endParaRPr kumimoji="1" lang="ja-JP" altLang="en-US"/>
+                    </a:p>
+                  </a:txBody>
+                  <a:tcPr>
+                    <a:lnL w="12700" cap="flat" cmpd="sng" algn="ctr">
+                      <a:solidFill>
+                        <a:schemeClr val="tx1"/>
+                      </a:solidFill>
+                      <a:prstDash val="solid"/>
+                      <a:round/>
+                      <a:headEnd type="none" w="med" len="med"/>
+                      <a:tailEnd type="none" w="med" len="med"/>
+                    </a:lnL>
+                    <a:lnR w="12700" cap="flat" cmpd="sng" algn="ctr">
+                      <a:solidFill>
+                        <a:schemeClr val="tx1"/>
+                      </a:solidFill>
+                      <a:prstDash val="solid"/>
+                      <a:round/>
+                      <a:headEnd type="none" w="med" len="med"/>
+                      <a:tailEnd type="none" w="med" len="med"/>
+                    </a:lnR>
+                    <a:lnT w="12700" cap="flat" cmpd="sng" algn="ctr">
+                      <a:solidFill>
+                        <a:schemeClr val="tx1"/>
+                      </a:solidFill>
+                      <a:prstDash val="solid"/>
+                      <a:round/>
+                      <a:headEnd type="none" w="med" len="med"/>
+                      <a:tailEnd type="none" w="med" len="med"/>
+                    </a:lnT>
+                    <a:lnB w="12700" cap="flat" cmpd="sng" algn="ctr">
+                      <a:solidFill>
+                        <a:schemeClr val="tx1"/>
+                      </a:solidFill>
+                      <a:prstDash val="solid"/>
+                      <a:round/>
+                      <a:headEnd type="none" w="med" len="med"/>
+                      <a:tailEnd type="none" w="med" len="med"/>
+                    </a:lnB>
+                    <a:noFill/>
+                  </a:tcPr>
+                </a:tc>
+                <a:tc>
+                  <a:txBody>
+                    <a:bodyPr/>
+                    <a:lstStyle/>
+                    <a:p>
+                      <a:endParaRPr kumimoji="1" lang="ja-JP" altLang="en-US"/>
+                    </a:p>
+                  </a:txBody>
+                  <a:tcPr>
+                    <a:lnL w="12700" cap="flat" cmpd="sng" algn="ctr">
+                      <a:solidFill>
+                        <a:schemeClr val="tx1"/>
+                      </a:solidFill>
+                      <a:prstDash val="solid"/>
+                      <a:round/>
+                      <a:headEnd type="none" w="med" len="med"/>
+                      <a:tailEnd type="none" w="med" len="med"/>
+                    </a:lnL>
+                    <a:lnR w="12700" cap="flat" cmpd="sng" algn="ctr">
+                      <a:solidFill>
+                        <a:schemeClr val="tx1"/>
+                      </a:solidFill>
+                      <a:prstDash val="solid"/>
+                      <a:round/>
+                      <a:headEnd type="none" w="med" len="med"/>
+                      <a:tailEnd type="none" w="med" len="med"/>
+                    </a:lnR>
+                    <a:lnT w="12700" cap="flat" cmpd="sng" algn="ctr">
+                      <a:solidFill>
+                        <a:schemeClr val="tx1"/>
+                      </a:solidFill>
+                      <a:prstDash val="solid"/>
+                      <a:round/>
+                      <a:headEnd type="none" w="med" len="med"/>
+                      <a:tailEnd type="none" w="med" len="med"/>
+                    </a:lnT>
+                    <a:lnB w="12700" cap="flat" cmpd="sng" algn="ctr">
+                      <a:solidFill>
+                        <a:schemeClr val="tx1"/>
+                      </a:solidFill>
+                      <a:prstDash val="solid"/>
+                      <a:round/>
+                      <a:headEnd type="none" w="med" len="med"/>
+                      <a:tailEnd type="none" w="med" len="med"/>
+                    </a:lnB>
+                    <a:noFill/>
+                  </a:tcPr>
+                </a:tc>
+                <a:tc>
+                  <a:txBody>
+                    <a:bodyPr/>
+                    <a:lstStyle/>
+                    <a:p>
+                      <a:endParaRPr kumimoji="1" lang="ja-JP" altLang="en-US"/>
+                    </a:p>
+                  </a:txBody>
+                  <a:tcPr>
+                    <a:lnL w="12700" cap="flat" cmpd="sng" algn="ctr">
+                      <a:solidFill>
+                        <a:schemeClr val="tx1"/>
+                      </a:solidFill>
+                      <a:prstDash val="solid"/>
+                      <a:round/>
+                      <a:headEnd type="none" w="med" len="med"/>
+                      <a:tailEnd type="none" w="med" len="med"/>
+                    </a:lnL>
+                    <a:lnR w="12700" cap="flat" cmpd="sng" algn="ctr">
+                      <a:solidFill>
+                        <a:schemeClr val="tx1"/>
+                      </a:solidFill>
+                      <a:prstDash val="solid"/>
+                      <a:round/>
+                      <a:headEnd type="none" w="med" len="med"/>
+                      <a:tailEnd type="none" w="med" len="med"/>
+                    </a:lnR>
+                    <a:lnT w="12700" cap="flat" cmpd="sng" algn="ctr">
+                      <a:solidFill>
+                        <a:schemeClr val="tx1"/>
+                      </a:solidFill>
+                      <a:prstDash val="solid"/>
+                      <a:round/>
+                      <a:headEnd type="none" w="med" len="med"/>
+                      <a:tailEnd type="none" w="med" len="med"/>
+                    </a:lnT>
+                    <a:lnB w="12700" cap="flat" cmpd="sng" algn="ctr">
+                      <a:solidFill>
+                        <a:schemeClr val="tx1"/>
+                      </a:solidFill>
+                      <a:prstDash val="solid"/>
+                      <a:round/>
+                      <a:headEnd type="none" w="med" len="med"/>
+                      <a:tailEnd type="none" w="med" len="med"/>
+                    </a:lnB>
+                    <a:noFill/>
+                  </a:tcPr>
+                </a:tc>
+                <a:extLst>
+                  <a:ext uri="{0D108BD9-81ED-4DB2-BD59-A6C34878D82A}">
+                    <a16:rowId xmlns:a16="http://schemas.microsoft.com/office/drawing/2014/main" val="1725753677"/>
+                  </a:ext>
+                </a:extLst>
+              </a:tr>
+              <a:tr h="1440000">
+                <a:tc>
+                  <a:txBody>
+                    <a:bodyPr/>
+                    <a:lstStyle/>
+                    <a:p>
+                      <a:endParaRPr kumimoji="1" lang="ja-JP" altLang="en-US"/>
+                    </a:p>
+                  </a:txBody>
+                  <a:tcPr>
+                    <a:lnL w="12700" cap="flat" cmpd="sng" algn="ctr">
+                      <a:solidFill>
+                        <a:schemeClr val="tx1"/>
+                      </a:solidFill>
+                      <a:prstDash val="solid"/>
+                      <a:round/>
+                      <a:headEnd type="none" w="med" len="med"/>
+                      <a:tailEnd type="none" w="med" len="med"/>
+                    </a:lnL>
+                    <a:lnR w="12700" cap="flat" cmpd="sng" algn="ctr">
+                      <a:solidFill>
+                        <a:schemeClr val="tx1"/>
+                      </a:solidFill>
+                      <a:prstDash val="solid"/>
+                      <a:round/>
+                      <a:headEnd type="none" w="med" len="med"/>
+                      <a:tailEnd type="none" w="med" len="med"/>
+                    </a:lnR>
+                    <a:lnT w="12700" cap="flat" cmpd="sng" algn="ctr">
+                      <a:solidFill>
+                        <a:schemeClr val="tx1"/>
+                      </a:solidFill>
+                      <a:prstDash val="solid"/>
+                      <a:round/>
+                      <a:headEnd type="none" w="med" len="med"/>
+                      <a:tailEnd type="none" w="med" len="med"/>
+                    </a:lnT>
+                    <a:lnB w="12700" cap="flat" cmpd="sng" algn="ctr">
+                      <a:solidFill>
+                        <a:schemeClr val="tx1"/>
+                      </a:solidFill>
+                      <a:prstDash val="solid"/>
+                      <a:round/>
+                      <a:headEnd type="none" w="med" len="med"/>
+                      <a:tailEnd type="none" w="med" len="med"/>
+                    </a:lnB>
+                    <a:noFill/>
+                  </a:tcPr>
+                </a:tc>
+                <a:tc>
+                  <a:txBody>
+                    <a:bodyPr/>
+                    <a:lstStyle/>
+                    <a:p>
+                      <a:endParaRPr kumimoji="1" lang="ja-JP" altLang="en-US" dirty="0"/>
+                    </a:p>
+                  </a:txBody>
+                  <a:tcPr>
+                    <a:lnL w="12700" cap="flat" cmpd="sng" algn="ctr">
+                      <a:solidFill>
+                        <a:schemeClr val="tx1"/>
+                      </a:solidFill>
+                      <a:prstDash val="solid"/>
+                      <a:round/>
+                      <a:headEnd type="none" w="med" len="med"/>
+                      <a:tailEnd type="none" w="med" len="med"/>
+                    </a:lnL>
+                    <a:lnR w="12700" cap="flat" cmpd="sng" algn="ctr">
+                      <a:solidFill>
+                        <a:schemeClr val="tx1"/>
+                      </a:solidFill>
+                      <a:prstDash val="solid"/>
+                      <a:round/>
+                      <a:headEnd type="none" w="med" len="med"/>
+                      <a:tailEnd type="none" w="med" len="med"/>
+                    </a:lnR>
+                    <a:lnT w="12700" cap="flat" cmpd="sng" algn="ctr">
+                      <a:solidFill>
+                        <a:schemeClr val="tx1"/>
+                      </a:solidFill>
+                      <a:prstDash val="solid"/>
+                      <a:round/>
+                      <a:headEnd type="none" w="med" len="med"/>
+                      <a:tailEnd type="none" w="med" len="med"/>
+                    </a:lnT>
+                    <a:lnB w="12700" cap="flat" cmpd="sng" algn="ctr">
+                      <a:solidFill>
+                        <a:schemeClr val="tx1"/>
+                      </a:solidFill>
+                      <a:prstDash val="solid"/>
+                      <a:round/>
+                      <a:headEnd type="none" w="med" len="med"/>
+                      <a:tailEnd type="none" w="med" len="med"/>
+                    </a:lnB>
+                    <a:noFill/>
+                  </a:tcPr>
+                </a:tc>
+                <a:tc>
+                  <a:txBody>
+                    <a:bodyPr/>
+                    <a:lstStyle/>
+                    <a:p>
+                      <a:endParaRPr kumimoji="1" lang="ja-JP" altLang="en-US"/>
+                    </a:p>
+                  </a:txBody>
+                  <a:tcPr>
+                    <a:lnL w="12700" cap="flat" cmpd="sng" algn="ctr">
+                      <a:solidFill>
+                        <a:schemeClr val="tx1"/>
+                      </a:solidFill>
+                      <a:prstDash val="solid"/>
+                      <a:round/>
+                      <a:headEnd type="none" w="med" len="med"/>
+                      <a:tailEnd type="none" w="med" len="med"/>
+                    </a:lnL>
+                    <a:lnR w="12700" cap="flat" cmpd="sng" algn="ctr">
+                      <a:solidFill>
+                        <a:schemeClr val="tx1"/>
+                      </a:solidFill>
+                      <a:prstDash val="solid"/>
+                      <a:round/>
+                      <a:headEnd type="none" w="med" len="med"/>
+                      <a:tailEnd type="none" w="med" len="med"/>
+                    </a:lnR>
+                    <a:lnT w="12700" cap="flat" cmpd="sng" algn="ctr">
+                      <a:solidFill>
+                        <a:schemeClr val="tx1"/>
+                      </a:solidFill>
+                      <a:prstDash val="solid"/>
+                      <a:round/>
+                      <a:headEnd type="none" w="med" len="med"/>
+                      <a:tailEnd type="none" w="med" len="med"/>
+                    </a:lnT>
+                    <a:lnB w="12700" cap="flat" cmpd="sng" algn="ctr">
+                      <a:solidFill>
+                        <a:schemeClr val="tx1"/>
+                      </a:solidFill>
+                      <a:prstDash val="solid"/>
+                      <a:round/>
+                      <a:headEnd type="none" w="med" len="med"/>
+                      <a:tailEnd type="none" w="med" len="med"/>
+                    </a:lnB>
+                    <a:noFill/>
+                  </a:tcPr>
+                </a:tc>
+                <a:tc>
+                  <a:txBody>
+                    <a:bodyPr/>
+                    <a:lstStyle/>
+                    <a:p>
+                      <a:endParaRPr kumimoji="1" lang="ja-JP" altLang="en-US"/>
+                    </a:p>
+                  </a:txBody>
+                  <a:tcPr>
+                    <a:lnL w="12700" cap="flat" cmpd="sng" algn="ctr">
+                      <a:solidFill>
+                        <a:schemeClr val="tx1"/>
+                      </a:solidFill>
+                      <a:prstDash val="solid"/>
+                      <a:round/>
+                      <a:headEnd type="none" w="med" len="med"/>
+                      <a:tailEnd type="none" w="med" len="med"/>
+                    </a:lnL>
+                    <a:lnR w="12700" cap="flat" cmpd="sng" algn="ctr">
+                      <a:solidFill>
+                        <a:schemeClr val="tx1"/>
+                      </a:solidFill>
+                      <a:prstDash val="solid"/>
+                      <a:round/>
+                      <a:headEnd type="none" w="med" len="med"/>
+                      <a:tailEnd type="none" w="med" len="med"/>
+                    </a:lnR>
+                    <a:lnT w="12700" cap="flat" cmpd="sng" algn="ctr">
+                      <a:solidFill>
+                        <a:schemeClr val="tx1"/>
+                      </a:solidFill>
+                      <a:prstDash val="solid"/>
+                      <a:round/>
+                      <a:headEnd type="none" w="med" len="med"/>
+                      <a:tailEnd type="none" w="med" len="med"/>
+                    </a:lnT>
+                    <a:lnB w="12700" cap="flat" cmpd="sng" algn="ctr">
+                      <a:solidFill>
+                        <a:schemeClr val="tx1"/>
+                      </a:solidFill>
+                      <a:prstDash val="solid"/>
+                      <a:round/>
+                      <a:headEnd type="none" w="med" len="med"/>
+                      <a:tailEnd type="none" w="med" len="med"/>
+                    </a:lnB>
+                    <a:noFill/>
+                  </a:tcPr>
+                </a:tc>
+                <a:tc>
+                  <a:txBody>
+                    <a:bodyPr/>
+                    <a:lstStyle/>
+                    <a:p>
+                      <a:endParaRPr kumimoji="1" lang="ja-JP" altLang="en-US"/>
+                    </a:p>
+                  </a:txBody>
+                  <a:tcPr>
+                    <a:lnL w="12700" cap="flat" cmpd="sng" algn="ctr">
+                      <a:solidFill>
+                        <a:schemeClr val="tx1"/>
+                      </a:solidFill>
+                      <a:prstDash val="solid"/>
+                      <a:round/>
+                      <a:headEnd type="none" w="med" len="med"/>
+                      <a:tailEnd type="none" w="med" len="med"/>
+                    </a:lnL>
+                    <a:lnR w="12700" cap="flat" cmpd="sng" algn="ctr">
+                      <a:solidFill>
+                        <a:schemeClr val="tx1"/>
+                      </a:solidFill>
+                      <a:prstDash val="solid"/>
+                      <a:round/>
+                      <a:headEnd type="none" w="med" len="med"/>
+                      <a:tailEnd type="none" w="med" len="med"/>
+                    </a:lnR>
+                    <a:lnT w="12700" cap="flat" cmpd="sng" algn="ctr">
+                      <a:solidFill>
+                        <a:schemeClr val="tx1"/>
+                      </a:solidFill>
+                      <a:prstDash val="solid"/>
+                      <a:round/>
+                      <a:headEnd type="none" w="med" len="med"/>
+                      <a:tailEnd type="none" w="med" len="med"/>
+                    </a:lnT>
+                    <a:lnB w="12700" cap="flat" cmpd="sng" algn="ctr">
+                      <a:solidFill>
+                        <a:schemeClr val="tx1"/>
+                      </a:solidFill>
+                      <a:prstDash val="solid"/>
+                      <a:round/>
+                      <a:headEnd type="none" w="med" len="med"/>
+                      <a:tailEnd type="none" w="med" len="med"/>
+                    </a:lnB>
+                    <a:noFill/>
+                  </a:tcPr>
+                </a:tc>
+                <a:extLst>
+                  <a:ext uri="{0D108BD9-81ED-4DB2-BD59-A6C34878D82A}">
+                    <a16:rowId xmlns:a16="http://schemas.microsoft.com/office/drawing/2014/main" val="1664081783"/>
+                  </a:ext>
+                </a:extLst>
+              </a:tr>
+              <a:tr h="1440000">
+                <a:tc>
+                  <a:txBody>
+                    <a:bodyPr/>
+                    <a:lstStyle/>
+                    <a:p>
+                      <a:endParaRPr kumimoji="1" lang="ja-JP" altLang="en-US"/>
+                    </a:p>
+                  </a:txBody>
+                  <a:tcPr>
+                    <a:lnL w="12700" cap="flat" cmpd="sng" algn="ctr">
+                      <a:solidFill>
+                        <a:schemeClr val="tx1"/>
+                      </a:solidFill>
+                      <a:prstDash val="solid"/>
+                      <a:round/>
+                      <a:headEnd type="none" w="med" len="med"/>
+                      <a:tailEnd type="none" w="med" len="med"/>
+                    </a:lnL>
+                    <a:lnR w="12700" cap="flat" cmpd="sng" algn="ctr">
+                      <a:solidFill>
+                        <a:schemeClr val="tx1"/>
+                      </a:solidFill>
+                      <a:prstDash val="solid"/>
+                      <a:round/>
+                      <a:headEnd type="none" w="med" len="med"/>
+                      <a:tailEnd type="none" w="med" len="med"/>
+                    </a:lnR>
+                    <a:lnT w="12700" cap="flat" cmpd="sng" algn="ctr">
+                      <a:solidFill>
+                        <a:schemeClr val="tx1"/>
+                      </a:solidFill>
+                      <a:prstDash val="solid"/>
+                      <a:round/>
+                      <a:headEnd type="none" w="med" len="med"/>
+                      <a:tailEnd type="none" w="med" len="med"/>
+                    </a:lnT>
+                    <a:lnB w="12700" cap="flat" cmpd="sng" algn="ctr">
+                      <a:solidFill>
+                        <a:schemeClr val="tx1"/>
+                      </a:solidFill>
+                      <a:prstDash val="solid"/>
+                      <a:round/>
+                      <a:headEnd type="none" w="med" len="med"/>
+                      <a:tailEnd type="none" w="med" len="med"/>
+                    </a:lnB>
+                    <a:noFill/>
+                  </a:tcPr>
+                </a:tc>
+                <a:tc>
+                  <a:txBody>
+                    <a:bodyPr/>
+                    <a:lstStyle/>
+                    <a:p>
+                      <a:endParaRPr kumimoji="1" lang="ja-JP" altLang="en-US"/>
+                    </a:p>
+                  </a:txBody>
+                  <a:tcPr>
+                    <a:lnL w="12700" cap="flat" cmpd="sng" algn="ctr">
+                      <a:solidFill>
+                        <a:schemeClr val="tx1"/>
+                      </a:solidFill>
+                      <a:prstDash val="solid"/>
+                      <a:round/>
+                      <a:headEnd type="none" w="med" len="med"/>
+                      <a:tailEnd type="none" w="med" len="med"/>
+                    </a:lnL>
+                    <a:lnR w="12700" cap="flat" cmpd="sng" algn="ctr">
+                      <a:solidFill>
+                        <a:schemeClr val="tx1"/>
+                      </a:solidFill>
+                      <a:prstDash val="solid"/>
+                      <a:round/>
+                      <a:headEnd type="none" w="med" len="med"/>
+                      <a:tailEnd type="none" w="med" len="med"/>
+                    </a:lnR>
+                    <a:lnT w="12700" cap="flat" cmpd="sng" algn="ctr">
+                      <a:solidFill>
+                        <a:schemeClr val="tx1"/>
+                      </a:solidFill>
+                      <a:prstDash val="solid"/>
+                      <a:round/>
+                      <a:headEnd type="none" w="med" len="med"/>
+                      <a:tailEnd type="none" w="med" len="med"/>
+                    </a:lnT>
+                    <a:lnB w="12700" cap="flat" cmpd="sng" algn="ctr">
+                      <a:solidFill>
+                        <a:schemeClr val="tx1"/>
+                      </a:solidFill>
+                      <a:prstDash val="solid"/>
+                      <a:round/>
+                      <a:headEnd type="none" w="med" len="med"/>
+                      <a:tailEnd type="none" w="med" len="med"/>
+                    </a:lnB>
+                    <a:noFill/>
+                  </a:tcPr>
+                </a:tc>
+                <a:tc>
+                  <a:txBody>
+                    <a:bodyPr/>
+                    <a:lstStyle/>
+                    <a:p>
+                      <a:endParaRPr kumimoji="1" lang="ja-JP" altLang="en-US"/>
+                    </a:p>
+                  </a:txBody>
+                  <a:tcPr>
+                    <a:lnL w="12700" cap="flat" cmpd="sng" algn="ctr">
+                      <a:solidFill>
+                        <a:schemeClr val="tx1"/>
+                      </a:solidFill>
+                      <a:prstDash val="solid"/>
+                      <a:round/>
+                      <a:headEnd type="none" w="med" len="med"/>
+                      <a:tailEnd type="none" w="med" len="med"/>
+                    </a:lnL>
+                    <a:lnR w="12700" cap="flat" cmpd="sng" algn="ctr">
+                      <a:solidFill>
+                        <a:schemeClr val="tx1"/>
+                      </a:solidFill>
+                      <a:prstDash val="solid"/>
+                      <a:round/>
+                      <a:headEnd type="none" w="med" len="med"/>
+                      <a:tailEnd type="none" w="med" len="med"/>
+                    </a:lnR>
+                    <a:lnT w="12700" cap="flat" cmpd="sng" algn="ctr">
+                      <a:solidFill>
+                        <a:schemeClr val="tx1"/>
+                      </a:solidFill>
+                      <a:prstDash val="solid"/>
+                      <a:round/>
+                      <a:headEnd type="none" w="med" len="med"/>
+                      <a:tailEnd type="none" w="med" len="med"/>
+                    </a:lnT>
+                    <a:lnB w="12700" cap="flat" cmpd="sng" algn="ctr">
+                      <a:solidFill>
+                        <a:schemeClr val="tx1"/>
+                      </a:solidFill>
+                      <a:prstDash val="solid"/>
+                      <a:round/>
+                      <a:headEnd type="none" w="med" len="med"/>
+                      <a:tailEnd type="none" w="med" len="med"/>
+                    </a:lnB>
+                    <a:noFill/>
+                  </a:tcPr>
+                </a:tc>
+                <a:tc>
+                  <a:txBody>
+                    <a:bodyPr/>
+                    <a:lstStyle/>
+                    <a:p>
+                      <a:endParaRPr kumimoji="1" lang="ja-JP" altLang="en-US"/>
+                    </a:p>
+                  </a:txBody>
+                  <a:tcPr>
+                    <a:lnL w="12700" cap="flat" cmpd="sng" algn="ctr">
+                      <a:solidFill>
+                        <a:schemeClr val="tx1"/>
+                      </a:solidFill>
+                      <a:prstDash val="solid"/>
+                      <a:round/>
+                      <a:headEnd type="none" w="med" len="med"/>
+                      <a:tailEnd type="none" w="med" len="med"/>
+                    </a:lnL>
+                    <a:lnR w="12700" cap="flat" cmpd="sng" algn="ctr">
+                      <a:solidFill>
+                        <a:schemeClr val="tx1"/>
+                      </a:solidFill>
+                      <a:prstDash val="solid"/>
+                      <a:round/>
+                      <a:headEnd type="none" w="med" len="med"/>
+                      <a:tailEnd type="none" w="med" len="med"/>
+                    </a:lnR>
+                    <a:lnT w="12700" cap="flat" cmpd="sng" algn="ctr">
+                      <a:solidFill>
+                        <a:schemeClr val="tx1"/>
+                      </a:solidFill>
+                      <a:prstDash val="solid"/>
+                      <a:round/>
+                      <a:headEnd type="none" w="med" len="med"/>
+                      <a:tailEnd type="none" w="med" len="med"/>
+                    </a:lnT>
+                    <a:lnB w="12700" cap="flat" cmpd="sng" algn="ctr">
+                      <a:solidFill>
+                        <a:schemeClr val="tx1"/>
+                      </a:solidFill>
+                      <a:prstDash val="solid"/>
+                      <a:round/>
+                      <a:headEnd type="none" w="med" len="med"/>
+                      <a:tailEnd type="none" w="med" len="med"/>
+                    </a:lnB>
+                    <a:noFill/>
+                  </a:tcPr>
+                </a:tc>
+                <a:tc>
+                  <a:txBody>
+                    <a:bodyPr/>
+                    <a:lstStyle/>
+                    <a:p>
+                      <a:endParaRPr kumimoji="1" lang="ja-JP" altLang="en-US"/>
+                    </a:p>
+                  </a:txBody>
+                  <a:tcPr>
+                    <a:lnL w="12700" cap="flat" cmpd="sng" algn="ctr">
+                      <a:solidFill>
+                        <a:schemeClr val="tx1"/>
+                      </a:solidFill>
+                      <a:prstDash val="solid"/>
+                      <a:round/>
+                      <a:headEnd type="none" w="med" len="med"/>
+                      <a:tailEnd type="none" w="med" len="med"/>
+                    </a:lnL>
+                    <a:lnR w="12700" cap="flat" cmpd="sng" algn="ctr">
+                      <a:solidFill>
+                        <a:schemeClr val="tx1"/>
+                      </a:solidFill>
+                      <a:prstDash val="solid"/>
+                      <a:round/>
+                      <a:headEnd type="none" w="med" len="med"/>
+                      <a:tailEnd type="none" w="med" len="med"/>
+                    </a:lnR>
+                    <a:lnT w="12700" cap="flat" cmpd="sng" algn="ctr">
+                      <a:solidFill>
+                        <a:schemeClr val="tx1"/>
+                      </a:solidFill>
+                      <a:prstDash val="solid"/>
+                      <a:round/>
+                      <a:headEnd type="none" w="med" len="med"/>
+                      <a:tailEnd type="none" w="med" len="med"/>
+                    </a:lnT>
+                    <a:lnB w="12700" cap="flat" cmpd="sng" algn="ctr">
+                      <a:solidFill>
+                        <a:schemeClr val="tx1"/>
+                      </a:solidFill>
+                      <a:prstDash val="solid"/>
+                      <a:round/>
+                      <a:headEnd type="none" w="med" len="med"/>
+                      <a:tailEnd type="none" w="med" len="med"/>
+                    </a:lnB>
+                    <a:noFill/>
+                  </a:tcPr>
+                </a:tc>
+                <a:extLst>
+                  <a:ext uri="{0D108BD9-81ED-4DB2-BD59-A6C34878D82A}">
+                    <a16:rowId xmlns:a16="http://schemas.microsoft.com/office/drawing/2014/main" val="1460733207"/>
+                  </a:ext>
+                </a:extLst>
+              </a:tr>
+              <a:tr h="1440000">
+                <a:tc>
+                  <a:txBody>
+                    <a:bodyPr/>
+                    <a:lstStyle/>
+                    <a:p>
+                      <a:endParaRPr kumimoji="1" lang="ja-JP" altLang="en-US"/>
+                    </a:p>
+                  </a:txBody>
+                  <a:tcPr>
+                    <a:lnL w="12700" cap="flat" cmpd="sng" algn="ctr">
+                      <a:solidFill>
+                        <a:schemeClr val="tx1"/>
+                      </a:solidFill>
+                      <a:prstDash val="solid"/>
+                      <a:round/>
+                      <a:headEnd type="none" w="med" len="med"/>
+                      <a:tailEnd type="none" w="med" len="med"/>
+                    </a:lnL>
+                    <a:lnR w="12700" cap="flat" cmpd="sng" algn="ctr">
+                      <a:solidFill>
+                        <a:schemeClr val="tx1"/>
+                      </a:solidFill>
+                      <a:prstDash val="solid"/>
+                      <a:round/>
+                      <a:headEnd type="none" w="med" len="med"/>
+                      <a:tailEnd type="none" w="med" len="med"/>
+                    </a:lnR>
+                    <a:lnT w="12700" cap="flat" cmpd="sng" algn="ctr">
+                      <a:solidFill>
+                        <a:schemeClr val="tx1"/>
+                      </a:solidFill>
+                      <a:prstDash val="solid"/>
+                      <a:round/>
+                      <a:headEnd type="none" w="med" len="med"/>
+                      <a:tailEnd type="none" w="med" len="med"/>
+                    </a:lnT>
+                    <a:lnB w="12700" cap="flat" cmpd="sng" algn="ctr">
+                      <a:solidFill>
+                        <a:schemeClr val="tx1"/>
+                      </a:solidFill>
+                      <a:prstDash val="solid"/>
+                      <a:round/>
+                      <a:headEnd type="none" w="med" len="med"/>
+                      <a:tailEnd type="none" w="med" len="med"/>
+                    </a:lnB>
+                    <a:noFill/>
+                  </a:tcPr>
+                </a:tc>
+                <a:tc>
+                  <a:txBody>
+                    <a:bodyPr/>
+                    <a:lstStyle/>
+                    <a:p>
+                      <a:endParaRPr kumimoji="1" lang="ja-JP" altLang="en-US"/>
+                    </a:p>
+                  </a:txBody>
+                  <a:tcPr>
+                    <a:lnL w="12700" cap="flat" cmpd="sng" algn="ctr">
+                      <a:solidFill>
+                        <a:schemeClr val="tx1"/>
+                      </a:solidFill>
+                      <a:prstDash val="solid"/>
+                      <a:round/>
+                      <a:headEnd type="none" w="med" len="med"/>
+                      <a:tailEnd type="none" w="med" len="med"/>
+                    </a:lnL>
+                    <a:lnR w="12700" cap="flat" cmpd="sng" algn="ctr">
+                      <a:solidFill>
+                        <a:schemeClr val="tx1"/>
+                      </a:solidFill>
+                      <a:prstDash val="solid"/>
+                      <a:round/>
+                      <a:headEnd type="none" w="med" len="med"/>
+                      <a:tailEnd type="none" w="med" len="med"/>
+                    </a:lnR>
+                    <a:lnT w="12700" cap="flat" cmpd="sng" algn="ctr">
+                      <a:solidFill>
+                        <a:schemeClr val="tx1"/>
+                      </a:solidFill>
+                      <a:prstDash val="solid"/>
+                      <a:round/>
+                      <a:headEnd type="none" w="med" len="med"/>
+                      <a:tailEnd type="none" w="med" len="med"/>
+                    </a:lnT>
+                    <a:lnB w="12700" cap="flat" cmpd="sng" algn="ctr">
+                      <a:solidFill>
+                        <a:schemeClr val="tx1"/>
+                      </a:solidFill>
+                      <a:prstDash val="solid"/>
+                      <a:round/>
+                      <a:headEnd type="none" w="med" len="med"/>
+                      <a:tailEnd type="none" w="med" len="med"/>
+                    </a:lnB>
+                    <a:noFill/>
+                  </a:tcPr>
+                </a:tc>
+                <a:tc>
+                  <a:txBody>
+                    <a:bodyPr/>
+                    <a:lstStyle/>
+                    <a:p>
+                      <a:endParaRPr kumimoji="1" lang="ja-JP" altLang="en-US" dirty="0"/>
+                    </a:p>
+                  </a:txBody>
+                  <a:tcPr>
+                    <a:lnL w="12700" cap="flat" cmpd="sng" algn="ctr">
+                      <a:solidFill>
+                        <a:schemeClr val="tx1"/>
+                      </a:solidFill>
+                      <a:prstDash val="solid"/>
+                      <a:round/>
+                      <a:headEnd type="none" w="med" len="med"/>
+                      <a:tailEnd type="none" w="med" len="med"/>
+                    </a:lnL>
+                    <a:lnR w="12700" cap="flat" cmpd="sng" algn="ctr">
+                      <a:solidFill>
+                        <a:schemeClr val="tx1"/>
+                      </a:solidFill>
+                      <a:prstDash val="solid"/>
+                      <a:round/>
+                      <a:headEnd type="none" w="med" len="med"/>
+                      <a:tailEnd type="none" w="med" len="med"/>
+                    </a:lnR>
+                    <a:lnT w="12700" cap="flat" cmpd="sng" algn="ctr">
+                      <a:solidFill>
+                        <a:schemeClr val="tx1"/>
+                      </a:solidFill>
+                      <a:prstDash val="solid"/>
+                      <a:round/>
+                      <a:headEnd type="none" w="med" len="med"/>
+                      <a:tailEnd type="none" w="med" len="med"/>
+                    </a:lnT>
+                    <a:lnB w="12700" cap="flat" cmpd="sng" algn="ctr">
+                      <a:solidFill>
+                        <a:schemeClr val="tx1"/>
+                      </a:solidFill>
+                      <a:prstDash val="solid"/>
+                      <a:round/>
+                      <a:headEnd type="none" w="med" len="med"/>
+                      <a:tailEnd type="none" w="med" len="med"/>
+                    </a:lnB>
+                    <a:noFill/>
+                  </a:tcPr>
+                </a:tc>
+                <a:tc>
+                  <a:txBody>
+                    <a:bodyPr/>
+                    <a:lstStyle/>
+                    <a:p>
+                      <a:endParaRPr kumimoji="1" lang="ja-JP" altLang="en-US"/>
+                    </a:p>
+                  </a:txBody>
+                  <a:tcPr>
+                    <a:lnL w="12700" cap="flat" cmpd="sng" algn="ctr">
+                      <a:solidFill>
+                        <a:schemeClr val="tx1"/>
+                      </a:solidFill>
+                      <a:prstDash val="solid"/>
+                      <a:round/>
+                      <a:headEnd type="none" w="med" len="med"/>
+                      <a:tailEnd type="none" w="med" len="med"/>
+                    </a:lnL>
+                    <a:lnR w="12700" cap="flat" cmpd="sng" algn="ctr">
+                      <a:solidFill>
+                        <a:schemeClr val="tx1"/>
+                      </a:solidFill>
+                      <a:prstDash val="solid"/>
+                      <a:round/>
+                      <a:headEnd type="none" w="med" len="med"/>
+                      <a:tailEnd type="none" w="med" len="med"/>
+                    </a:lnR>
+                    <a:lnT w="12700" cap="flat" cmpd="sng" algn="ctr">
+                      <a:solidFill>
+                        <a:schemeClr val="tx1"/>
+                      </a:solidFill>
+                      <a:prstDash val="solid"/>
+                      <a:round/>
+                      <a:headEnd type="none" w="med" len="med"/>
+                      <a:tailEnd type="none" w="med" len="med"/>
+                    </a:lnT>
+                    <a:lnB w="12700" cap="flat" cmpd="sng" algn="ctr">
+                      <a:solidFill>
+                        <a:schemeClr val="tx1"/>
+                      </a:solidFill>
+                      <a:prstDash val="solid"/>
+                      <a:round/>
+                      <a:headEnd type="none" w="med" len="med"/>
+                      <a:tailEnd type="none" w="med" len="med"/>
+                    </a:lnB>
+                    <a:noFill/>
+                  </a:tcPr>
+                </a:tc>
+                <a:tc>
+                  <a:txBody>
+                    <a:bodyPr/>
+                    <a:lstStyle/>
+                    <a:p>
+                      <a:endParaRPr kumimoji="1" lang="ja-JP" altLang="en-US"/>
+                    </a:p>
+                  </a:txBody>
+                  <a:tcPr>
+                    <a:lnL w="12700" cap="flat" cmpd="sng" algn="ctr">
+                      <a:solidFill>
+                        <a:schemeClr val="tx1"/>
+                      </a:solidFill>
+                      <a:prstDash val="solid"/>
+                      <a:round/>
+                      <a:headEnd type="none" w="med" len="med"/>
+                      <a:tailEnd type="none" w="med" len="med"/>
+                    </a:lnL>
+                    <a:lnR w="12700" cap="flat" cmpd="sng" algn="ctr">
+                      <a:solidFill>
+                        <a:schemeClr val="tx1"/>
+                      </a:solidFill>
+                      <a:prstDash val="solid"/>
+                      <a:round/>
+                      <a:headEnd type="none" w="med" len="med"/>
+                      <a:tailEnd type="none" w="med" len="med"/>
+                    </a:lnR>
+                    <a:lnT w="12700" cap="flat" cmpd="sng" algn="ctr">
+                      <a:solidFill>
+                        <a:schemeClr val="tx1"/>
+                      </a:solidFill>
+                      <a:prstDash val="solid"/>
+                      <a:round/>
+                      <a:headEnd type="none" w="med" len="med"/>
+                      <a:tailEnd type="none" w="med" len="med"/>
+                    </a:lnT>
+                    <a:lnB w="12700" cap="flat" cmpd="sng" algn="ctr">
+                      <a:solidFill>
+                        <a:schemeClr val="tx1"/>
+                      </a:solidFill>
+                      <a:prstDash val="solid"/>
+                      <a:round/>
+                      <a:headEnd type="none" w="med" len="med"/>
+                      <a:tailEnd type="none" w="med" len="med"/>
+                    </a:lnB>
+                    <a:noFill/>
+                  </a:tcPr>
+                </a:tc>
+                <a:extLst>
+                  <a:ext uri="{0D108BD9-81ED-4DB2-BD59-A6C34878D82A}">
+                    <a16:rowId xmlns:a16="http://schemas.microsoft.com/office/drawing/2014/main" val="3239327951"/>
+                  </a:ext>
+                </a:extLst>
+              </a:tr>
+              <a:tr h="1440000">
+                <a:tc>
+                  <a:txBody>
+                    <a:bodyPr/>
+                    <a:lstStyle/>
+                    <a:p>
+                      <a:endParaRPr kumimoji="1" lang="ja-JP" altLang="en-US"/>
+                    </a:p>
+                  </a:txBody>
+                  <a:tcPr>
+                    <a:lnL w="12700" cap="flat" cmpd="sng" algn="ctr">
+                      <a:solidFill>
+                        <a:schemeClr val="tx1"/>
+                      </a:solidFill>
+                      <a:prstDash val="solid"/>
+                      <a:round/>
+                      <a:headEnd type="none" w="med" len="med"/>
+                      <a:tailEnd type="none" w="med" len="med"/>
+                    </a:lnL>
+                    <a:lnR w="12700" cap="flat" cmpd="sng" algn="ctr">
+                      <a:solidFill>
+                        <a:schemeClr val="tx1"/>
+                      </a:solidFill>
+                      <a:prstDash val="solid"/>
+                      <a:round/>
+                      <a:headEnd type="none" w="med" len="med"/>
+                      <a:tailEnd type="none" w="med" len="med"/>
+                    </a:lnR>
+                    <a:lnT w="12700" cap="flat" cmpd="sng" algn="ctr">
+                      <a:solidFill>
+                        <a:schemeClr val="tx1"/>
+                      </a:solidFill>
+                      <a:prstDash val="solid"/>
+                      <a:round/>
+                      <a:headEnd type="none" w="med" len="med"/>
+                      <a:tailEnd type="none" w="med" len="med"/>
+                    </a:lnT>
+                    <a:lnB w="12700" cap="flat" cmpd="sng" algn="ctr">
+                      <a:solidFill>
+                        <a:schemeClr val="tx1"/>
+                      </a:solidFill>
+                      <a:prstDash val="solid"/>
+                      <a:round/>
+                      <a:headEnd type="none" w="med" len="med"/>
+                      <a:tailEnd type="none" w="med" len="med"/>
+                    </a:lnB>
+                    <a:noFill/>
+                  </a:tcPr>
+                </a:tc>
+                <a:tc>
+                  <a:txBody>
+                    <a:bodyPr/>
+                    <a:lstStyle/>
+                    <a:p>
+                      <a:endParaRPr kumimoji="1" lang="ja-JP" altLang="en-US"/>
+                    </a:p>
+                  </a:txBody>
+                  <a:tcPr>
+                    <a:lnL w="12700" cap="flat" cmpd="sng" algn="ctr">
+                      <a:solidFill>
+                        <a:schemeClr val="tx1"/>
+                      </a:solidFill>
+                      <a:prstDash val="solid"/>
+                      <a:round/>
+                      <a:headEnd type="none" w="med" len="med"/>
+                      <a:tailEnd type="none" w="med" len="med"/>
+                    </a:lnL>
+                    <a:lnR w="12700" cap="flat" cmpd="sng" algn="ctr">
+                      <a:solidFill>
+                        <a:schemeClr val="tx1"/>
+                      </a:solidFill>
+                      <a:prstDash val="solid"/>
+                      <a:round/>
+                      <a:headEnd type="none" w="med" len="med"/>
+                      <a:tailEnd type="none" w="med" len="med"/>
+                    </a:lnR>
+                    <a:lnT w="12700" cap="flat" cmpd="sng" algn="ctr">
+                      <a:solidFill>
+                        <a:schemeClr val="tx1"/>
+                      </a:solidFill>
+                      <a:prstDash val="solid"/>
+                      <a:round/>
+                      <a:headEnd type="none" w="med" len="med"/>
+                      <a:tailEnd type="none" w="med" len="med"/>
+                    </a:lnT>
+                    <a:lnB w="12700" cap="flat" cmpd="sng" algn="ctr">
+                      <a:solidFill>
+                        <a:schemeClr val="tx1"/>
+                      </a:solidFill>
+                      <a:prstDash val="solid"/>
+                      <a:round/>
+                      <a:headEnd type="none" w="med" len="med"/>
+                      <a:tailEnd type="none" w="med" len="med"/>
+                    </a:lnB>
+                    <a:noFill/>
+                  </a:tcPr>
+                </a:tc>
+                <a:tc>
+                  <a:txBody>
+                    <a:bodyPr/>
+                    <a:lstStyle/>
+                    <a:p>
+                      <a:endParaRPr kumimoji="1" lang="ja-JP" altLang="en-US"/>
+                    </a:p>
+                  </a:txBody>
+                  <a:tcPr>
+                    <a:lnL w="12700" cap="flat" cmpd="sng" algn="ctr">
+                      <a:solidFill>
+                        <a:schemeClr val="tx1"/>
+                      </a:solidFill>
+                      <a:prstDash val="solid"/>
+                      <a:round/>
+                      <a:headEnd type="none" w="med" len="med"/>
+                      <a:tailEnd type="none" w="med" len="med"/>
+                    </a:lnL>
+                    <a:lnR w="12700" cap="flat" cmpd="sng" algn="ctr">
+                      <a:solidFill>
+                        <a:schemeClr val="tx1"/>
+                      </a:solidFill>
+                      <a:prstDash val="solid"/>
+                      <a:round/>
+                      <a:headEnd type="none" w="med" len="med"/>
+                      <a:tailEnd type="none" w="med" len="med"/>
+                    </a:lnR>
+                    <a:lnT w="12700" cap="flat" cmpd="sng" algn="ctr">
+                      <a:solidFill>
+                        <a:schemeClr val="tx1"/>
+                      </a:solidFill>
+                      <a:prstDash val="solid"/>
+                      <a:round/>
+                      <a:headEnd type="none" w="med" len="med"/>
+                      <a:tailEnd type="none" w="med" len="med"/>
+                    </a:lnT>
+                    <a:lnB w="12700" cap="flat" cmpd="sng" algn="ctr">
+                      <a:solidFill>
+                        <a:schemeClr val="tx1"/>
+                      </a:solidFill>
+                      <a:prstDash val="solid"/>
+                      <a:round/>
+                      <a:headEnd type="none" w="med" len="med"/>
+                      <a:tailEnd type="none" w="med" len="med"/>
+                    </a:lnB>
+                    <a:noFill/>
+                  </a:tcPr>
+                </a:tc>
+                <a:tc>
+                  <a:txBody>
+                    <a:bodyPr/>
+                    <a:lstStyle/>
+                    <a:p>
+                      <a:endParaRPr kumimoji="1" lang="ja-JP" altLang="en-US"/>
+                    </a:p>
+                  </a:txBody>
+                  <a:tcPr>
+                    <a:lnL w="12700" cap="flat" cmpd="sng" algn="ctr">
+                      <a:solidFill>
+                        <a:schemeClr val="tx1"/>
+                      </a:solidFill>
+                      <a:prstDash val="solid"/>
+                      <a:round/>
+                      <a:headEnd type="none" w="med" len="med"/>
+                      <a:tailEnd type="none" w="med" len="med"/>
+                    </a:lnL>
+                    <a:lnR w="12700" cap="flat" cmpd="sng" algn="ctr">
+                      <a:solidFill>
+                        <a:schemeClr val="tx1"/>
+                      </a:solidFill>
+                      <a:prstDash val="solid"/>
+                      <a:round/>
+                      <a:headEnd type="none" w="med" len="med"/>
+                      <a:tailEnd type="none" w="med" len="med"/>
+                    </a:lnR>
+                    <a:lnT w="12700" cap="flat" cmpd="sng" algn="ctr">
+                      <a:solidFill>
+                        <a:schemeClr val="tx1"/>
+                      </a:solidFill>
+                      <a:prstDash val="solid"/>
+                      <a:round/>
+                      <a:headEnd type="none" w="med" len="med"/>
+                      <a:tailEnd type="none" w="med" len="med"/>
+                    </a:lnT>
+                    <a:lnB w="12700" cap="flat" cmpd="sng" algn="ctr">
+                      <a:solidFill>
+                        <a:schemeClr val="tx1"/>
+                      </a:solidFill>
+                      <a:prstDash val="solid"/>
+                      <a:round/>
+                      <a:headEnd type="none" w="med" len="med"/>
+                      <a:tailEnd type="none" w="med" len="med"/>
+                    </a:lnB>
+                    <a:noFill/>
+                  </a:tcPr>
+                </a:tc>
+                <a:tc>
+                  <a:txBody>
+                    <a:bodyPr/>
+                    <a:lstStyle/>
+                    <a:p>
+                      <a:endParaRPr kumimoji="1" lang="ja-JP" altLang="en-US" dirty="0"/>
+                    </a:p>
+                  </a:txBody>
+                  <a:tcPr>
+                    <a:lnL w="12700" cap="flat" cmpd="sng" algn="ctr">
+                      <a:solidFill>
+                        <a:schemeClr val="tx1"/>
+                      </a:solidFill>
+                      <a:prstDash val="solid"/>
+                      <a:round/>
+                      <a:headEnd type="none" w="med" len="med"/>
+                      <a:tailEnd type="none" w="med" len="med"/>
+                    </a:lnL>
+                    <a:lnR w="12700" cap="flat" cmpd="sng" algn="ctr">
+                      <a:solidFill>
+                        <a:schemeClr val="tx1"/>
+                      </a:solidFill>
+                      <a:prstDash val="solid"/>
+                      <a:round/>
+                      <a:headEnd type="none" w="med" len="med"/>
+                      <a:tailEnd type="none" w="med" len="med"/>
+                    </a:lnR>
+                    <a:lnT w="12700" cap="flat" cmpd="sng" algn="ctr">
+                      <a:solidFill>
+                        <a:schemeClr val="tx1"/>
+                      </a:solidFill>
+                      <a:prstDash val="solid"/>
+                      <a:round/>
+                      <a:headEnd type="none" w="med" len="med"/>
+                      <a:tailEnd type="none" w="med" len="med"/>
+                    </a:lnT>
+                    <a:lnB w="12700" cap="flat" cmpd="sng" algn="ctr">
+                      <a:solidFill>
+                        <a:schemeClr val="tx1"/>
+                      </a:solidFill>
+                      <a:prstDash val="solid"/>
+                      <a:round/>
+                      <a:headEnd type="none" w="med" len="med"/>
+                      <a:tailEnd type="none" w="med" len="med"/>
+                    </a:lnB>
+                    <a:noFill/>
+                  </a:tcPr>
+                </a:tc>
+                <a:extLst>
+                  <a:ext uri="{0D108BD9-81ED-4DB2-BD59-A6C34878D82A}">
+                    <a16:rowId xmlns:a16="http://schemas.microsoft.com/office/drawing/2014/main" val="149269636"/>
+                  </a:ext>
+                </a:extLst>
+              </a:tr>
+            </a:tbl>
+          </a:graphicData>
+        </a:graphic>
+      </p:graphicFrame>
       <p:pic>
         <p:nvPicPr>
-          <p:cNvPr id="78" name="図 77">
+          <p:cNvPr id="80" name="図 79">
             <a:extLst>
               <a:ext uri="{FF2B5EF4-FFF2-40B4-BE49-F238E27FC236}">
-                <a16:creationId xmlns:a16="http://schemas.microsoft.com/office/drawing/2014/main" id="{3CCF49ED-87D1-4F81-80FB-3BBD1FBD3397}"/>
+                <a16:creationId xmlns:a16="http://schemas.microsoft.com/office/drawing/2014/main" id="{4A0B05CD-A12D-4798-80B7-6498FCDA23F1}"/>
               </a:ext>
             </a:extLst>
           </p:cNvPr>
@@ -4877,7 +6431,7 @@
         </p:blipFill>
         <p:spPr>
           <a:xfrm>
-            <a:off x="5591790" y="2809492"/>
+            <a:off x="5554842" y="3886352"/>
             <a:ext cx="720000" cy="1080000"/>
           </a:xfrm>
           <a:prstGeom prst="rect">
@@ -4887,10 +6441,10 @@
       </p:pic>
       <p:pic>
         <p:nvPicPr>
-          <p:cNvPr id="79" name="図 78">
+          <p:cNvPr id="81" name="図 80">
             <a:extLst>
               <a:ext uri="{FF2B5EF4-FFF2-40B4-BE49-F238E27FC236}">
-                <a16:creationId xmlns:a16="http://schemas.microsoft.com/office/drawing/2014/main" id="{44C0EA6F-BBB0-4BE3-819C-53401DFB375D}"/>
+                <a16:creationId xmlns:a16="http://schemas.microsoft.com/office/drawing/2014/main" id="{01A003CF-D712-4159-8957-F1CB56E5DCA1}"/>
               </a:ext>
             </a:extLst>
           </p:cNvPr>
@@ -4913,7 +6467,7 @@
         </p:blipFill>
         <p:spPr>
           <a:xfrm>
-            <a:off x="5591790" y="4060985"/>
+            <a:off x="5554842" y="5329804"/>
             <a:ext cx="720000" cy="1080000"/>
           </a:xfrm>
           <a:prstGeom prst="rect">
@@ -4923,10 +6477,10 @@
       </p:pic>
       <p:pic>
         <p:nvPicPr>
-          <p:cNvPr id="80" name="図 79">
+          <p:cNvPr id="82" name="図 81">
             <a:extLst>
               <a:ext uri="{FF2B5EF4-FFF2-40B4-BE49-F238E27FC236}">
-                <a16:creationId xmlns:a16="http://schemas.microsoft.com/office/drawing/2014/main" id="{4A0B05CD-A12D-4798-80B7-6498FCDA23F1}"/>
+                <a16:creationId xmlns:a16="http://schemas.microsoft.com/office/drawing/2014/main" id="{1086EABB-6A8D-4400-8390-365387A10A8B}"/>
               </a:ext>
             </a:extLst>
           </p:cNvPr>
@@ -4949,7 +6503,7 @@
         </p:blipFill>
         <p:spPr>
           <a:xfrm>
-            <a:off x="5591790" y="5320762"/>
+            <a:off x="5554842" y="6767322"/>
             <a:ext cx="720000" cy="1080000"/>
           </a:xfrm>
           <a:prstGeom prst="rect">
@@ -4959,10 +6513,10 @@
       </p:pic>
       <p:pic>
         <p:nvPicPr>
-          <p:cNvPr id="81" name="図 80">
+          <p:cNvPr id="83" name="図 82">
             <a:extLst>
               <a:ext uri="{FF2B5EF4-FFF2-40B4-BE49-F238E27FC236}">
-                <a16:creationId xmlns:a16="http://schemas.microsoft.com/office/drawing/2014/main" id="{01A003CF-D712-4159-8957-F1CB56E5DCA1}"/>
+                <a16:creationId xmlns:a16="http://schemas.microsoft.com/office/drawing/2014/main" id="{D2C698B1-C587-4608-BF05-804081F288AC}"/>
               </a:ext>
             </a:extLst>
           </p:cNvPr>
@@ -4985,7 +6539,7 @@
         </p:blipFill>
         <p:spPr>
           <a:xfrm>
-            <a:off x="5591790" y="6576397"/>
+            <a:off x="5554842" y="8207228"/>
             <a:ext cx="720000" cy="1080000"/>
           </a:xfrm>
           <a:prstGeom prst="rect">
@@ -4995,10 +6549,10 @@
       </p:pic>
       <p:pic>
         <p:nvPicPr>
-          <p:cNvPr id="82" name="図 81">
+          <p:cNvPr id="70" name="図 69">
             <a:extLst>
               <a:ext uri="{FF2B5EF4-FFF2-40B4-BE49-F238E27FC236}">
-                <a16:creationId xmlns:a16="http://schemas.microsoft.com/office/drawing/2014/main" id="{1086EABB-6A8D-4400-8390-365387A10A8B}"/>
+                <a16:creationId xmlns:a16="http://schemas.microsoft.com/office/drawing/2014/main" id="{58C59D41-E291-41D3-9B9B-C1BD6CCE4417}"/>
               </a:ext>
             </a:extLst>
           </p:cNvPr>
@@ -5021,7 +6575,7 @@
         </p:blipFill>
         <p:spPr>
           <a:xfrm>
-            <a:off x="5591790" y="7817797"/>
+            <a:off x="3391814" y="1001665"/>
             <a:ext cx="720000" cy="1080000"/>
           </a:xfrm>
           <a:prstGeom prst="rect">
@@ -5031,10 +6585,10 @@
       </p:pic>
       <p:pic>
         <p:nvPicPr>
-          <p:cNvPr id="83" name="図 82">
+          <p:cNvPr id="71" name="図 70">
             <a:extLst>
               <a:ext uri="{FF2B5EF4-FFF2-40B4-BE49-F238E27FC236}">
-                <a16:creationId xmlns:a16="http://schemas.microsoft.com/office/drawing/2014/main" id="{D2C698B1-C587-4608-BF05-804081F288AC}"/>
+                <a16:creationId xmlns:a16="http://schemas.microsoft.com/office/drawing/2014/main" id="{5D9D43C2-6EC5-46B5-8B73-3F518EEC3494}"/>
               </a:ext>
             </a:extLst>
           </p:cNvPr>
@@ -5057,7 +6611,7 @@
         </p:blipFill>
         <p:spPr>
           <a:xfrm>
-            <a:off x="5591790" y="9073432"/>
+            <a:off x="3391685" y="2449823"/>
             <a:ext cx="720000" cy="1080000"/>
           </a:xfrm>
           <a:prstGeom prst="rect">
@@ -5067,10 +6621,10 @@
       </p:pic>
       <p:pic>
         <p:nvPicPr>
-          <p:cNvPr id="70" name="図 69">
+          <p:cNvPr id="72" name="図 71">
             <a:extLst>
               <a:ext uri="{FF2B5EF4-FFF2-40B4-BE49-F238E27FC236}">
-                <a16:creationId xmlns:a16="http://schemas.microsoft.com/office/drawing/2014/main" id="{58C59D41-E291-41D3-9B9B-C1BD6CCE4417}"/>
+                <a16:creationId xmlns:a16="http://schemas.microsoft.com/office/drawing/2014/main" id="{38561F62-A8CC-4335-B6D1-2E1D655641BA}"/>
               </a:ext>
             </a:extLst>
           </p:cNvPr>
@@ -5093,7 +6647,7 @@
         </p:blipFill>
         <p:spPr>
           <a:xfrm>
-            <a:off x="4084871" y="2790057"/>
+            <a:off x="3391685" y="3890304"/>
             <a:ext cx="720000" cy="1080000"/>
           </a:xfrm>
           <a:prstGeom prst="rect">
@@ -5103,10 +6657,10 @@
       </p:pic>
       <p:pic>
         <p:nvPicPr>
-          <p:cNvPr id="71" name="図 70">
+          <p:cNvPr id="73" name="図 72">
             <a:extLst>
               <a:ext uri="{FF2B5EF4-FFF2-40B4-BE49-F238E27FC236}">
-                <a16:creationId xmlns:a16="http://schemas.microsoft.com/office/drawing/2014/main" id="{5D9D43C2-6EC5-46B5-8B73-3F518EEC3494}"/>
+                <a16:creationId xmlns:a16="http://schemas.microsoft.com/office/drawing/2014/main" id="{035C865E-5948-4461-9B0E-3041C6B41A8A}"/>
               </a:ext>
             </a:extLst>
           </p:cNvPr>
@@ -5129,7 +6683,7 @@
         </p:blipFill>
         <p:spPr>
           <a:xfrm>
-            <a:off x="4084871" y="4045692"/>
+            <a:off x="3391685" y="5330308"/>
             <a:ext cx="720000" cy="1080000"/>
           </a:xfrm>
           <a:prstGeom prst="rect">
@@ -5139,10 +6693,10 @@
       </p:pic>
       <p:pic>
         <p:nvPicPr>
-          <p:cNvPr id="72" name="図 71">
+          <p:cNvPr id="74" name="図 73">
             <a:extLst>
               <a:ext uri="{FF2B5EF4-FFF2-40B4-BE49-F238E27FC236}">
-                <a16:creationId xmlns:a16="http://schemas.microsoft.com/office/drawing/2014/main" id="{38561F62-A8CC-4335-B6D1-2E1D655641BA}"/>
+                <a16:creationId xmlns:a16="http://schemas.microsoft.com/office/drawing/2014/main" id="{41AA225D-4823-4F1C-9FF2-F70005EA0FB5}"/>
               </a:ext>
             </a:extLst>
           </p:cNvPr>
@@ -5165,7 +6719,7 @@
         </p:blipFill>
         <p:spPr>
           <a:xfrm>
-            <a:off x="4086370" y="5301327"/>
+            <a:off x="3391685" y="6771715"/>
             <a:ext cx="720000" cy="1080000"/>
           </a:xfrm>
           <a:prstGeom prst="rect">
@@ -5175,10 +6729,10 @@
       </p:pic>
       <p:pic>
         <p:nvPicPr>
-          <p:cNvPr id="73" name="図 72">
+          <p:cNvPr id="77" name="図 76">
             <a:extLst>
               <a:ext uri="{FF2B5EF4-FFF2-40B4-BE49-F238E27FC236}">
-                <a16:creationId xmlns:a16="http://schemas.microsoft.com/office/drawing/2014/main" id="{035C865E-5948-4461-9B0E-3041C6B41A8A}"/>
+                <a16:creationId xmlns:a16="http://schemas.microsoft.com/office/drawing/2014/main" id="{6BD0546A-03E3-4B0A-9DC0-6AB6C5673FA5}"/>
               </a:ext>
             </a:extLst>
           </p:cNvPr>
@@ -5201,7 +6755,7 @@
         </p:blipFill>
         <p:spPr>
           <a:xfrm>
-            <a:off x="4084871" y="6556962"/>
+            <a:off x="3391685" y="8198194"/>
             <a:ext cx="720000" cy="1080000"/>
           </a:xfrm>
           <a:prstGeom prst="rect">
@@ -5211,10 +6765,10 @@
       </p:pic>
       <p:pic>
         <p:nvPicPr>
-          <p:cNvPr id="74" name="図 73">
+          <p:cNvPr id="64" name="図 63">
             <a:extLst>
               <a:ext uri="{FF2B5EF4-FFF2-40B4-BE49-F238E27FC236}">
-                <a16:creationId xmlns:a16="http://schemas.microsoft.com/office/drawing/2014/main" id="{41AA225D-4823-4F1C-9FF2-F70005EA0FB5}"/>
+                <a16:creationId xmlns:a16="http://schemas.microsoft.com/office/drawing/2014/main" id="{C065F511-B9EC-4CE7-AFD9-0BBC44BF9B66}"/>
               </a:ext>
             </a:extLst>
           </p:cNvPr>
@@ -5237,7 +6791,7 @@
         </p:blipFill>
         <p:spPr>
           <a:xfrm>
-            <a:off x="4084871" y="7798362"/>
+            <a:off x="1215133" y="1001665"/>
             <a:ext cx="720000" cy="1080000"/>
           </a:xfrm>
           <a:prstGeom prst="rect">
@@ -5247,10 +6801,10 @@
       </p:pic>
       <p:pic>
         <p:nvPicPr>
-          <p:cNvPr id="77" name="図 76">
+          <p:cNvPr id="65" name="図 64">
             <a:extLst>
               <a:ext uri="{FF2B5EF4-FFF2-40B4-BE49-F238E27FC236}">
-                <a16:creationId xmlns:a16="http://schemas.microsoft.com/office/drawing/2014/main" id="{6BD0546A-03E3-4B0A-9DC0-6AB6C5673FA5}"/>
+                <a16:creationId xmlns:a16="http://schemas.microsoft.com/office/drawing/2014/main" id="{3DA0C576-186A-42CA-8CE3-CB42DFC7D2D5}"/>
               </a:ext>
             </a:extLst>
           </p:cNvPr>
@@ -5273,7 +6827,7 @@
         </p:blipFill>
         <p:spPr>
           <a:xfrm>
-            <a:off x="4084871" y="9073432"/>
+            <a:off x="1220500" y="2448729"/>
             <a:ext cx="720000" cy="1080000"/>
           </a:xfrm>
           <a:prstGeom prst="rect">
@@ -5283,10 +6837,10 @@
       </p:pic>
       <p:pic>
         <p:nvPicPr>
-          <p:cNvPr id="64" name="図 63">
+          <p:cNvPr id="66" name="図 65">
             <a:extLst>
               <a:ext uri="{FF2B5EF4-FFF2-40B4-BE49-F238E27FC236}">
-                <a16:creationId xmlns:a16="http://schemas.microsoft.com/office/drawing/2014/main" id="{C065F511-B9EC-4CE7-AFD9-0BBC44BF9B66}"/>
+                <a16:creationId xmlns:a16="http://schemas.microsoft.com/office/drawing/2014/main" id="{A4BBFB0B-2D81-4CEB-A48B-375EC2CF733D}"/>
               </a:ext>
             </a:extLst>
           </p:cNvPr>
@@ -5309,7 +6863,7 @@
         </p:blipFill>
         <p:spPr>
           <a:xfrm>
-            <a:off x="2573894" y="2790057"/>
+            <a:off x="1209766" y="3889492"/>
             <a:ext cx="720000" cy="1080000"/>
           </a:xfrm>
           <a:prstGeom prst="rect">
@@ -5319,10 +6873,10 @@
       </p:pic>
       <p:pic>
         <p:nvPicPr>
-          <p:cNvPr id="65" name="図 64">
+          <p:cNvPr id="67" name="図 66">
             <a:extLst>
               <a:ext uri="{FF2B5EF4-FFF2-40B4-BE49-F238E27FC236}">
-                <a16:creationId xmlns:a16="http://schemas.microsoft.com/office/drawing/2014/main" id="{3DA0C576-186A-42CA-8CE3-CB42DFC7D2D5}"/>
+                <a16:creationId xmlns:a16="http://schemas.microsoft.com/office/drawing/2014/main" id="{69E7716E-6538-4E81-8584-5DB5D99E5AC1}"/>
               </a:ext>
             </a:extLst>
           </p:cNvPr>
@@ -5345,7 +6899,7 @@
         </p:blipFill>
         <p:spPr>
           <a:xfrm>
-            <a:off x="2568465" y="4045692"/>
+            <a:off x="1209766" y="5320762"/>
             <a:ext cx="720000" cy="1080000"/>
           </a:xfrm>
           <a:prstGeom prst="rect">
@@ -5355,10 +6909,10 @@
       </p:pic>
       <p:pic>
         <p:nvPicPr>
-          <p:cNvPr id="66" name="図 65">
+          <p:cNvPr id="68" name="図 67">
             <a:extLst>
               <a:ext uri="{FF2B5EF4-FFF2-40B4-BE49-F238E27FC236}">
-                <a16:creationId xmlns:a16="http://schemas.microsoft.com/office/drawing/2014/main" id="{A4BBFB0B-2D81-4CEB-A48B-375EC2CF733D}"/>
+                <a16:creationId xmlns:a16="http://schemas.microsoft.com/office/drawing/2014/main" id="{81A21FFE-E4A9-4429-AF9B-F0036AA79E31}"/>
               </a:ext>
             </a:extLst>
           </p:cNvPr>
@@ -5381,7 +6935,7 @@
         </p:blipFill>
         <p:spPr>
           <a:xfrm>
-            <a:off x="2568465" y="5301327"/>
+            <a:off x="1209766" y="6767826"/>
             <a:ext cx="720000" cy="1080000"/>
           </a:xfrm>
           <a:prstGeom prst="rect">
@@ -5391,10 +6945,10 @@
       </p:pic>
       <p:pic>
         <p:nvPicPr>
-          <p:cNvPr id="67" name="図 66">
+          <p:cNvPr id="69" name="図 68">
             <a:extLst>
               <a:ext uri="{FF2B5EF4-FFF2-40B4-BE49-F238E27FC236}">
-                <a16:creationId xmlns:a16="http://schemas.microsoft.com/office/drawing/2014/main" id="{69E7716E-6538-4E81-8584-5DB5D99E5AC1}"/>
+                <a16:creationId xmlns:a16="http://schemas.microsoft.com/office/drawing/2014/main" id="{E9FF35FE-D4AE-4497-B07D-86D7B80249EF}"/>
               </a:ext>
             </a:extLst>
           </p:cNvPr>
@@ -5417,7 +6971,7 @@
         </p:blipFill>
         <p:spPr>
           <a:xfrm>
-            <a:off x="2568465" y="6556962"/>
+            <a:off x="1220500" y="8214891"/>
             <a:ext cx="720000" cy="1080000"/>
           </a:xfrm>
           <a:prstGeom prst="rect">
@@ -5425,12 +6979,277 @@
           </a:prstGeom>
         </p:spPr>
       </p:pic>
+      <p:sp>
+        <p:nvSpPr>
+          <p:cNvPr id="6" name="テキスト ボックス 5"/>
+          <p:cNvSpPr txBox="1"/>
+          <p:nvPr/>
+        </p:nvSpPr>
+        <p:spPr>
+          <a:xfrm>
+            <a:off x="1051814" y="2065549"/>
+            <a:ext cx="1068976" cy="369332"/>
+          </a:xfrm>
+          <a:prstGeom prst="rect">
+            <a:avLst/>
+          </a:prstGeom>
+          <a:noFill/>
+        </p:spPr>
+        <p:txBody>
+          <a:bodyPr wrap="square" rtlCol="0">
+            <a:spAutoFit/>
+          </a:bodyPr>
+          <a:lstStyle/>
+          <a:p>
+            <a:pPr algn="ctr"/>
+            <a:r>
+              <a:rPr lang="en-US" altLang="ja-JP" dirty="0">
+                <a:latin typeface="Times New Roman" panose="02020603050405020304" pitchFamily="18" charset="0"/>
+                <a:cs typeface="Times New Roman" panose="02020603050405020304" pitchFamily="18" charset="0"/>
+              </a:rPr>
+              <a:t>0.020 s</a:t>
+            </a:r>
+            <a:endParaRPr lang="ja-JP" altLang="en-US" dirty="0">
+              <a:latin typeface="Times New Roman" panose="02020603050405020304" pitchFamily="18" charset="0"/>
+              <a:cs typeface="Times New Roman" panose="02020603050405020304" pitchFamily="18" charset="0"/>
+            </a:endParaRPr>
+          </a:p>
+        </p:txBody>
+      </p:sp>
+      <p:sp>
+        <p:nvSpPr>
+          <p:cNvPr id="35" name="テキスト ボックス 34"/>
+          <p:cNvSpPr txBox="1"/>
+          <p:nvPr/>
+        </p:nvSpPr>
+        <p:spPr>
+          <a:xfrm>
+            <a:off x="1051556" y="3510667"/>
+            <a:ext cx="1075786" cy="369332"/>
+          </a:xfrm>
+          <a:prstGeom prst="rect">
+            <a:avLst/>
+          </a:prstGeom>
+          <a:noFill/>
+        </p:spPr>
+        <p:txBody>
+          <a:bodyPr wrap="square" rtlCol="0">
+            <a:spAutoFit/>
+          </a:bodyPr>
+          <a:lstStyle/>
+          <a:p>
+            <a:pPr algn="ctr"/>
+            <a:r>
+              <a:rPr lang="en-US" altLang="ja-JP" dirty="0">
+                <a:latin typeface="Times New Roman" panose="02020603050405020304" pitchFamily="18" charset="0"/>
+                <a:cs typeface="Times New Roman" panose="02020603050405020304" pitchFamily="18" charset="0"/>
+              </a:rPr>
+              <a:t>0.060 s</a:t>
+            </a:r>
+            <a:endParaRPr lang="ja-JP" altLang="en-US" dirty="0">
+              <a:latin typeface="Times New Roman" panose="02020603050405020304" pitchFamily="18" charset="0"/>
+              <a:cs typeface="Times New Roman" panose="02020603050405020304" pitchFamily="18" charset="0"/>
+            </a:endParaRPr>
+          </a:p>
+        </p:txBody>
+      </p:sp>
+      <p:sp>
+        <p:nvSpPr>
+          <p:cNvPr id="36" name="テキスト ボックス 35"/>
+          <p:cNvSpPr txBox="1"/>
+          <p:nvPr/>
+        </p:nvSpPr>
+        <p:spPr>
+          <a:xfrm>
+            <a:off x="1057272" y="4968358"/>
+            <a:ext cx="1091569" cy="369332"/>
+          </a:xfrm>
+          <a:prstGeom prst="rect">
+            <a:avLst/>
+          </a:prstGeom>
+          <a:noFill/>
+        </p:spPr>
+        <p:txBody>
+          <a:bodyPr wrap="square" rtlCol="0">
+            <a:spAutoFit/>
+          </a:bodyPr>
+          <a:lstStyle/>
+          <a:p>
+            <a:pPr algn="ctr"/>
+            <a:r>
+              <a:rPr lang="en-US" altLang="ja-JP" dirty="0">
+                <a:latin typeface="Times New Roman" panose="02020603050405020304" pitchFamily="18" charset="0"/>
+                <a:cs typeface="Times New Roman" panose="02020603050405020304" pitchFamily="18" charset="0"/>
+              </a:rPr>
+              <a:t>0.100 s</a:t>
+            </a:r>
+            <a:endParaRPr lang="ja-JP" altLang="en-US" dirty="0">
+              <a:latin typeface="Times New Roman" panose="02020603050405020304" pitchFamily="18" charset="0"/>
+              <a:cs typeface="Times New Roman" panose="02020603050405020304" pitchFamily="18" charset="0"/>
+            </a:endParaRPr>
+          </a:p>
+        </p:txBody>
+      </p:sp>
+      <p:sp>
+        <p:nvSpPr>
+          <p:cNvPr id="37" name="テキスト ボックス 36"/>
+          <p:cNvSpPr txBox="1"/>
+          <p:nvPr/>
+        </p:nvSpPr>
+        <p:spPr>
+          <a:xfrm>
+            <a:off x="1051556" y="6383614"/>
+            <a:ext cx="1058210" cy="369332"/>
+          </a:xfrm>
+          <a:prstGeom prst="rect">
+            <a:avLst/>
+          </a:prstGeom>
+          <a:noFill/>
+        </p:spPr>
+        <p:txBody>
+          <a:bodyPr wrap="square" rtlCol="0">
+            <a:spAutoFit/>
+          </a:bodyPr>
+          <a:lstStyle/>
+          <a:p>
+            <a:pPr algn="ctr"/>
+            <a:r>
+              <a:rPr lang="en-US" altLang="ja-JP" dirty="0">
+                <a:latin typeface="Times New Roman" panose="02020603050405020304" pitchFamily="18" charset="0"/>
+                <a:cs typeface="Times New Roman" panose="02020603050405020304" pitchFamily="18" charset="0"/>
+              </a:rPr>
+              <a:t>0.140 s</a:t>
+            </a:r>
+            <a:endParaRPr lang="ja-JP" altLang="en-US" dirty="0">
+              <a:latin typeface="Times New Roman" panose="02020603050405020304" pitchFamily="18" charset="0"/>
+              <a:cs typeface="Times New Roman" panose="02020603050405020304" pitchFamily="18" charset="0"/>
+            </a:endParaRPr>
+          </a:p>
+        </p:txBody>
+      </p:sp>
+      <p:sp>
+        <p:nvSpPr>
+          <p:cNvPr id="38" name="テキスト ボックス 37"/>
+          <p:cNvSpPr txBox="1"/>
+          <p:nvPr/>
+        </p:nvSpPr>
+        <p:spPr>
+          <a:xfrm>
+            <a:off x="1051556" y="7827973"/>
+            <a:ext cx="1075786" cy="369332"/>
+          </a:xfrm>
+          <a:prstGeom prst="rect">
+            <a:avLst/>
+          </a:prstGeom>
+          <a:noFill/>
+        </p:spPr>
+        <p:txBody>
+          <a:bodyPr wrap="square" rtlCol="0">
+            <a:spAutoFit/>
+          </a:bodyPr>
+          <a:lstStyle/>
+          <a:p>
+            <a:pPr algn="ctr"/>
+            <a:r>
+              <a:rPr lang="en-US" altLang="ja-JP" dirty="0">
+                <a:latin typeface="Times New Roman" panose="02020603050405020304" pitchFamily="18" charset="0"/>
+                <a:cs typeface="Times New Roman" panose="02020603050405020304" pitchFamily="18" charset="0"/>
+              </a:rPr>
+              <a:t>0.180 s</a:t>
+            </a:r>
+            <a:endParaRPr lang="ja-JP" altLang="en-US" dirty="0">
+              <a:latin typeface="Times New Roman" panose="02020603050405020304" pitchFamily="18" charset="0"/>
+              <a:cs typeface="Times New Roman" panose="02020603050405020304" pitchFamily="18" charset="0"/>
+            </a:endParaRPr>
+          </a:p>
+        </p:txBody>
+      </p:sp>
+      <p:sp>
+        <p:nvSpPr>
+          <p:cNvPr id="39" name="テキスト ボックス 38"/>
+          <p:cNvSpPr txBox="1"/>
+          <p:nvPr/>
+        </p:nvSpPr>
+        <p:spPr>
+          <a:xfrm>
+            <a:off x="1051556" y="9293677"/>
+            <a:ext cx="1075786" cy="369332"/>
+          </a:xfrm>
+          <a:prstGeom prst="rect">
+            <a:avLst/>
+          </a:prstGeom>
+          <a:noFill/>
+        </p:spPr>
+        <p:txBody>
+          <a:bodyPr wrap="square" rtlCol="0">
+            <a:spAutoFit/>
+          </a:bodyPr>
+          <a:lstStyle/>
+          <a:p>
+            <a:pPr algn="ctr"/>
+            <a:r>
+              <a:rPr lang="en-US" altLang="ja-JP" dirty="0">
+                <a:latin typeface="Times New Roman" panose="02020603050405020304" pitchFamily="18" charset="0"/>
+                <a:cs typeface="Times New Roman" panose="02020603050405020304" pitchFamily="18" charset="0"/>
+              </a:rPr>
+              <a:t>0.220 s</a:t>
+            </a:r>
+            <a:endParaRPr lang="ja-JP" altLang="en-US" dirty="0">
+              <a:latin typeface="Times New Roman" panose="02020603050405020304" pitchFamily="18" charset="0"/>
+              <a:cs typeface="Times New Roman" panose="02020603050405020304" pitchFamily="18" charset="0"/>
+            </a:endParaRPr>
+          </a:p>
+        </p:txBody>
+      </p:sp>
+      <p:sp>
+        <p:nvSpPr>
+          <p:cNvPr id="52" name="テキスト ボックス 51">
+            <a:extLst>
+              <a:ext uri="{FF2B5EF4-FFF2-40B4-BE49-F238E27FC236}">
+                <a16:creationId xmlns:a16="http://schemas.microsoft.com/office/drawing/2014/main" id="{B9B25940-FDC8-447D-AA02-5C9253ABD50B}"/>
+              </a:ext>
+            </a:extLst>
+          </p:cNvPr>
+          <p:cNvSpPr txBox="1"/>
+          <p:nvPr/>
+        </p:nvSpPr>
+        <p:spPr>
+          <a:xfrm>
+            <a:off x="1029766" y="9658308"/>
+            <a:ext cx="1080000" cy="553998"/>
+          </a:xfrm>
+          <a:prstGeom prst="rect">
+            <a:avLst/>
+          </a:prstGeom>
+          <a:noFill/>
+        </p:spPr>
+        <p:txBody>
+          <a:bodyPr wrap="square" rtlCol="0">
+            <a:spAutoFit/>
+          </a:bodyPr>
+          <a:lstStyle/>
+          <a:p>
+            <a:pPr algn="ctr"/>
+            <a:r>
+              <a:rPr lang="en-US" altLang="ja-JP" sz="1500" dirty="0">
+                <a:latin typeface="Times New Roman" panose="02020603050405020304" pitchFamily="18" charset="0"/>
+                <a:cs typeface="Times New Roman" panose="02020603050405020304" pitchFamily="18" charset="0"/>
+              </a:rPr>
+              <a:t>Case 1-1 (300 mm/s)</a:t>
+            </a:r>
+            <a:endParaRPr lang="ja-JP" altLang="en-US" sz="1500" dirty="0">
+              <a:latin typeface="Times New Roman" panose="02020603050405020304" pitchFamily="18" charset="0"/>
+              <a:cs typeface="Times New Roman" panose="02020603050405020304" pitchFamily="18" charset="0"/>
+            </a:endParaRPr>
+          </a:p>
+        </p:txBody>
+      </p:sp>
       <p:pic>
         <p:nvPicPr>
-          <p:cNvPr id="68" name="図 67">
+          <p:cNvPr id="40" name="図 39">
             <a:extLst>
               <a:ext uri="{FF2B5EF4-FFF2-40B4-BE49-F238E27FC236}">
-                <a16:creationId xmlns:a16="http://schemas.microsoft.com/office/drawing/2014/main" id="{81A21FFE-E4A9-4429-AF9B-F0036AA79E31}"/>
+                <a16:creationId xmlns:a16="http://schemas.microsoft.com/office/drawing/2014/main" id="{5884D66C-CB37-4D0E-B0AC-209821EAE53A}"/>
               </a:ext>
             </a:extLst>
           </p:cNvPr>
@@ -5453,7 +7272,7 @@
         </p:blipFill>
         <p:spPr>
           <a:xfrm>
-            <a:off x="2568465" y="7798362"/>
+            <a:off x="5554842" y="1001161"/>
             <a:ext cx="720000" cy="1080000"/>
           </a:xfrm>
           <a:prstGeom prst="rect">
@@ -5463,10 +7282,10 @@
       </p:pic>
       <p:pic>
         <p:nvPicPr>
-          <p:cNvPr id="69" name="図 68">
+          <p:cNvPr id="41" name="図 40">
             <a:extLst>
               <a:ext uri="{FF2B5EF4-FFF2-40B4-BE49-F238E27FC236}">
-                <a16:creationId xmlns:a16="http://schemas.microsoft.com/office/drawing/2014/main" id="{E9FF35FE-D4AE-4497-B07D-86D7B80249EF}"/>
+                <a16:creationId xmlns:a16="http://schemas.microsoft.com/office/drawing/2014/main" id="{344FEC6E-0D0C-4805-AF5E-6E849068C99C}"/>
               </a:ext>
             </a:extLst>
           </p:cNvPr>
@@ -5489,7 +7308,7 @@
         </p:blipFill>
         <p:spPr>
           <a:xfrm>
-            <a:off x="2577614" y="9039762"/>
+            <a:off x="5554842" y="2444613"/>
             <a:ext cx="720000" cy="1080000"/>
           </a:xfrm>
           <a:prstGeom prst="rect">
@@ -5497,12 +7316,1216 @@
           </a:prstGeom>
         </p:spPr>
       </p:pic>
+      <p:sp>
+        <p:nvSpPr>
+          <p:cNvPr id="42" name="テキスト ボックス 41">
+            <a:extLst>
+              <a:ext uri="{FF2B5EF4-FFF2-40B4-BE49-F238E27FC236}">
+                <a16:creationId xmlns:a16="http://schemas.microsoft.com/office/drawing/2014/main" id="{F1596B8D-B682-4693-85BE-0B81C1F49A42}"/>
+              </a:ext>
+            </a:extLst>
+          </p:cNvPr>
+          <p:cNvSpPr txBox="1"/>
+          <p:nvPr/>
+        </p:nvSpPr>
+        <p:spPr>
+          <a:xfrm>
+            <a:off x="3211814" y="9648578"/>
+            <a:ext cx="1080000" cy="553998"/>
+          </a:xfrm>
+          <a:prstGeom prst="rect">
+            <a:avLst/>
+          </a:prstGeom>
+          <a:noFill/>
+        </p:spPr>
+        <p:txBody>
+          <a:bodyPr wrap="square" rtlCol="0">
+            <a:spAutoFit/>
+          </a:bodyPr>
+          <a:lstStyle/>
+          <a:p>
+            <a:pPr algn="ctr"/>
+            <a:r>
+              <a:rPr lang="en-US" altLang="ja-JP" sz="1500" dirty="0">
+                <a:latin typeface="Times New Roman" panose="02020603050405020304" pitchFamily="18" charset="0"/>
+                <a:cs typeface="Times New Roman" panose="02020603050405020304" pitchFamily="18" charset="0"/>
+              </a:rPr>
+              <a:t>Case 1-3 (500 mm/s)</a:t>
+            </a:r>
+            <a:endParaRPr lang="ja-JP" altLang="en-US" sz="1500" dirty="0">
+              <a:latin typeface="Times New Roman" panose="02020603050405020304" pitchFamily="18" charset="0"/>
+              <a:cs typeface="Times New Roman" panose="02020603050405020304" pitchFamily="18" charset="0"/>
+            </a:endParaRPr>
+          </a:p>
+        </p:txBody>
+      </p:sp>
+      <p:sp>
+        <p:nvSpPr>
+          <p:cNvPr id="43" name="テキスト ボックス 42">
+            <a:extLst>
+              <a:ext uri="{FF2B5EF4-FFF2-40B4-BE49-F238E27FC236}">
+                <a16:creationId xmlns:a16="http://schemas.microsoft.com/office/drawing/2014/main" id="{AA36FCAF-1539-4113-BCA4-D98EE9BB5473}"/>
+              </a:ext>
+            </a:extLst>
+          </p:cNvPr>
+          <p:cNvSpPr txBox="1"/>
+          <p:nvPr/>
+        </p:nvSpPr>
+        <p:spPr>
+          <a:xfrm>
+            <a:off x="2120790" y="9655491"/>
+            <a:ext cx="1080000" cy="553998"/>
+          </a:xfrm>
+          <a:prstGeom prst="rect">
+            <a:avLst/>
+          </a:prstGeom>
+          <a:noFill/>
+        </p:spPr>
+        <p:txBody>
+          <a:bodyPr wrap="square" rtlCol="0">
+            <a:spAutoFit/>
+          </a:bodyPr>
+          <a:lstStyle/>
+          <a:p>
+            <a:pPr algn="ctr"/>
+            <a:r>
+              <a:rPr lang="en-US" altLang="ja-JP" sz="1500" dirty="0">
+                <a:latin typeface="Times New Roman" panose="02020603050405020304" pitchFamily="18" charset="0"/>
+                <a:cs typeface="Times New Roman" panose="02020603050405020304" pitchFamily="18" charset="0"/>
+              </a:rPr>
+              <a:t>Case 1-2 (400 mm/s)</a:t>
+            </a:r>
+            <a:endParaRPr lang="ja-JP" altLang="en-US" sz="1500" dirty="0">
+              <a:latin typeface="Times New Roman" panose="02020603050405020304" pitchFamily="18" charset="0"/>
+              <a:cs typeface="Times New Roman" panose="02020603050405020304" pitchFamily="18" charset="0"/>
+            </a:endParaRPr>
+          </a:p>
+        </p:txBody>
+      </p:sp>
+      <p:sp>
+        <p:nvSpPr>
+          <p:cNvPr id="44" name="テキスト ボックス 43">
+            <a:extLst>
+              <a:ext uri="{FF2B5EF4-FFF2-40B4-BE49-F238E27FC236}">
+                <a16:creationId xmlns:a16="http://schemas.microsoft.com/office/drawing/2014/main" id="{CF2C1C30-766A-436E-A219-EEE2CA5703E1}"/>
+              </a:ext>
+            </a:extLst>
+          </p:cNvPr>
+          <p:cNvSpPr txBox="1"/>
+          <p:nvPr/>
+        </p:nvSpPr>
+        <p:spPr>
+          <a:xfrm>
+            <a:off x="4280790" y="9636990"/>
+            <a:ext cx="1080000" cy="553998"/>
+          </a:xfrm>
+          <a:prstGeom prst="rect">
+            <a:avLst/>
+          </a:prstGeom>
+          <a:noFill/>
+        </p:spPr>
+        <p:txBody>
+          <a:bodyPr wrap="square" rtlCol="0">
+            <a:spAutoFit/>
+          </a:bodyPr>
+          <a:lstStyle/>
+          <a:p>
+            <a:pPr algn="ctr"/>
+            <a:r>
+              <a:rPr lang="en-US" altLang="ja-JP" sz="1500" dirty="0">
+                <a:latin typeface="Times New Roman" panose="02020603050405020304" pitchFamily="18" charset="0"/>
+                <a:cs typeface="Times New Roman" panose="02020603050405020304" pitchFamily="18" charset="0"/>
+              </a:rPr>
+              <a:t>Case 1-4 (600 mm/s)</a:t>
+            </a:r>
+            <a:endParaRPr lang="ja-JP" altLang="en-US" sz="1500" dirty="0">
+              <a:latin typeface="Times New Roman" panose="02020603050405020304" pitchFamily="18" charset="0"/>
+              <a:cs typeface="Times New Roman" panose="02020603050405020304" pitchFamily="18" charset="0"/>
+            </a:endParaRPr>
+          </a:p>
+        </p:txBody>
+      </p:sp>
+      <p:sp>
+        <p:nvSpPr>
+          <p:cNvPr id="45" name="テキスト ボックス 44">
+            <a:extLst>
+              <a:ext uri="{FF2B5EF4-FFF2-40B4-BE49-F238E27FC236}">
+                <a16:creationId xmlns:a16="http://schemas.microsoft.com/office/drawing/2014/main" id="{58D889CF-B963-4E7C-87E2-841EA933C87F}"/>
+              </a:ext>
+            </a:extLst>
+          </p:cNvPr>
+          <p:cNvSpPr txBox="1"/>
+          <p:nvPr/>
+        </p:nvSpPr>
+        <p:spPr>
+          <a:xfrm>
+            <a:off x="5371814" y="9655491"/>
+            <a:ext cx="1080000" cy="553998"/>
+          </a:xfrm>
+          <a:prstGeom prst="rect">
+            <a:avLst/>
+          </a:prstGeom>
+          <a:noFill/>
+        </p:spPr>
+        <p:txBody>
+          <a:bodyPr wrap="square" rtlCol="0">
+            <a:spAutoFit/>
+          </a:bodyPr>
+          <a:lstStyle/>
+          <a:p>
+            <a:pPr algn="ctr"/>
+            <a:r>
+              <a:rPr lang="en-US" altLang="ja-JP" sz="1500" dirty="0">
+                <a:latin typeface="Times New Roman" panose="02020603050405020304" pitchFamily="18" charset="0"/>
+                <a:cs typeface="Times New Roman" panose="02020603050405020304" pitchFamily="18" charset="0"/>
+              </a:rPr>
+              <a:t>Case 1-5 (700 mm/s)</a:t>
+            </a:r>
+            <a:endParaRPr lang="ja-JP" altLang="en-US" sz="1500" dirty="0">
+              <a:latin typeface="Times New Roman" panose="02020603050405020304" pitchFamily="18" charset="0"/>
+              <a:cs typeface="Times New Roman" panose="02020603050405020304" pitchFamily="18" charset="0"/>
+            </a:endParaRPr>
+          </a:p>
+        </p:txBody>
+      </p:sp>
+      <p:sp>
+        <p:nvSpPr>
+          <p:cNvPr id="103" name="テキスト ボックス 102">
+            <a:extLst>
+              <a:ext uri="{FF2B5EF4-FFF2-40B4-BE49-F238E27FC236}">
+                <a16:creationId xmlns:a16="http://schemas.microsoft.com/office/drawing/2014/main" id="{1F232266-0E34-492C-80A6-C8BE68491721}"/>
+              </a:ext>
+            </a:extLst>
+          </p:cNvPr>
+          <p:cNvSpPr txBox="1"/>
+          <p:nvPr/>
+        </p:nvSpPr>
+        <p:spPr>
+          <a:xfrm>
+            <a:off x="2120790" y="2081161"/>
+            <a:ext cx="1068976" cy="369332"/>
+          </a:xfrm>
+          <a:prstGeom prst="rect">
+            <a:avLst/>
+          </a:prstGeom>
+          <a:noFill/>
+        </p:spPr>
+        <p:txBody>
+          <a:bodyPr wrap="square" rtlCol="0">
+            <a:spAutoFit/>
+          </a:bodyPr>
+          <a:lstStyle/>
+          <a:p>
+            <a:pPr algn="ctr"/>
+            <a:r>
+              <a:rPr lang="en-US" altLang="ja-JP" dirty="0">
+                <a:latin typeface="Times New Roman" panose="02020603050405020304" pitchFamily="18" charset="0"/>
+                <a:cs typeface="Times New Roman" panose="02020603050405020304" pitchFamily="18" charset="0"/>
+              </a:rPr>
+              <a:t>0.020 s</a:t>
+            </a:r>
+            <a:endParaRPr lang="ja-JP" altLang="en-US" dirty="0">
+              <a:latin typeface="Times New Roman" panose="02020603050405020304" pitchFamily="18" charset="0"/>
+              <a:cs typeface="Times New Roman" panose="02020603050405020304" pitchFamily="18" charset="0"/>
+            </a:endParaRPr>
+          </a:p>
+        </p:txBody>
+      </p:sp>
+      <p:sp>
+        <p:nvSpPr>
+          <p:cNvPr id="104" name="テキスト ボックス 103">
+            <a:extLst>
+              <a:ext uri="{FF2B5EF4-FFF2-40B4-BE49-F238E27FC236}">
+                <a16:creationId xmlns:a16="http://schemas.microsoft.com/office/drawing/2014/main" id="{945F1A8C-9EF0-4746-A0BE-4B8445A1EE77}"/>
+              </a:ext>
+            </a:extLst>
+          </p:cNvPr>
+          <p:cNvSpPr txBox="1"/>
+          <p:nvPr/>
+        </p:nvSpPr>
+        <p:spPr>
+          <a:xfrm>
+            <a:off x="2120532" y="3526279"/>
+            <a:ext cx="1075786" cy="369332"/>
+          </a:xfrm>
+          <a:prstGeom prst="rect">
+            <a:avLst/>
+          </a:prstGeom>
+          <a:noFill/>
+        </p:spPr>
+        <p:txBody>
+          <a:bodyPr wrap="square" rtlCol="0">
+            <a:spAutoFit/>
+          </a:bodyPr>
+          <a:lstStyle/>
+          <a:p>
+            <a:pPr algn="ctr"/>
+            <a:r>
+              <a:rPr lang="en-US" altLang="ja-JP" dirty="0">
+                <a:latin typeface="Times New Roman" panose="02020603050405020304" pitchFamily="18" charset="0"/>
+                <a:cs typeface="Times New Roman" panose="02020603050405020304" pitchFamily="18" charset="0"/>
+              </a:rPr>
+              <a:t>0.060 s</a:t>
+            </a:r>
+            <a:endParaRPr lang="ja-JP" altLang="en-US" dirty="0">
+              <a:latin typeface="Times New Roman" panose="02020603050405020304" pitchFamily="18" charset="0"/>
+              <a:cs typeface="Times New Roman" panose="02020603050405020304" pitchFamily="18" charset="0"/>
+            </a:endParaRPr>
+          </a:p>
+        </p:txBody>
+      </p:sp>
+      <p:sp>
+        <p:nvSpPr>
+          <p:cNvPr id="105" name="テキスト ボックス 104">
+            <a:extLst>
+              <a:ext uri="{FF2B5EF4-FFF2-40B4-BE49-F238E27FC236}">
+                <a16:creationId xmlns:a16="http://schemas.microsoft.com/office/drawing/2014/main" id="{3C83A004-44E4-40DE-9A12-B0A145C61EE9}"/>
+              </a:ext>
+            </a:extLst>
+          </p:cNvPr>
+          <p:cNvSpPr txBox="1"/>
+          <p:nvPr/>
+        </p:nvSpPr>
+        <p:spPr>
+          <a:xfrm>
+            <a:off x="2126248" y="4983970"/>
+            <a:ext cx="1091569" cy="369332"/>
+          </a:xfrm>
+          <a:prstGeom prst="rect">
+            <a:avLst/>
+          </a:prstGeom>
+          <a:noFill/>
+        </p:spPr>
+        <p:txBody>
+          <a:bodyPr wrap="square" rtlCol="0">
+            <a:spAutoFit/>
+          </a:bodyPr>
+          <a:lstStyle/>
+          <a:p>
+            <a:pPr algn="ctr"/>
+            <a:r>
+              <a:rPr lang="en-US" altLang="ja-JP" dirty="0">
+                <a:latin typeface="Times New Roman" panose="02020603050405020304" pitchFamily="18" charset="0"/>
+                <a:cs typeface="Times New Roman" panose="02020603050405020304" pitchFamily="18" charset="0"/>
+              </a:rPr>
+              <a:t>0.100 s</a:t>
+            </a:r>
+            <a:endParaRPr lang="ja-JP" altLang="en-US" dirty="0">
+              <a:latin typeface="Times New Roman" panose="02020603050405020304" pitchFamily="18" charset="0"/>
+              <a:cs typeface="Times New Roman" panose="02020603050405020304" pitchFamily="18" charset="0"/>
+            </a:endParaRPr>
+          </a:p>
+        </p:txBody>
+      </p:sp>
+      <p:sp>
+        <p:nvSpPr>
+          <p:cNvPr id="106" name="テキスト ボックス 105">
+            <a:extLst>
+              <a:ext uri="{FF2B5EF4-FFF2-40B4-BE49-F238E27FC236}">
+                <a16:creationId xmlns:a16="http://schemas.microsoft.com/office/drawing/2014/main" id="{1C4D9722-7582-48F3-A0BF-42B6F97353E9}"/>
+              </a:ext>
+            </a:extLst>
+          </p:cNvPr>
+          <p:cNvSpPr txBox="1"/>
+          <p:nvPr/>
+        </p:nvSpPr>
+        <p:spPr>
+          <a:xfrm>
+            <a:off x="2120532" y="6399226"/>
+            <a:ext cx="1058210" cy="369332"/>
+          </a:xfrm>
+          <a:prstGeom prst="rect">
+            <a:avLst/>
+          </a:prstGeom>
+          <a:noFill/>
+        </p:spPr>
+        <p:txBody>
+          <a:bodyPr wrap="square" rtlCol="0">
+            <a:spAutoFit/>
+          </a:bodyPr>
+          <a:lstStyle/>
+          <a:p>
+            <a:pPr algn="ctr"/>
+            <a:r>
+              <a:rPr lang="en-US" altLang="ja-JP" dirty="0">
+                <a:latin typeface="Times New Roman" panose="02020603050405020304" pitchFamily="18" charset="0"/>
+                <a:cs typeface="Times New Roman" panose="02020603050405020304" pitchFamily="18" charset="0"/>
+              </a:rPr>
+              <a:t>0.140 s</a:t>
+            </a:r>
+            <a:endParaRPr lang="ja-JP" altLang="en-US" dirty="0">
+              <a:latin typeface="Times New Roman" panose="02020603050405020304" pitchFamily="18" charset="0"/>
+              <a:cs typeface="Times New Roman" panose="02020603050405020304" pitchFamily="18" charset="0"/>
+            </a:endParaRPr>
+          </a:p>
+        </p:txBody>
+      </p:sp>
+      <p:sp>
+        <p:nvSpPr>
+          <p:cNvPr id="107" name="テキスト ボックス 106">
+            <a:extLst>
+              <a:ext uri="{FF2B5EF4-FFF2-40B4-BE49-F238E27FC236}">
+                <a16:creationId xmlns:a16="http://schemas.microsoft.com/office/drawing/2014/main" id="{5FF024D5-56F3-4E87-BD86-47F09321307C}"/>
+              </a:ext>
+            </a:extLst>
+          </p:cNvPr>
+          <p:cNvSpPr txBox="1"/>
+          <p:nvPr/>
+        </p:nvSpPr>
+        <p:spPr>
+          <a:xfrm>
+            <a:off x="2120532" y="7843585"/>
+            <a:ext cx="1075786" cy="369332"/>
+          </a:xfrm>
+          <a:prstGeom prst="rect">
+            <a:avLst/>
+          </a:prstGeom>
+          <a:noFill/>
+        </p:spPr>
+        <p:txBody>
+          <a:bodyPr wrap="square" rtlCol="0">
+            <a:spAutoFit/>
+          </a:bodyPr>
+          <a:lstStyle/>
+          <a:p>
+            <a:pPr algn="ctr"/>
+            <a:r>
+              <a:rPr lang="en-US" altLang="ja-JP" dirty="0">
+                <a:latin typeface="Times New Roman" panose="02020603050405020304" pitchFamily="18" charset="0"/>
+                <a:cs typeface="Times New Roman" panose="02020603050405020304" pitchFamily="18" charset="0"/>
+              </a:rPr>
+              <a:t>0.180 s</a:t>
+            </a:r>
+            <a:endParaRPr lang="ja-JP" altLang="en-US" dirty="0">
+              <a:latin typeface="Times New Roman" panose="02020603050405020304" pitchFamily="18" charset="0"/>
+              <a:cs typeface="Times New Roman" panose="02020603050405020304" pitchFamily="18" charset="0"/>
+            </a:endParaRPr>
+          </a:p>
+        </p:txBody>
+      </p:sp>
+      <p:sp>
+        <p:nvSpPr>
+          <p:cNvPr id="108" name="テキスト ボックス 107">
+            <a:extLst>
+              <a:ext uri="{FF2B5EF4-FFF2-40B4-BE49-F238E27FC236}">
+                <a16:creationId xmlns:a16="http://schemas.microsoft.com/office/drawing/2014/main" id="{20A31BAC-A888-4E1A-A8CB-217412A2BA1C}"/>
+              </a:ext>
+            </a:extLst>
+          </p:cNvPr>
+          <p:cNvSpPr txBox="1"/>
+          <p:nvPr/>
+        </p:nvSpPr>
+        <p:spPr>
+          <a:xfrm>
+            <a:off x="2120532" y="9309289"/>
+            <a:ext cx="1075786" cy="369332"/>
+          </a:xfrm>
+          <a:prstGeom prst="rect">
+            <a:avLst/>
+          </a:prstGeom>
+          <a:noFill/>
+        </p:spPr>
+        <p:txBody>
+          <a:bodyPr wrap="square" rtlCol="0">
+            <a:spAutoFit/>
+          </a:bodyPr>
+          <a:lstStyle/>
+          <a:p>
+            <a:pPr algn="ctr"/>
+            <a:r>
+              <a:rPr lang="en-US" altLang="ja-JP" dirty="0">
+                <a:latin typeface="Times New Roman" panose="02020603050405020304" pitchFamily="18" charset="0"/>
+                <a:cs typeface="Times New Roman" panose="02020603050405020304" pitchFamily="18" charset="0"/>
+              </a:rPr>
+              <a:t>0.220 s</a:t>
+            </a:r>
+            <a:endParaRPr lang="ja-JP" altLang="en-US" dirty="0">
+              <a:latin typeface="Times New Roman" panose="02020603050405020304" pitchFamily="18" charset="0"/>
+              <a:cs typeface="Times New Roman" panose="02020603050405020304" pitchFamily="18" charset="0"/>
+            </a:endParaRPr>
+          </a:p>
+        </p:txBody>
+      </p:sp>
+      <p:sp>
+        <p:nvSpPr>
+          <p:cNvPr id="109" name="テキスト ボックス 108">
+            <a:extLst>
+              <a:ext uri="{FF2B5EF4-FFF2-40B4-BE49-F238E27FC236}">
+                <a16:creationId xmlns:a16="http://schemas.microsoft.com/office/drawing/2014/main" id="{F58B4688-A485-4003-A962-17044DDF43FD}"/>
+              </a:ext>
+            </a:extLst>
+          </p:cNvPr>
+          <p:cNvSpPr txBox="1"/>
+          <p:nvPr/>
+        </p:nvSpPr>
+        <p:spPr>
+          <a:xfrm>
+            <a:off x="3216286" y="2093289"/>
+            <a:ext cx="1068976" cy="369332"/>
+          </a:xfrm>
+          <a:prstGeom prst="rect">
+            <a:avLst/>
+          </a:prstGeom>
+          <a:noFill/>
+        </p:spPr>
+        <p:txBody>
+          <a:bodyPr wrap="square" rtlCol="0">
+            <a:spAutoFit/>
+          </a:bodyPr>
+          <a:lstStyle/>
+          <a:p>
+            <a:pPr algn="ctr"/>
+            <a:r>
+              <a:rPr lang="en-US" altLang="ja-JP" dirty="0">
+                <a:latin typeface="Times New Roman" panose="02020603050405020304" pitchFamily="18" charset="0"/>
+                <a:cs typeface="Times New Roman" panose="02020603050405020304" pitchFamily="18" charset="0"/>
+              </a:rPr>
+              <a:t>0.020 s</a:t>
+            </a:r>
+            <a:endParaRPr lang="ja-JP" altLang="en-US" dirty="0">
+              <a:latin typeface="Times New Roman" panose="02020603050405020304" pitchFamily="18" charset="0"/>
+              <a:cs typeface="Times New Roman" panose="02020603050405020304" pitchFamily="18" charset="0"/>
+            </a:endParaRPr>
+          </a:p>
+        </p:txBody>
+      </p:sp>
+      <p:sp>
+        <p:nvSpPr>
+          <p:cNvPr id="110" name="テキスト ボックス 109">
+            <a:extLst>
+              <a:ext uri="{FF2B5EF4-FFF2-40B4-BE49-F238E27FC236}">
+                <a16:creationId xmlns:a16="http://schemas.microsoft.com/office/drawing/2014/main" id="{86361BBE-0C0A-4FCA-BD6A-0DC0026E950A}"/>
+              </a:ext>
+            </a:extLst>
+          </p:cNvPr>
+          <p:cNvSpPr txBox="1"/>
+          <p:nvPr/>
+        </p:nvSpPr>
+        <p:spPr>
+          <a:xfrm>
+            <a:off x="3216028" y="3538407"/>
+            <a:ext cx="1075786" cy="369332"/>
+          </a:xfrm>
+          <a:prstGeom prst="rect">
+            <a:avLst/>
+          </a:prstGeom>
+          <a:noFill/>
+        </p:spPr>
+        <p:txBody>
+          <a:bodyPr wrap="square" rtlCol="0">
+            <a:spAutoFit/>
+          </a:bodyPr>
+          <a:lstStyle/>
+          <a:p>
+            <a:pPr algn="ctr"/>
+            <a:r>
+              <a:rPr lang="en-US" altLang="ja-JP" dirty="0">
+                <a:latin typeface="Times New Roman" panose="02020603050405020304" pitchFamily="18" charset="0"/>
+                <a:cs typeface="Times New Roman" panose="02020603050405020304" pitchFamily="18" charset="0"/>
+              </a:rPr>
+              <a:t>0.060 s</a:t>
+            </a:r>
+            <a:endParaRPr lang="ja-JP" altLang="en-US" dirty="0">
+              <a:latin typeface="Times New Roman" panose="02020603050405020304" pitchFamily="18" charset="0"/>
+              <a:cs typeface="Times New Roman" panose="02020603050405020304" pitchFamily="18" charset="0"/>
+            </a:endParaRPr>
+          </a:p>
+        </p:txBody>
+      </p:sp>
+      <p:sp>
+        <p:nvSpPr>
+          <p:cNvPr id="111" name="テキスト ボックス 110">
+            <a:extLst>
+              <a:ext uri="{FF2B5EF4-FFF2-40B4-BE49-F238E27FC236}">
+                <a16:creationId xmlns:a16="http://schemas.microsoft.com/office/drawing/2014/main" id="{CEBD432C-E45C-49AB-8850-BB588FAA78AF}"/>
+              </a:ext>
+            </a:extLst>
+          </p:cNvPr>
+          <p:cNvSpPr txBox="1"/>
+          <p:nvPr/>
+        </p:nvSpPr>
+        <p:spPr>
+          <a:xfrm>
+            <a:off x="3221744" y="4996098"/>
+            <a:ext cx="1091569" cy="369332"/>
+          </a:xfrm>
+          <a:prstGeom prst="rect">
+            <a:avLst/>
+          </a:prstGeom>
+          <a:noFill/>
+        </p:spPr>
+        <p:txBody>
+          <a:bodyPr wrap="square" rtlCol="0">
+            <a:spAutoFit/>
+          </a:bodyPr>
+          <a:lstStyle/>
+          <a:p>
+            <a:pPr algn="ctr"/>
+            <a:r>
+              <a:rPr lang="en-US" altLang="ja-JP" dirty="0">
+                <a:latin typeface="Times New Roman" panose="02020603050405020304" pitchFamily="18" charset="0"/>
+                <a:cs typeface="Times New Roman" panose="02020603050405020304" pitchFamily="18" charset="0"/>
+              </a:rPr>
+              <a:t>0.100 s</a:t>
+            </a:r>
+            <a:endParaRPr lang="ja-JP" altLang="en-US" dirty="0">
+              <a:latin typeface="Times New Roman" panose="02020603050405020304" pitchFamily="18" charset="0"/>
+              <a:cs typeface="Times New Roman" panose="02020603050405020304" pitchFamily="18" charset="0"/>
+            </a:endParaRPr>
+          </a:p>
+        </p:txBody>
+      </p:sp>
+      <p:sp>
+        <p:nvSpPr>
+          <p:cNvPr id="112" name="テキスト ボックス 111">
+            <a:extLst>
+              <a:ext uri="{FF2B5EF4-FFF2-40B4-BE49-F238E27FC236}">
+                <a16:creationId xmlns:a16="http://schemas.microsoft.com/office/drawing/2014/main" id="{AF2504F3-5782-463E-A4C5-824D514954E0}"/>
+              </a:ext>
+            </a:extLst>
+          </p:cNvPr>
+          <p:cNvSpPr txBox="1"/>
+          <p:nvPr/>
+        </p:nvSpPr>
+        <p:spPr>
+          <a:xfrm>
+            <a:off x="3216028" y="6411354"/>
+            <a:ext cx="1058210" cy="369332"/>
+          </a:xfrm>
+          <a:prstGeom prst="rect">
+            <a:avLst/>
+          </a:prstGeom>
+          <a:noFill/>
+        </p:spPr>
+        <p:txBody>
+          <a:bodyPr wrap="square" rtlCol="0">
+            <a:spAutoFit/>
+          </a:bodyPr>
+          <a:lstStyle/>
+          <a:p>
+            <a:pPr algn="ctr"/>
+            <a:r>
+              <a:rPr lang="en-US" altLang="ja-JP" dirty="0">
+                <a:latin typeface="Times New Roman" panose="02020603050405020304" pitchFamily="18" charset="0"/>
+                <a:cs typeface="Times New Roman" panose="02020603050405020304" pitchFamily="18" charset="0"/>
+              </a:rPr>
+              <a:t>0.140 s</a:t>
+            </a:r>
+            <a:endParaRPr lang="ja-JP" altLang="en-US" dirty="0">
+              <a:latin typeface="Times New Roman" panose="02020603050405020304" pitchFamily="18" charset="0"/>
+              <a:cs typeface="Times New Roman" panose="02020603050405020304" pitchFamily="18" charset="0"/>
+            </a:endParaRPr>
+          </a:p>
+        </p:txBody>
+      </p:sp>
+      <p:sp>
+        <p:nvSpPr>
+          <p:cNvPr id="113" name="テキスト ボックス 112">
+            <a:extLst>
+              <a:ext uri="{FF2B5EF4-FFF2-40B4-BE49-F238E27FC236}">
+                <a16:creationId xmlns:a16="http://schemas.microsoft.com/office/drawing/2014/main" id="{FE13C1C2-AF21-4C5F-976C-8F6320D24DCE}"/>
+              </a:ext>
+            </a:extLst>
+          </p:cNvPr>
+          <p:cNvSpPr txBox="1"/>
+          <p:nvPr/>
+        </p:nvSpPr>
+        <p:spPr>
+          <a:xfrm>
+            <a:off x="3216028" y="7855713"/>
+            <a:ext cx="1075786" cy="369332"/>
+          </a:xfrm>
+          <a:prstGeom prst="rect">
+            <a:avLst/>
+          </a:prstGeom>
+          <a:noFill/>
+        </p:spPr>
+        <p:txBody>
+          <a:bodyPr wrap="square" rtlCol="0">
+            <a:spAutoFit/>
+          </a:bodyPr>
+          <a:lstStyle/>
+          <a:p>
+            <a:pPr algn="ctr"/>
+            <a:r>
+              <a:rPr lang="en-US" altLang="ja-JP" dirty="0">
+                <a:latin typeface="Times New Roman" panose="02020603050405020304" pitchFamily="18" charset="0"/>
+                <a:cs typeface="Times New Roman" panose="02020603050405020304" pitchFamily="18" charset="0"/>
+              </a:rPr>
+              <a:t>0.180 s</a:t>
+            </a:r>
+            <a:endParaRPr lang="ja-JP" altLang="en-US" dirty="0">
+              <a:latin typeface="Times New Roman" panose="02020603050405020304" pitchFamily="18" charset="0"/>
+              <a:cs typeface="Times New Roman" panose="02020603050405020304" pitchFamily="18" charset="0"/>
+            </a:endParaRPr>
+          </a:p>
+        </p:txBody>
+      </p:sp>
+      <p:sp>
+        <p:nvSpPr>
+          <p:cNvPr id="114" name="テキスト ボックス 113">
+            <a:extLst>
+              <a:ext uri="{FF2B5EF4-FFF2-40B4-BE49-F238E27FC236}">
+                <a16:creationId xmlns:a16="http://schemas.microsoft.com/office/drawing/2014/main" id="{F8D459F4-53A2-4D60-88E4-83B058E47CA9}"/>
+              </a:ext>
+            </a:extLst>
+          </p:cNvPr>
+          <p:cNvSpPr txBox="1"/>
+          <p:nvPr/>
+        </p:nvSpPr>
+        <p:spPr>
+          <a:xfrm>
+            <a:off x="3216028" y="9321417"/>
+            <a:ext cx="1075786" cy="369332"/>
+          </a:xfrm>
+          <a:prstGeom prst="rect">
+            <a:avLst/>
+          </a:prstGeom>
+          <a:noFill/>
+        </p:spPr>
+        <p:txBody>
+          <a:bodyPr wrap="square" rtlCol="0">
+            <a:spAutoFit/>
+          </a:bodyPr>
+          <a:lstStyle/>
+          <a:p>
+            <a:pPr algn="ctr"/>
+            <a:r>
+              <a:rPr lang="en-US" altLang="ja-JP" dirty="0">
+                <a:latin typeface="Times New Roman" panose="02020603050405020304" pitchFamily="18" charset="0"/>
+                <a:cs typeface="Times New Roman" panose="02020603050405020304" pitchFamily="18" charset="0"/>
+              </a:rPr>
+              <a:t>0.220 s</a:t>
+            </a:r>
+            <a:endParaRPr lang="ja-JP" altLang="en-US" dirty="0">
+              <a:latin typeface="Times New Roman" panose="02020603050405020304" pitchFamily="18" charset="0"/>
+              <a:cs typeface="Times New Roman" panose="02020603050405020304" pitchFamily="18" charset="0"/>
+            </a:endParaRPr>
+          </a:p>
+        </p:txBody>
+      </p:sp>
+      <p:sp>
+        <p:nvSpPr>
+          <p:cNvPr id="115" name="テキスト ボックス 114">
+            <a:extLst>
+              <a:ext uri="{FF2B5EF4-FFF2-40B4-BE49-F238E27FC236}">
+                <a16:creationId xmlns:a16="http://schemas.microsoft.com/office/drawing/2014/main" id="{5B5FB423-2A01-4616-BEDF-EACD23BCC401}"/>
+              </a:ext>
+            </a:extLst>
+          </p:cNvPr>
+          <p:cNvSpPr txBox="1"/>
+          <p:nvPr/>
+        </p:nvSpPr>
+        <p:spPr>
+          <a:xfrm>
+            <a:off x="4299433" y="2075281"/>
+            <a:ext cx="1068976" cy="369332"/>
+          </a:xfrm>
+          <a:prstGeom prst="rect">
+            <a:avLst/>
+          </a:prstGeom>
+          <a:noFill/>
+        </p:spPr>
+        <p:txBody>
+          <a:bodyPr wrap="square" rtlCol="0">
+            <a:spAutoFit/>
+          </a:bodyPr>
+          <a:lstStyle/>
+          <a:p>
+            <a:pPr algn="ctr"/>
+            <a:r>
+              <a:rPr lang="en-US" altLang="ja-JP" dirty="0">
+                <a:latin typeface="Times New Roman" panose="02020603050405020304" pitchFamily="18" charset="0"/>
+                <a:cs typeface="Times New Roman" panose="02020603050405020304" pitchFamily="18" charset="0"/>
+              </a:rPr>
+              <a:t>0.020 s</a:t>
+            </a:r>
+            <a:endParaRPr lang="ja-JP" altLang="en-US" dirty="0">
+              <a:latin typeface="Times New Roman" panose="02020603050405020304" pitchFamily="18" charset="0"/>
+              <a:cs typeface="Times New Roman" panose="02020603050405020304" pitchFamily="18" charset="0"/>
+            </a:endParaRPr>
+          </a:p>
+        </p:txBody>
+      </p:sp>
+      <p:sp>
+        <p:nvSpPr>
+          <p:cNvPr id="116" name="テキスト ボックス 115">
+            <a:extLst>
+              <a:ext uri="{FF2B5EF4-FFF2-40B4-BE49-F238E27FC236}">
+                <a16:creationId xmlns:a16="http://schemas.microsoft.com/office/drawing/2014/main" id="{9FD77EF1-5602-49FD-84AC-2BE6904E1B96}"/>
+              </a:ext>
+            </a:extLst>
+          </p:cNvPr>
+          <p:cNvSpPr txBox="1"/>
+          <p:nvPr/>
+        </p:nvSpPr>
+        <p:spPr>
+          <a:xfrm>
+            <a:off x="4299175" y="3520399"/>
+            <a:ext cx="1075786" cy="369332"/>
+          </a:xfrm>
+          <a:prstGeom prst="rect">
+            <a:avLst/>
+          </a:prstGeom>
+          <a:noFill/>
+        </p:spPr>
+        <p:txBody>
+          <a:bodyPr wrap="square" rtlCol="0">
+            <a:spAutoFit/>
+          </a:bodyPr>
+          <a:lstStyle/>
+          <a:p>
+            <a:pPr algn="ctr"/>
+            <a:r>
+              <a:rPr lang="en-US" altLang="ja-JP" dirty="0">
+                <a:latin typeface="Times New Roman" panose="02020603050405020304" pitchFamily="18" charset="0"/>
+                <a:cs typeface="Times New Roman" panose="02020603050405020304" pitchFamily="18" charset="0"/>
+              </a:rPr>
+              <a:t>0.060 s</a:t>
+            </a:r>
+            <a:endParaRPr lang="ja-JP" altLang="en-US" dirty="0">
+              <a:latin typeface="Times New Roman" panose="02020603050405020304" pitchFamily="18" charset="0"/>
+              <a:cs typeface="Times New Roman" panose="02020603050405020304" pitchFamily="18" charset="0"/>
+            </a:endParaRPr>
+          </a:p>
+        </p:txBody>
+      </p:sp>
+      <p:sp>
+        <p:nvSpPr>
+          <p:cNvPr id="117" name="テキスト ボックス 116">
+            <a:extLst>
+              <a:ext uri="{FF2B5EF4-FFF2-40B4-BE49-F238E27FC236}">
+                <a16:creationId xmlns:a16="http://schemas.microsoft.com/office/drawing/2014/main" id="{4758EE28-74F7-4DBD-9B17-2AF15045AD30}"/>
+              </a:ext>
+            </a:extLst>
+          </p:cNvPr>
+          <p:cNvSpPr txBox="1"/>
+          <p:nvPr/>
+        </p:nvSpPr>
+        <p:spPr>
+          <a:xfrm>
+            <a:off x="4304891" y="4978090"/>
+            <a:ext cx="1091569" cy="369332"/>
+          </a:xfrm>
+          <a:prstGeom prst="rect">
+            <a:avLst/>
+          </a:prstGeom>
+          <a:noFill/>
+        </p:spPr>
+        <p:txBody>
+          <a:bodyPr wrap="square" rtlCol="0">
+            <a:spAutoFit/>
+          </a:bodyPr>
+          <a:lstStyle/>
+          <a:p>
+            <a:pPr algn="ctr"/>
+            <a:r>
+              <a:rPr lang="en-US" altLang="ja-JP" dirty="0">
+                <a:latin typeface="Times New Roman" panose="02020603050405020304" pitchFamily="18" charset="0"/>
+                <a:cs typeface="Times New Roman" panose="02020603050405020304" pitchFamily="18" charset="0"/>
+              </a:rPr>
+              <a:t>0.100 s</a:t>
+            </a:r>
+            <a:endParaRPr lang="ja-JP" altLang="en-US" dirty="0">
+              <a:latin typeface="Times New Roman" panose="02020603050405020304" pitchFamily="18" charset="0"/>
+              <a:cs typeface="Times New Roman" panose="02020603050405020304" pitchFamily="18" charset="0"/>
+            </a:endParaRPr>
+          </a:p>
+        </p:txBody>
+      </p:sp>
+      <p:sp>
+        <p:nvSpPr>
+          <p:cNvPr id="118" name="テキスト ボックス 117">
+            <a:extLst>
+              <a:ext uri="{FF2B5EF4-FFF2-40B4-BE49-F238E27FC236}">
+                <a16:creationId xmlns:a16="http://schemas.microsoft.com/office/drawing/2014/main" id="{1F2779AB-81F6-451E-A48F-09F273FD64A4}"/>
+              </a:ext>
+            </a:extLst>
+          </p:cNvPr>
+          <p:cNvSpPr txBox="1"/>
+          <p:nvPr/>
+        </p:nvSpPr>
+        <p:spPr>
+          <a:xfrm>
+            <a:off x="4299175" y="6393346"/>
+            <a:ext cx="1058210" cy="369332"/>
+          </a:xfrm>
+          <a:prstGeom prst="rect">
+            <a:avLst/>
+          </a:prstGeom>
+          <a:noFill/>
+        </p:spPr>
+        <p:txBody>
+          <a:bodyPr wrap="square" rtlCol="0">
+            <a:spAutoFit/>
+          </a:bodyPr>
+          <a:lstStyle/>
+          <a:p>
+            <a:pPr algn="ctr"/>
+            <a:r>
+              <a:rPr lang="en-US" altLang="ja-JP" dirty="0">
+                <a:latin typeface="Times New Roman" panose="02020603050405020304" pitchFamily="18" charset="0"/>
+                <a:cs typeface="Times New Roman" panose="02020603050405020304" pitchFamily="18" charset="0"/>
+              </a:rPr>
+              <a:t>0.140 s</a:t>
+            </a:r>
+            <a:endParaRPr lang="ja-JP" altLang="en-US" dirty="0">
+              <a:latin typeface="Times New Roman" panose="02020603050405020304" pitchFamily="18" charset="0"/>
+              <a:cs typeface="Times New Roman" panose="02020603050405020304" pitchFamily="18" charset="0"/>
+            </a:endParaRPr>
+          </a:p>
+        </p:txBody>
+      </p:sp>
+      <p:sp>
+        <p:nvSpPr>
+          <p:cNvPr id="119" name="テキスト ボックス 118">
+            <a:extLst>
+              <a:ext uri="{FF2B5EF4-FFF2-40B4-BE49-F238E27FC236}">
+                <a16:creationId xmlns:a16="http://schemas.microsoft.com/office/drawing/2014/main" id="{88BCE805-981F-4CBB-95A0-64C96D08F4A7}"/>
+              </a:ext>
+            </a:extLst>
+          </p:cNvPr>
+          <p:cNvSpPr txBox="1"/>
+          <p:nvPr/>
+        </p:nvSpPr>
+        <p:spPr>
+          <a:xfrm>
+            <a:off x="4299175" y="7837705"/>
+            <a:ext cx="1075786" cy="369332"/>
+          </a:xfrm>
+          <a:prstGeom prst="rect">
+            <a:avLst/>
+          </a:prstGeom>
+          <a:noFill/>
+        </p:spPr>
+        <p:txBody>
+          <a:bodyPr wrap="square" rtlCol="0">
+            <a:spAutoFit/>
+          </a:bodyPr>
+          <a:lstStyle/>
+          <a:p>
+            <a:pPr algn="ctr"/>
+            <a:r>
+              <a:rPr lang="en-US" altLang="ja-JP" dirty="0">
+                <a:latin typeface="Times New Roman" panose="02020603050405020304" pitchFamily="18" charset="0"/>
+                <a:cs typeface="Times New Roman" panose="02020603050405020304" pitchFamily="18" charset="0"/>
+              </a:rPr>
+              <a:t>0.180 s</a:t>
+            </a:r>
+            <a:endParaRPr lang="ja-JP" altLang="en-US" dirty="0">
+              <a:latin typeface="Times New Roman" panose="02020603050405020304" pitchFamily="18" charset="0"/>
+              <a:cs typeface="Times New Roman" panose="02020603050405020304" pitchFamily="18" charset="0"/>
+            </a:endParaRPr>
+          </a:p>
+        </p:txBody>
+      </p:sp>
+      <p:sp>
+        <p:nvSpPr>
+          <p:cNvPr id="120" name="テキスト ボックス 119">
+            <a:extLst>
+              <a:ext uri="{FF2B5EF4-FFF2-40B4-BE49-F238E27FC236}">
+                <a16:creationId xmlns:a16="http://schemas.microsoft.com/office/drawing/2014/main" id="{EEA02B39-2F90-444F-A9DA-9BDA54D66FAC}"/>
+              </a:ext>
+            </a:extLst>
+          </p:cNvPr>
+          <p:cNvSpPr txBox="1"/>
+          <p:nvPr/>
+        </p:nvSpPr>
+        <p:spPr>
+          <a:xfrm>
+            <a:off x="4299175" y="9303409"/>
+            <a:ext cx="1075786" cy="369332"/>
+          </a:xfrm>
+          <a:prstGeom prst="rect">
+            <a:avLst/>
+          </a:prstGeom>
+          <a:noFill/>
+        </p:spPr>
+        <p:txBody>
+          <a:bodyPr wrap="square" rtlCol="0">
+            <a:spAutoFit/>
+          </a:bodyPr>
+          <a:lstStyle/>
+          <a:p>
+            <a:pPr algn="ctr"/>
+            <a:r>
+              <a:rPr lang="en-US" altLang="ja-JP" dirty="0">
+                <a:latin typeface="Times New Roman" panose="02020603050405020304" pitchFamily="18" charset="0"/>
+                <a:cs typeface="Times New Roman" panose="02020603050405020304" pitchFamily="18" charset="0"/>
+              </a:rPr>
+              <a:t>0.220 s</a:t>
+            </a:r>
+            <a:endParaRPr lang="ja-JP" altLang="en-US" dirty="0">
+              <a:latin typeface="Times New Roman" panose="02020603050405020304" pitchFamily="18" charset="0"/>
+              <a:cs typeface="Times New Roman" panose="02020603050405020304" pitchFamily="18" charset="0"/>
+            </a:endParaRPr>
+          </a:p>
+        </p:txBody>
+      </p:sp>
+      <p:sp>
+        <p:nvSpPr>
+          <p:cNvPr id="121" name="テキスト ボックス 120">
+            <a:extLst>
+              <a:ext uri="{FF2B5EF4-FFF2-40B4-BE49-F238E27FC236}">
+                <a16:creationId xmlns:a16="http://schemas.microsoft.com/office/drawing/2014/main" id="{E454753F-6033-437D-8350-22620352AFE5}"/>
+              </a:ext>
+            </a:extLst>
+          </p:cNvPr>
+          <p:cNvSpPr txBox="1"/>
+          <p:nvPr/>
+        </p:nvSpPr>
+        <p:spPr>
+          <a:xfrm>
+            <a:off x="5356576" y="2075281"/>
+            <a:ext cx="1068976" cy="369332"/>
+          </a:xfrm>
+          <a:prstGeom prst="rect">
+            <a:avLst/>
+          </a:prstGeom>
+          <a:noFill/>
+        </p:spPr>
+        <p:txBody>
+          <a:bodyPr wrap="square" rtlCol="0">
+            <a:spAutoFit/>
+          </a:bodyPr>
+          <a:lstStyle/>
+          <a:p>
+            <a:pPr algn="ctr"/>
+            <a:r>
+              <a:rPr lang="en-US" altLang="ja-JP" dirty="0">
+                <a:latin typeface="Times New Roman" panose="02020603050405020304" pitchFamily="18" charset="0"/>
+                <a:cs typeface="Times New Roman" panose="02020603050405020304" pitchFamily="18" charset="0"/>
+              </a:rPr>
+              <a:t>0.020 s</a:t>
+            </a:r>
+            <a:endParaRPr lang="ja-JP" altLang="en-US" dirty="0">
+              <a:latin typeface="Times New Roman" panose="02020603050405020304" pitchFamily="18" charset="0"/>
+              <a:cs typeface="Times New Roman" panose="02020603050405020304" pitchFamily="18" charset="0"/>
+            </a:endParaRPr>
+          </a:p>
+        </p:txBody>
+      </p:sp>
+      <p:sp>
+        <p:nvSpPr>
+          <p:cNvPr id="122" name="テキスト ボックス 121">
+            <a:extLst>
+              <a:ext uri="{FF2B5EF4-FFF2-40B4-BE49-F238E27FC236}">
+                <a16:creationId xmlns:a16="http://schemas.microsoft.com/office/drawing/2014/main" id="{F2D53833-5C1B-45E4-B3DF-E6F2C6CB0BA1}"/>
+              </a:ext>
+            </a:extLst>
+          </p:cNvPr>
+          <p:cNvSpPr txBox="1"/>
+          <p:nvPr/>
+        </p:nvSpPr>
+        <p:spPr>
+          <a:xfrm>
+            <a:off x="5356318" y="3520399"/>
+            <a:ext cx="1075786" cy="369332"/>
+          </a:xfrm>
+          <a:prstGeom prst="rect">
+            <a:avLst/>
+          </a:prstGeom>
+          <a:noFill/>
+        </p:spPr>
+        <p:txBody>
+          <a:bodyPr wrap="square" rtlCol="0">
+            <a:spAutoFit/>
+          </a:bodyPr>
+          <a:lstStyle/>
+          <a:p>
+            <a:pPr algn="ctr"/>
+            <a:r>
+              <a:rPr lang="en-US" altLang="ja-JP" dirty="0">
+                <a:latin typeface="Times New Roman" panose="02020603050405020304" pitchFamily="18" charset="0"/>
+                <a:cs typeface="Times New Roman" panose="02020603050405020304" pitchFamily="18" charset="0"/>
+              </a:rPr>
+              <a:t>0.060 s</a:t>
+            </a:r>
+            <a:endParaRPr lang="ja-JP" altLang="en-US" dirty="0">
+              <a:latin typeface="Times New Roman" panose="02020603050405020304" pitchFamily="18" charset="0"/>
+              <a:cs typeface="Times New Roman" panose="02020603050405020304" pitchFamily="18" charset="0"/>
+            </a:endParaRPr>
+          </a:p>
+        </p:txBody>
+      </p:sp>
+      <p:sp>
+        <p:nvSpPr>
+          <p:cNvPr id="123" name="テキスト ボックス 122">
+            <a:extLst>
+              <a:ext uri="{FF2B5EF4-FFF2-40B4-BE49-F238E27FC236}">
+                <a16:creationId xmlns:a16="http://schemas.microsoft.com/office/drawing/2014/main" id="{46A7C52E-0A89-48C3-B624-97500C52A7EA}"/>
+              </a:ext>
+            </a:extLst>
+          </p:cNvPr>
+          <p:cNvSpPr txBox="1"/>
+          <p:nvPr/>
+        </p:nvSpPr>
+        <p:spPr>
+          <a:xfrm>
+            <a:off x="5362034" y="4978090"/>
+            <a:ext cx="1091569" cy="369332"/>
+          </a:xfrm>
+          <a:prstGeom prst="rect">
+            <a:avLst/>
+          </a:prstGeom>
+          <a:noFill/>
+        </p:spPr>
+        <p:txBody>
+          <a:bodyPr wrap="square" rtlCol="0">
+            <a:spAutoFit/>
+          </a:bodyPr>
+          <a:lstStyle/>
+          <a:p>
+            <a:pPr algn="ctr"/>
+            <a:r>
+              <a:rPr lang="en-US" altLang="ja-JP" dirty="0">
+                <a:latin typeface="Times New Roman" panose="02020603050405020304" pitchFamily="18" charset="0"/>
+                <a:cs typeface="Times New Roman" panose="02020603050405020304" pitchFamily="18" charset="0"/>
+              </a:rPr>
+              <a:t>0.100 s</a:t>
+            </a:r>
+            <a:endParaRPr lang="ja-JP" altLang="en-US" dirty="0">
+              <a:latin typeface="Times New Roman" panose="02020603050405020304" pitchFamily="18" charset="0"/>
+              <a:cs typeface="Times New Roman" panose="02020603050405020304" pitchFamily="18" charset="0"/>
+            </a:endParaRPr>
+          </a:p>
+        </p:txBody>
+      </p:sp>
+      <p:sp>
+        <p:nvSpPr>
+          <p:cNvPr id="124" name="テキスト ボックス 123">
+            <a:extLst>
+              <a:ext uri="{FF2B5EF4-FFF2-40B4-BE49-F238E27FC236}">
+                <a16:creationId xmlns:a16="http://schemas.microsoft.com/office/drawing/2014/main" id="{E5D6B99A-321B-4653-A057-3EFEA8E9562C}"/>
+              </a:ext>
+            </a:extLst>
+          </p:cNvPr>
+          <p:cNvSpPr txBox="1"/>
+          <p:nvPr/>
+        </p:nvSpPr>
+        <p:spPr>
+          <a:xfrm>
+            <a:off x="5356318" y="6393346"/>
+            <a:ext cx="1058210" cy="369332"/>
+          </a:xfrm>
+          <a:prstGeom prst="rect">
+            <a:avLst/>
+          </a:prstGeom>
+          <a:noFill/>
+        </p:spPr>
+        <p:txBody>
+          <a:bodyPr wrap="square" rtlCol="0">
+            <a:spAutoFit/>
+          </a:bodyPr>
+          <a:lstStyle/>
+          <a:p>
+            <a:pPr algn="ctr"/>
+            <a:r>
+              <a:rPr lang="en-US" altLang="ja-JP" dirty="0">
+                <a:latin typeface="Times New Roman" panose="02020603050405020304" pitchFamily="18" charset="0"/>
+                <a:cs typeface="Times New Roman" panose="02020603050405020304" pitchFamily="18" charset="0"/>
+              </a:rPr>
+              <a:t>0.140 s</a:t>
+            </a:r>
+            <a:endParaRPr lang="ja-JP" altLang="en-US" dirty="0">
+              <a:latin typeface="Times New Roman" panose="02020603050405020304" pitchFamily="18" charset="0"/>
+              <a:cs typeface="Times New Roman" panose="02020603050405020304" pitchFamily="18" charset="0"/>
+            </a:endParaRPr>
+          </a:p>
+        </p:txBody>
+      </p:sp>
+      <p:sp>
+        <p:nvSpPr>
+          <p:cNvPr id="125" name="テキスト ボックス 124">
+            <a:extLst>
+              <a:ext uri="{FF2B5EF4-FFF2-40B4-BE49-F238E27FC236}">
+                <a16:creationId xmlns:a16="http://schemas.microsoft.com/office/drawing/2014/main" id="{EE7849A5-8FDE-43D0-96B1-70D9CA7A2EF9}"/>
+              </a:ext>
+            </a:extLst>
+          </p:cNvPr>
+          <p:cNvSpPr txBox="1"/>
+          <p:nvPr/>
+        </p:nvSpPr>
+        <p:spPr>
+          <a:xfrm>
+            <a:off x="5356318" y="7837705"/>
+            <a:ext cx="1075786" cy="369332"/>
+          </a:xfrm>
+          <a:prstGeom prst="rect">
+            <a:avLst/>
+          </a:prstGeom>
+          <a:noFill/>
+        </p:spPr>
+        <p:txBody>
+          <a:bodyPr wrap="square" rtlCol="0">
+            <a:spAutoFit/>
+          </a:bodyPr>
+          <a:lstStyle/>
+          <a:p>
+            <a:pPr algn="ctr"/>
+            <a:r>
+              <a:rPr lang="en-US" altLang="ja-JP" dirty="0">
+                <a:latin typeface="Times New Roman" panose="02020603050405020304" pitchFamily="18" charset="0"/>
+                <a:cs typeface="Times New Roman" panose="02020603050405020304" pitchFamily="18" charset="0"/>
+              </a:rPr>
+              <a:t>0.180 s</a:t>
+            </a:r>
+            <a:endParaRPr lang="ja-JP" altLang="en-US" dirty="0">
+              <a:latin typeface="Times New Roman" panose="02020603050405020304" pitchFamily="18" charset="0"/>
+              <a:cs typeface="Times New Roman" panose="02020603050405020304" pitchFamily="18" charset="0"/>
+            </a:endParaRPr>
+          </a:p>
+        </p:txBody>
+      </p:sp>
+      <p:sp>
+        <p:nvSpPr>
+          <p:cNvPr id="126" name="テキスト ボックス 125">
+            <a:extLst>
+              <a:ext uri="{FF2B5EF4-FFF2-40B4-BE49-F238E27FC236}">
+                <a16:creationId xmlns:a16="http://schemas.microsoft.com/office/drawing/2014/main" id="{3D1BC6DB-F57D-46AB-9797-427DB52FE4B4}"/>
+              </a:ext>
+            </a:extLst>
+          </p:cNvPr>
+          <p:cNvSpPr txBox="1"/>
+          <p:nvPr/>
+        </p:nvSpPr>
+        <p:spPr>
+          <a:xfrm>
+            <a:off x="5356318" y="9303409"/>
+            <a:ext cx="1075786" cy="369332"/>
+          </a:xfrm>
+          <a:prstGeom prst="rect">
+            <a:avLst/>
+          </a:prstGeom>
+          <a:noFill/>
+        </p:spPr>
+        <p:txBody>
+          <a:bodyPr wrap="square" rtlCol="0">
+            <a:spAutoFit/>
+          </a:bodyPr>
+          <a:lstStyle/>
+          <a:p>
+            <a:pPr algn="ctr"/>
+            <a:r>
+              <a:rPr lang="en-US" altLang="ja-JP" dirty="0">
+                <a:latin typeface="Times New Roman" panose="02020603050405020304" pitchFamily="18" charset="0"/>
+                <a:cs typeface="Times New Roman" panose="02020603050405020304" pitchFamily="18" charset="0"/>
+              </a:rPr>
+              <a:t>0.220 s</a:t>
+            </a:r>
+            <a:endParaRPr lang="ja-JP" altLang="en-US" dirty="0">
+              <a:latin typeface="Times New Roman" panose="02020603050405020304" pitchFamily="18" charset="0"/>
+              <a:cs typeface="Times New Roman" panose="02020603050405020304" pitchFamily="18" charset="0"/>
+            </a:endParaRPr>
+          </a:p>
+        </p:txBody>
+      </p:sp>
       <p:pic>
         <p:nvPicPr>
-          <p:cNvPr id="53" name="図 52">
+          <p:cNvPr id="5" name="図 4" descr="建物, 座る, ジャンプ, 男 が含まれている画像&#10;&#10;自動的に生成された説明">
             <a:extLst>
               <a:ext uri="{FF2B5EF4-FFF2-40B4-BE49-F238E27FC236}">
-                <a16:creationId xmlns:a16="http://schemas.microsoft.com/office/drawing/2014/main" id="{46DA1A17-9F10-490B-BD7B-FB71533C205A}"/>
+                <a16:creationId xmlns:a16="http://schemas.microsoft.com/office/drawing/2014/main" id="{2A7AF4F9-9457-465F-AEC8-1D524B275C98}"/>
               </a:ext>
             </a:extLst>
           </p:cNvPr>
@@ -5525,7 +8548,7 @@
         </p:blipFill>
         <p:spPr>
           <a:xfrm>
-            <a:off x="1051814" y="2784915"/>
+            <a:off x="4437847" y="2448729"/>
             <a:ext cx="720000" cy="1080000"/>
           </a:xfrm>
           <a:prstGeom prst="rect">
@@ -5535,10 +8558,10 @@
       </p:pic>
       <p:pic>
         <p:nvPicPr>
-          <p:cNvPr id="54" name="図 53">
+          <p:cNvPr id="8" name="図 7" descr="建物 が含まれている画像&#10;&#10;自動的に生成された説明">
             <a:extLst>
               <a:ext uri="{FF2B5EF4-FFF2-40B4-BE49-F238E27FC236}">
-                <a16:creationId xmlns:a16="http://schemas.microsoft.com/office/drawing/2014/main" id="{3A3993C1-FECC-4916-A5B2-AD3DF8013DDE}"/>
+                <a16:creationId xmlns:a16="http://schemas.microsoft.com/office/drawing/2014/main" id="{36DD6CC8-B583-49B1-8B0A-268BE1B26E02}"/>
               </a:ext>
             </a:extLst>
           </p:cNvPr>
@@ -5561,7 +8584,7 @@
         </p:blipFill>
         <p:spPr>
           <a:xfrm>
-            <a:off x="1051814" y="4045692"/>
+            <a:off x="4444038" y="3891623"/>
             <a:ext cx="720000" cy="1080000"/>
           </a:xfrm>
           <a:prstGeom prst="rect">
@@ -5571,10 +8594,10 @@
       </p:pic>
       <p:pic>
         <p:nvPicPr>
-          <p:cNvPr id="55" name="図 54">
+          <p:cNvPr id="10" name="図 9" descr="建物, 石 が含まれている画像&#10;&#10;自動的に生成された説明">
             <a:extLst>
               <a:ext uri="{FF2B5EF4-FFF2-40B4-BE49-F238E27FC236}">
-                <a16:creationId xmlns:a16="http://schemas.microsoft.com/office/drawing/2014/main" id="{BC816E23-C7F8-4FE3-9ECE-8FF7755999D7}"/>
+                <a16:creationId xmlns:a16="http://schemas.microsoft.com/office/drawing/2014/main" id="{C84C5BE6-56F0-404C-BDF8-9CA543BD9AE2}"/>
               </a:ext>
             </a:extLst>
           </p:cNvPr>
@@ -5597,7 +8620,7 @@
         </p:blipFill>
         <p:spPr>
           <a:xfrm>
-            <a:off x="1052059" y="5287284"/>
+            <a:off x="4444038" y="5349314"/>
             <a:ext cx="720000" cy="1080000"/>
           </a:xfrm>
           <a:prstGeom prst="rect">
@@ -5607,10 +8630,10 @@
       </p:pic>
       <p:pic>
         <p:nvPicPr>
-          <p:cNvPr id="56" name="図 55">
+          <p:cNvPr id="12" name="図 11" descr="建物 が含まれている画像&#10;&#10;自動的に生成された説明">
             <a:extLst>
               <a:ext uri="{FF2B5EF4-FFF2-40B4-BE49-F238E27FC236}">
-                <a16:creationId xmlns:a16="http://schemas.microsoft.com/office/drawing/2014/main" id="{E1627720-1F18-44F4-AD9C-37CDE5C774AE}"/>
+                <a16:creationId xmlns:a16="http://schemas.microsoft.com/office/drawing/2014/main" id="{DAF31477-25B1-41B2-A708-FD8182A25A1B}"/>
               </a:ext>
             </a:extLst>
           </p:cNvPr>
@@ -5633,7 +8656,7 @@
         </p:blipFill>
         <p:spPr>
           <a:xfrm>
-            <a:off x="1051814" y="6556967"/>
+            <a:off x="4437847" y="6792310"/>
             <a:ext cx="720000" cy="1080000"/>
           </a:xfrm>
           <a:prstGeom prst="rect">
@@ -5643,10 +8666,10 @@
       </p:pic>
       <p:pic>
         <p:nvPicPr>
-          <p:cNvPr id="57" name="図 56">
+          <p:cNvPr id="14" name="図 13" descr="建物 が含まれている画像&#10;&#10;自動的に生成された説明">
             <a:extLst>
               <a:ext uri="{FF2B5EF4-FFF2-40B4-BE49-F238E27FC236}">
-                <a16:creationId xmlns:a16="http://schemas.microsoft.com/office/drawing/2014/main" id="{F367C688-8AFD-46DC-BB9D-B6DAFEF4629C}"/>
+                <a16:creationId xmlns:a16="http://schemas.microsoft.com/office/drawing/2014/main" id="{2C58DA4B-BD94-48A4-A712-C83A10857C91}"/>
               </a:ext>
             </a:extLst>
           </p:cNvPr>
@@ -5669,7 +8692,7 @@
         </p:blipFill>
         <p:spPr>
           <a:xfrm>
-            <a:off x="1052059" y="7784511"/>
+            <a:off x="4437847" y="8218852"/>
             <a:ext cx="720000" cy="1080000"/>
           </a:xfrm>
           <a:prstGeom prst="rect">
@@ -5679,10 +8702,10 @@
       </p:pic>
       <p:pic>
         <p:nvPicPr>
-          <p:cNvPr id="58" name="図 57">
+          <p:cNvPr id="16" name="図 15" descr="建物, テーブル が含まれている画像&#10;&#10;自動的に生成された説明">
             <a:extLst>
               <a:ext uri="{FF2B5EF4-FFF2-40B4-BE49-F238E27FC236}">
-                <a16:creationId xmlns:a16="http://schemas.microsoft.com/office/drawing/2014/main" id="{EC8BE8F7-DAF3-47D0-9879-45635D46C212}"/>
+                <a16:creationId xmlns:a16="http://schemas.microsoft.com/office/drawing/2014/main" id="{A42A86DC-7DBE-4F2C-BC36-A9A12442A4B6}"/>
               </a:ext>
             </a:extLst>
           </p:cNvPr>
@@ -5705,7 +8728,1727 @@
         </p:blipFill>
         <p:spPr>
           <a:xfrm>
-            <a:off x="1054173" y="9045074"/>
+            <a:off x="4444038" y="1013289"/>
+            <a:ext cx="720000" cy="1080000"/>
+          </a:xfrm>
+          <a:prstGeom prst="rect">
+            <a:avLst/>
+          </a:prstGeom>
+        </p:spPr>
+      </p:pic>
+      <p:pic>
+        <p:nvPicPr>
+          <p:cNvPr id="18" name="図 17" descr="テーブル が含まれている画像&#10;&#10;自動的に生成された説明">
+            <a:extLst>
+              <a:ext uri="{FF2B5EF4-FFF2-40B4-BE49-F238E27FC236}">
+                <a16:creationId xmlns:a16="http://schemas.microsoft.com/office/drawing/2014/main" id="{37186AFA-A698-42B6-A75E-DA85DBB65F5A}"/>
+              </a:ext>
+            </a:extLst>
+          </p:cNvPr>
+          <p:cNvPicPr>
+            <a:picLocks noChangeAspect="1"/>
+          </p:cNvPicPr>
+          <p:nvPr/>
+        </p:nvPicPr>
+        <p:blipFill>
+          <a:blip r:embed="rId26" cstate="print">
+            <a:extLst>
+              <a:ext uri="{28A0092B-C50C-407E-A947-70E740481C1C}">
+                <a14:useLocalDpi xmlns:a14="http://schemas.microsoft.com/office/drawing/2010/main" val="0"/>
+              </a:ext>
+            </a:extLst>
+          </a:blip>
+          <a:stretch>
+            <a:fillRect/>
+          </a:stretch>
+        </p:blipFill>
+        <p:spPr>
+          <a:xfrm>
+            <a:off x="2290290" y="1001161"/>
+            <a:ext cx="720000" cy="1080000"/>
+          </a:xfrm>
+          <a:prstGeom prst="rect">
+            <a:avLst/>
+          </a:prstGeom>
+        </p:spPr>
+      </p:pic>
+      <p:pic>
+        <p:nvPicPr>
+          <p:cNvPr id="20" name="図 19" descr="建物, 座る, ジャンプ, 男 が含まれている画像&#10;&#10;自動的に生成された説明">
+            <a:extLst>
+              <a:ext uri="{FF2B5EF4-FFF2-40B4-BE49-F238E27FC236}">
+                <a16:creationId xmlns:a16="http://schemas.microsoft.com/office/drawing/2014/main" id="{C5C1BA0F-0B8F-4235-8AA5-487D31724289}"/>
+              </a:ext>
+            </a:extLst>
+          </p:cNvPr>
+          <p:cNvPicPr>
+            <a:picLocks noChangeAspect="1"/>
+          </p:cNvPicPr>
+          <p:nvPr/>
+        </p:nvPicPr>
+        <p:blipFill>
+          <a:blip r:embed="rId27" cstate="print">
+            <a:extLst>
+              <a:ext uri="{28A0092B-C50C-407E-A947-70E740481C1C}">
+                <a14:useLocalDpi xmlns:a14="http://schemas.microsoft.com/office/drawing/2010/main" val="0"/>
+              </a:ext>
+            </a:extLst>
+          </a:blip>
+          <a:stretch>
+            <a:fillRect/>
+          </a:stretch>
+        </p:blipFill>
+        <p:spPr>
+          <a:xfrm>
+            <a:off x="2293883" y="2450493"/>
+            <a:ext cx="720000" cy="1080000"/>
+          </a:xfrm>
+          <a:prstGeom prst="rect">
+            <a:avLst/>
+          </a:prstGeom>
+        </p:spPr>
+      </p:pic>
+      <p:pic>
+        <p:nvPicPr>
+          <p:cNvPr id="22" name="図 21" descr="建物, 座る が含まれている画像&#10;&#10;自動的に生成された説明">
+            <a:extLst>
+              <a:ext uri="{FF2B5EF4-FFF2-40B4-BE49-F238E27FC236}">
+                <a16:creationId xmlns:a16="http://schemas.microsoft.com/office/drawing/2014/main" id="{4317E76C-1AFD-4166-AED3-E58DF7539E80}"/>
+              </a:ext>
+            </a:extLst>
+          </p:cNvPr>
+          <p:cNvPicPr>
+            <a:picLocks noChangeAspect="1"/>
+          </p:cNvPicPr>
+          <p:nvPr/>
+        </p:nvPicPr>
+        <p:blipFill>
+          <a:blip r:embed="rId28" cstate="print">
+            <a:extLst>
+              <a:ext uri="{28A0092B-C50C-407E-A947-70E740481C1C}">
+                <a14:useLocalDpi xmlns:a14="http://schemas.microsoft.com/office/drawing/2010/main" val="0"/>
+              </a:ext>
+            </a:extLst>
+          </a:blip>
+          <a:stretch>
+            <a:fillRect/>
+          </a:stretch>
+        </p:blipFill>
+        <p:spPr>
+          <a:xfrm>
+            <a:off x="2294680" y="3867871"/>
+            <a:ext cx="720000" cy="1080000"/>
+          </a:xfrm>
+          <a:prstGeom prst="rect">
+            <a:avLst/>
+          </a:prstGeom>
+        </p:spPr>
+      </p:pic>
+      <p:pic>
+        <p:nvPicPr>
+          <p:cNvPr id="24" name="図 23" descr="建物, テーブル が含まれている画像&#10;&#10;自動的に生成された説明">
+            <a:extLst>
+              <a:ext uri="{FF2B5EF4-FFF2-40B4-BE49-F238E27FC236}">
+                <a16:creationId xmlns:a16="http://schemas.microsoft.com/office/drawing/2014/main" id="{C5F7F00E-E9BA-48D3-828C-3D466B50CD23}"/>
+              </a:ext>
+            </a:extLst>
+          </p:cNvPr>
+          <p:cNvPicPr>
+            <a:picLocks noChangeAspect="1"/>
+          </p:cNvPicPr>
+          <p:nvPr/>
+        </p:nvPicPr>
+        <p:blipFill>
+          <a:blip r:embed="rId29" cstate="print">
+            <a:extLst>
+              <a:ext uri="{28A0092B-C50C-407E-A947-70E740481C1C}">
+                <a14:useLocalDpi xmlns:a14="http://schemas.microsoft.com/office/drawing/2010/main" val="0"/>
+              </a:ext>
+            </a:extLst>
+          </a:blip>
+          <a:stretch>
+            <a:fillRect/>
+          </a:stretch>
+        </p:blipFill>
+        <p:spPr>
+          <a:xfrm>
+            <a:off x="2297715" y="5317676"/>
+            <a:ext cx="720000" cy="1080000"/>
+          </a:xfrm>
+          <a:prstGeom prst="rect">
+            <a:avLst/>
+          </a:prstGeom>
+        </p:spPr>
+      </p:pic>
+      <p:pic>
+        <p:nvPicPr>
+          <p:cNvPr id="26" name="図 25" descr="建物 が含まれている画像&#10;&#10;自動的に生成された説明">
+            <a:extLst>
+              <a:ext uri="{FF2B5EF4-FFF2-40B4-BE49-F238E27FC236}">
+                <a16:creationId xmlns:a16="http://schemas.microsoft.com/office/drawing/2014/main" id="{F6244FE9-81D9-4F85-B9BF-23FDAAE30650}"/>
+              </a:ext>
+            </a:extLst>
+          </p:cNvPr>
+          <p:cNvPicPr>
+            <a:picLocks noChangeAspect="1"/>
+          </p:cNvPicPr>
+          <p:nvPr/>
+        </p:nvPicPr>
+        <p:blipFill>
+          <a:blip r:embed="rId30" cstate="print">
+            <a:extLst>
+              <a:ext uri="{28A0092B-C50C-407E-A947-70E740481C1C}">
+                <a14:useLocalDpi xmlns:a14="http://schemas.microsoft.com/office/drawing/2010/main" val="0"/>
+              </a:ext>
+            </a:extLst>
+          </a:blip>
+          <a:stretch>
+            <a:fillRect/>
+          </a:stretch>
+        </p:blipFill>
+        <p:spPr>
+          <a:xfrm>
+            <a:off x="2297557" y="6771715"/>
+            <a:ext cx="720000" cy="1080000"/>
+          </a:xfrm>
+          <a:prstGeom prst="rect">
+            <a:avLst/>
+          </a:prstGeom>
+        </p:spPr>
+      </p:pic>
+      <p:pic>
+        <p:nvPicPr>
+          <p:cNvPr id="28" name="図 27" descr="建物 が含まれている画像&#10;&#10;自動的に生成された説明">
+            <a:extLst>
+              <a:ext uri="{FF2B5EF4-FFF2-40B4-BE49-F238E27FC236}">
+                <a16:creationId xmlns:a16="http://schemas.microsoft.com/office/drawing/2014/main" id="{8AE20947-D096-45CF-98AC-EE69BF47AB05}"/>
+              </a:ext>
+            </a:extLst>
+          </p:cNvPr>
+          <p:cNvPicPr>
+            <a:picLocks noChangeAspect="1"/>
+          </p:cNvPicPr>
+          <p:nvPr/>
+        </p:nvPicPr>
+        <p:blipFill>
+          <a:blip r:embed="rId31" cstate="print">
+            <a:extLst>
+              <a:ext uri="{28A0092B-C50C-407E-A947-70E740481C1C}">
+                <a14:useLocalDpi xmlns:a14="http://schemas.microsoft.com/office/drawing/2010/main" val="0"/>
+              </a:ext>
+            </a:extLst>
+          </a:blip>
+          <a:stretch>
+            <a:fillRect/>
+          </a:stretch>
+        </p:blipFill>
+        <p:spPr>
+          <a:xfrm>
+            <a:off x="2304600" y="8221103"/>
+            <a:ext cx="720000" cy="1080000"/>
+          </a:xfrm>
+          <a:prstGeom prst="rect">
+            <a:avLst/>
+          </a:prstGeom>
+        </p:spPr>
+      </p:pic>
+    </p:spTree>
+    <p:extLst>
+      <p:ext uri="{BB962C8B-B14F-4D97-AF65-F5344CB8AC3E}">
+        <p14:creationId xmlns:p14="http://schemas.microsoft.com/office/powerpoint/2010/main" val="2355257455"/>
+      </p:ext>
+    </p:extLst>
+  </p:cSld>
+  <p:clrMapOvr>
+    <a:masterClrMapping/>
+  </p:clrMapOvr>
+</p:sld>
+</file>
+
+<file path=ppt/slides/slide4.xml><?xml version="1.0" encoding="utf-8"?>
+<p:sld xmlns:a="http://schemas.openxmlformats.org/drawingml/2006/main" xmlns:r="http://schemas.openxmlformats.org/officeDocument/2006/relationships" xmlns:p="http://schemas.openxmlformats.org/presentationml/2006/main">
+  <p:cSld>
+    <p:spTree>
+      <p:nvGrpSpPr>
+        <p:cNvPr id="1" name=""/>
+        <p:cNvGrpSpPr/>
+        <p:nvPr/>
+      </p:nvGrpSpPr>
+      <p:grpSpPr>
+        <a:xfrm>
+          <a:off x="0" y="0"/>
+          <a:ext cx="0" cy="0"/>
+          <a:chOff x="0" y="0"/>
+          <a:chExt cx="0" cy="0"/>
+        </a:xfrm>
+      </p:grpSpPr>
+      <p:graphicFrame>
+        <p:nvGraphicFramePr>
+          <p:cNvPr id="2" name="表 2">
+            <a:extLst>
+              <a:ext uri="{FF2B5EF4-FFF2-40B4-BE49-F238E27FC236}">
+                <a16:creationId xmlns:a16="http://schemas.microsoft.com/office/drawing/2014/main" id="{C8F8CC08-29D4-4A13-8721-20940DA6A24F}"/>
+              </a:ext>
+            </a:extLst>
+          </p:cNvPr>
+          <p:cNvGraphicFramePr>
+            <a:graphicFrameLocks noGrp="1"/>
+          </p:cNvGraphicFramePr>
+          <p:nvPr>
+            <p:extLst>
+              <p:ext uri="{D42A27DB-BD31-4B8C-83A1-F6EECF244321}">
+                <p14:modId xmlns:p14="http://schemas.microsoft.com/office/powerpoint/2010/main" val="1870153393"/>
+              </p:ext>
+            </p:extLst>
+          </p:nvPr>
+        </p:nvGraphicFramePr>
+        <p:xfrm>
+          <a:off x="1051814" y="1001665"/>
+          <a:ext cx="4320000" cy="8640000"/>
+        </p:xfrm>
+        <a:graphic>
+          <a:graphicData uri="http://schemas.openxmlformats.org/drawingml/2006/table">
+            <a:tbl>
+              <a:tblPr bandRow="1">
+                <a:tableStyleId>{5C22544A-7EE6-4342-B048-85BDC9FD1C3A}</a:tableStyleId>
+              </a:tblPr>
+              <a:tblGrid>
+                <a:gridCol w="1080000">
+                  <a:extLst>
+                    <a:ext uri="{9D8B030D-6E8A-4147-A177-3AD203B41FA5}">
+                      <a16:colId xmlns:a16="http://schemas.microsoft.com/office/drawing/2014/main" val="1785709967"/>
+                    </a:ext>
+                  </a:extLst>
+                </a:gridCol>
+                <a:gridCol w="1080000">
+                  <a:extLst>
+                    <a:ext uri="{9D8B030D-6E8A-4147-A177-3AD203B41FA5}">
+                      <a16:colId xmlns:a16="http://schemas.microsoft.com/office/drawing/2014/main" val="523170169"/>
+                    </a:ext>
+                  </a:extLst>
+                </a:gridCol>
+                <a:gridCol w="1080000">
+                  <a:extLst>
+                    <a:ext uri="{9D8B030D-6E8A-4147-A177-3AD203B41FA5}">
+                      <a16:colId xmlns:a16="http://schemas.microsoft.com/office/drawing/2014/main" val="2530900487"/>
+                    </a:ext>
+                  </a:extLst>
+                </a:gridCol>
+                <a:gridCol w="1080000">
+                  <a:extLst>
+                    <a:ext uri="{9D8B030D-6E8A-4147-A177-3AD203B41FA5}">
+                      <a16:colId xmlns:a16="http://schemas.microsoft.com/office/drawing/2014/main" val="2146028669"/>
+                    </a:ext>
+                  </a:extLst>
+                </a:gridCol>
+              </a:tblGrid>
+              <a:tr h="1440000">
+                <a:tc>
+                  <a:txBody>
+                    <a:bodyPr/>
+                    <a:lstStyle/>
+                    <a:p>
+                      <a:endParaRPr kumimoji="1" lang="ja-JP" altLang="en-US" dirty="0"/>
+                    </a:p>
+                  </a:txBody>
+                  <a:tcPr>
+                    <a:lnL w="12700" cap="flat" cmpd="sng" algn="ctr">
+                      <a:solidFill>
+                        <a:schemeClr val="tx1"/>
+                      </a:solidFill>
+                      <a:prstDash val="solid"/>
+                      <a:round/>
+                      <a:headEnd type="none" w="med" len="med"/>
+                      <a:tailEnd type="none" w="med" len="med"/>
+                    </a:lnL>
+                    <a:lnR w="12700" cap="flat" cmpd="sng" algn="ctr">
+                      <a:solidFill>
+                        <a:schemeClr val="tx1"/>
+                      </a:solidFill>
+                      <a:prstDash val="solid"/>
+                      <a:round/>
+                      <a:headEnd type="none" w="med" len="med"/>
+                      <a:tailEnd type="none" w="med" len="med"/>
+                    </a:lnR>
+                    <a:lnT w="12700" cap="flat" cmpd="sng" algn="ctr">
+                      <a:solidFill>
+                        <a:schemeClr val="tx1"/>
+                      </a:solidFill>
+                      <a:prstDash val="solid"/>
+                      <a:round/>
+                      <a:headEnd type="none" w="med" len="med"/>
+                      <a:tailEnd type="none" w="med" len="med"/>
+                    </a:lnT>
+                    <a:lnB w="12700" cap="flat" cmpd="sng" algn="ctr">
+                      <a:solidFill>
+                        <a:schemeClr val="tx1"/>
+                      </a:solidFill>
+                      <a:prstDash val="solid"/>
+                      <a:round/>
+                      <a:headEnd type="none" w="med" len="med"/>
+                      <a:tailEnd type="none" w="med" len="med"/>
+                    </a:lnB>
+                    <a:noFill/>
+                  </a:tcPr>
+                </a:tc>
+                <a:tc>
+                  <a:txBody>
+                    <a:bodyPr/>
+                    <a:lstStyle/>
+                    <a:p>
+                      <a:endParaRPr kumimoji="1" lang="ja-JP" altLang="en-US" dirty="0"/>
+                    </a:p>
+                  </a:txBody>
+                  <a:tcPr>
+                    <a:lnL w="12700" cap="flat" cmpd="sng" algn="ctr">
+                      <a:solidFill>
+                        <a:schemeClr val="tx1"/>
+                      </a:solidFill>
+                      <a:prstDash val="solid"/>
+                      <a:round/>
+                      <a:headEnd type="none" w="med" len="med"/>
+                      <a:tailEnd type="none" w="med" len="med"/>
+                    </a:lnL>
+                    <a:lnR w="12700" cap="flat" cmpd="sng" algn="ctr">
+                      <a:solidFill>
+                        <a:schemeClr val="tx1"/>
+                      </a:solidFill>
+                      <a:prstDash val="solid"/>
+                      <a:round/>
+                      <a:headEnd type="none" w="med" len="med"/>
+                      <a:tailEnd type="none" w="med" len="med"/>
+                    </a:lnR>
+                    <a:lnT w="12700" cap="flat" cmpd="sng" algn="ctr">
+                      <a:solidFill>
+                        <a:schemeClr val="tx1"/>
+                      </a:solidFill>
+                      <a:prstDash val="solid"/>
+                      <a:round/>
+                      <a:headEnd type="none" w="med" len="med"/>
+                      <a:tailEnd type="none" w="med" len="med"/>
+                    </a:lnT>
+                    <a:lnB w="12700" cap="flat" cmpd="sng" algn="ctr">
+                      <a:solidFill>
+                        <a:schemeClr val="tx1"/>
+                      </a:solidFill>
+                      <a:prstDash val="solid"/>
+                      <a:round/>
+                      <a:headEnd type="none" w="med" len="med"/>
+                      <a:tailEnd type="none" w="med" len="med"/>
+                    </a:lnB>
+                    <a:noFill/>
+                  </a:tcPr>
+                </a:tc>
+                <a:tc>
+                  <a:txBody>
+                    <a:bodyPr/>
+                    <a:lstStyle/>
+                    <a:p>
+                      <a:endParaRPr kumimoji="1" lang="ja-JP" altLang="en-US"/>
+                    </a:p>
+                  </a:txBody>
+                  <a:tcPr>
+                    <a:lnL w="12700" cap="flat" cmpd="sng" algn="ctr">
+                      <a:solidFill>
+                        <a:schemeClr val="tx1"/>
+                      </a:solidFill>
+                      <a:prstDash val="solid"/>
+                      <a:round/>
+                      <a:headEnd type="none" w="med" len="med"/>
+                      <a:tailEnd type="none" w="med" len="med"/>
+                    </a:lnL>
+                    <a:lnR w="12700" cap="flat" cmpd="sng" algn="ctr">
+                      <a:solidFill>
+                        <a:schemeClr val="tx1"/>
+                      </a:solidFill>
+                      <a:prstDash val="solid"/>
+                      <a:round/>
+                      <a:headEnd type="none" w="med" len="med"/>
+                      <a:tailEnd type="none" w="med" len="med"/>
+                    </a:lnR>
+                    <a:lnT w="12700" cap="flat" cmpd="sng" algn="ctr">
+                      <a:solidFill>
+                        <a:schemeClr val="tx1"/>
+                      </a:solidFill>
+                      <a:prstDash val="solid"/>
+                      <a:round/>
+                      <a:headEnd type="none" w="med" len="med"/>
+                      <a:tailEnd type="none" w="med" len="med"/>
+                    </a:lnT>
+                    <a:lnB w="12700" cap="flat" cmpd="sng" algn="ctr">
+                      <a:solidFill>
+                        <a:schemeClr val="tx1"/>
+                      </a:solidFill>
+                      <a:prstDash val="solid"/>
+                      <a:round/>
+                      <a:headEnd type="none" w="med" len="med"/>
+                      <a:tailEnd type="none" w="med" len="med"/>
+                    </a:lnB>
+                    <a:noFill/>
+                  </a:tcPr>
+                </a:tc>
+                <a:tc>
+                  <a:txBody>
+                    <a:bodyPr/>
+                    <a:lstStyle/>
+                    <a:p>
+                      <a:endParaRPr kumimoji="1" lang="ja-JP" altLang="en-US" dirty="0"/>
+                    </a:p>
+                  </a:txBody>
+                  <a:tcPr>
+                    <a:lnL w="12700" cap="flat" cmpd="sng" algn="ctr">
+                      <a:solidFill>
+                        <a:schemeClr val="tx1"/>
+                      </a:solidFill>
+                      <a:prstDash val="solid"/>
+                      <a:round/>
+                      <a:headEnd type="none" w="med" len="med"/>
+                      <a:tailEnd type="none" w="med" len="med"/>
+                    </a:lnL>
+                    <a:lnR w="12700" cap="flat" cmpd="sng" algn="ctr">
+                      <a:solidFill>
+                        <a:schemeClr val="tx1"/>
+                      </a:solidFill>
+                      <a:prstDash val="solid"/>
+                      <a:round/>
+                      <a:headEnd type="none" w="med" len="med"/>
+                      <a:tailEnd type="none" w="med" len="med"/>
+                    </a:lnR>
+                    <a:lnT w="12700" cap="flat" cmpd="sng" algn="ctr">
+                      <a:solidFill>
+                        <a:schemeClr val="tx1"/>
+                      </a:solidFill>
+                      <a:prstDash val="solid"/>
+                      <a:round/>
+                      <a:headEnd type="none" w="med" len="med"/>
+                      <a:tailEnd type="none" w="med" len="med"/>
+                    </a:lnT>
+                    <a:lnB w="12700" cap="flat" cmpd="sng" algn="ctr">
+                      <a:solidFill>
+                        <a:schemeClr val="tx1"/>
+                      </a:solidFill>
+                      <a:prstDash val="solid"/>
+                      <a:round/>
+                      <a:headEnd type="none" w="med" len="med"/>
+                      <a:tailEnd type="none" w="med" len="med"/>
+                    </a:lnB>
+                    <a:noFill/>
+                  </a:tcPr>
+                </a:tc>
+                <a:extLst>
+                  <a:ext uri="{0D108BD9-81ED-4DB2-BD59-A6C34878D82A}">
+                    <a16:rowId xmlns:a16="http://schemas.microsoft.com/office/drawing/2014/main" val="699192490"/>
+                  </a:ext>
+                </a:extLst>
+              </a:tr>
+              <a:tr h="1440000">
+                <a:tc>
+                  <a:txBody>
+                    <a:bodyPr/>
+                    <a:lstStyle/>
+                    <a:p>
+                      <a:endParaRPr kumimoji="1" lang="ja-JP" altLang="en-US"/>
+                    </a:p>
+                  </a:txBody>
+                  <a:tcPr>
+                    <a:lnL w="12700" cap="flat" cmpd="sng" algn="ctr">
+                      <a:solidFill>
+                        <a:schemeClr val="tx1"/>
+                      </a:solidFill>
+                      <a:prstDash val="solid"/>
+                      <a:round/>
+                      <a:headEnd type="none" w="med" len="med"/>
+                      <a:tailEnd type="none" w="med" len="med"/>
+                    </a:lnL>
+                    <a:lnR w="12700" cap="flat" cmpd="sng" algn="ctr">
+                      <a:solidFill>
+                        <a:schemeClr val="tx1"/>
+                      </a:solidFill>
+                      <a:prstDash val="solid"/>
+                      <a:round/>
+                      <a:headEnd type="none" w="med" len="med"/>
+                      <a:tailEnd type="none" w="med" len="med"/>
+                    </a:lnR>
+                    <a:lnT w="12700" cap="flat" cmpd="sng" algn="ctr">
+                      <a:solidFill>
+                        <a:schemeClr val="tx1"/>
+                      </a:solidFill>
+                      <a:prstDash val="solid"/>
+                      <a:round/>
+                      <a:headEnd type="none" w="med" len="med"/>
+                      <a:tailEnd type="none" w="med" len="med"/>
+                    </a:lnT>
+                    <a:lnB w="12700" cap="flat" cmpd="sng" algn="ctr">
+                      <a:solidFill>
+                        <a:schemeClr val="tx1"/>
+                      </a:solidFill>
+                      <a:prstDash val="solid"/>
+                      <a:round/>
+                      <a:headEnd type="none" w="med" len="med"/>
+                      <a:tailEnd type="none" w="med" len="med"/>
+                    </a:lnB>
+                    <a:noFill/>
+                  </a:tcPr>
+                </a:tc>
+                <a:tc>
+                  <a:txBody>
+                    <a:bodyPr/>
+                    <a:lstStyle/>
+                    <a:p>
+                      <a:endParaRPr kumimoji="1" lang="ja-JP" altLang="en-US" dirty="0"/>
+                    </a:p>
+                  </a:txBody>
+                  <a:tcPr>
+                    <a:lnL w="12700" cap="flat" cmpd="sng" algn="ctr">
+                      <a:solidFill>
+                        <a:schemeClr val="tx1"/>
+                      </a:solidFill>
+                      <a:prstDash val="solid"/>
+                      <a:round/>
+                      <a:headEnd type="none" w="med" len="med"/>
+                      <a:tailEnd type="none" w="med" len="med"/>
+                    </a:lnL>
+                    <a:lnR w="12700" cap="flat" cmpd="sng" algn="ctr">
+                      <a:solidFill>
+                        <a:schemeClr val="tx1"/>
+                      </a:solidFill>
+                      <a:prstDash val="solid"/>
+                      <a:round/>
+                      <a:headEnd type="none" w="med" len="med"/>
+                      <a:tailEnd type="none" w="med" len="med"/>
+                    </a:lnR>
+                    <a:lnT w="12700" cap="flat" cmpd="sng" algn="ctr">
+                      <a:solidFill>
+                        <a:schemeClr val="tx1"/>
+                      </a:solidFill>
+                      <a:prstDash val="solid"/>
+                      <a:round/>
+                      <a:headEnd type="none" w="med" len="med"/>
+                      <a:tailEnd type="none" w="med" len="med"/>
+                    </a:lnT>
+                    <a:lnB w="12700" cap="flat" cmpd="sng" algn="ctr">
+                      <a:solidFill>
+                        <a:schemeClr val="tx1"/>
+                      </a:solidFill>
+                      <a:prstDash val="solid"/>
+                      <a:round/>
+                      <a:headEnd type="none" w="med" len="med"/>
+                      <a:tailEnd type="none" w="med" len="med"/>
+                    </a:lnB>
+                    <a:noFill/>
+                  </a:tcPr>
+                </a:tc>
+                <a:tc>
+                  <a:txBody>
+                    <a:bodyPr/>
+                    <a:lstStyle/>
+                    <a:p>
+                      <a:endParaRPr kumimoji="1" lang="ja-JP" altLang="en-US"/>
+                    </a:p>
+                  </a:txBody>
+                  <a:tcPr>
+                    <a:lnL w="12700" cap="flat" cmpd="sng" algn="ctr">
+                      <a:solidFill>
+                        <a:schemeClr val="tx1"/>
+                      </a:solidFill>
+                      <a:prstDash val="solid"/>
+                      <a:round/>
+                      <a:headEnd type="none" w="med" len="med"/>
+                      <a:tailEnd type="none" w="med" len="med"/>
+                    </a:lnL>
+                    <a:lnR w="12700" cap="flat" cmpd="sng" algn="ctr">
+                      <a:solidFill>
+                        <a:schemeClr val="tx1"/>
+                      </a:solidFill>
+                      <a:prstDash val="solid"/>
+                      <a:round/>
+                      <a:headEnd type="none" w="med" len="med"/>
+                      <a:tailEnd type="none" w="med" len="med"/>
+                    </a:lnR>
+                    <a:lnT w="12700" cap="flat" cmpd="sng" algn="ctr">
+                      <a:solidFill>
+                        <a:schemeClr val="tx1"/>
+                      </a:solidFill>
+                      <a:prstDash val="solid"/>
+                      <a:round/>
+                      <a:headEnd type="none" w="med" len="med"/>
+                      <a:tailEnd type="none" w="med" len="med"/>
+                    </a:lnT>
+                    <a:lnB w="12700" cap="flat" cmpd="sng" algn="ctr">
+                      <a:solidFill>
+                        <a:schemeClr val="tx1"/>
+                      </a:solidFill>
+                      <a:prstDash val="solid"/>
+                      <a:round/>
+                      <a:headEnd type="none" w="med" len="med"/>
+                      <a:tailEnd type="none" w="med" len="med"/>
+                    </a:lnB>
+                    <a:noFill/>
+                  </a:tcPr>
+                </a:tc>
+                <a:tc>
+                  <a:txBody>
+                    <a:bodyPr/>
+                    <a:lstStyle/>
+                    <a:p>
+                      <a:endParaRPr kumimoji="1" lang="ja-JP" altLang="en-US"/>
+                    </a:p>
+                  </a:txBody>
+                  <a:tcPr>
+                    <a:lnL w="12700" cap="flat" cmpd="sng" algn="ctr">
+                      <a:solidFill>
+                        <a:schemeClr val="tx1"/>
+                      </a:solidFill>
+                      <a:prstDash val="solid"/>
+                      <a:round/>
+                      <a:headEnd type="none" w="med" len="med"/>
+                      <a:tailEnd type="none" w="med" len="med"/>
+                    </a:lnL>
+                    <a:lnR w="12700" cap="flat" cmpd="sng" algn="ctr">
+                      <a:solidFill>
+                        <a:schemeClr val="tx1"/>
+                      </a:solidFill>
+                      <a:prstDash val="solid"/>
+                      <a:round/>
+                      <a:headEnd type="none" w="med" len="med"/>
+                      <a:tailEnd type="none" w="med" len="med"/>
+                    </a:lnR>
+                    <a:lnT w="12700" cap="flat" cmpd="sng" algn="ctr">
+                      <a:solidFill>
+                        <a:schemeClr val="tx1"/>
+                      </a:solidFill>
+                      <a:prstDash val="solid"/>
+                      <a:round/>
+                      <a:headEnd type="none" w="med" len="med"/>
+                      <a:tailEnd type="none" w="med" len="med"/>
+                    </a:lnT>
+                    <a:lnB w="12700" cap="flat" cmpd="sng" algn="ctr">
+                      <a:solidFill>
+                        <a:schemeClr val="tx1"/>
+                      </a:solidFill>
+                      <a:prstDash val="solid"/>
+                      <a:round/>
+                      <a:headEnd type="none" w="med" len="med"/>
+                      <a:tailEnd type="none" w="med" len="med"/>
+                    </a:lnB>
+                    <a:noFill/>
+                  </a:tcPr>
+                </a:tc>
+                <a:extLst>
+                  <a:ext uri="{0D108BD9-81ED-4DB2-BD59-A6C34878D82A}">
+                    <a16:rowId xmlns:a16="http://schemas.microsoft.com/office/drawing/2014/main" val="1725753677"/>
+                  </a:ext>
+                </a:extLst>
+              </a:tr>
+              <a:tr h="1440000">
+                <a:tc>
+                  <a:txBody>
+                    <a:bodyPr/>
+                    <a:lstStyle/>
+                    <a:p>
+                      <a:endParaRPr kumimoji="1" lang="ja-JP" altLang="en-US"/>
+                    </a:p>
+                  </a:txBody>
+                  <a:tcPr>
+                    <a:lnL w="12700" cap="flat" cmpd="sng" algn="ctr">
+                      <a:solidFill>
+                        <a:schemeClr val="tx1"/>
+                      </a:solidFill>
+                      <a:prstDash val="solid"/>
+                      <a:round/>
+                      <a:headEnd type="none" w="med" len="med"/>
+                      <a:tailEnd type="none" w="med" len="med"/>
+                    </a:lnL>
+                    <a:lnR w="12700" cap="flat" cmpd="sng" algn="ctr">
+                      <a:solidFill>
+                        <a:schemeClr val="tx1"/>
+                      </a:solidFill>
+                      <a:prstDash val="solid"/>
+                      <a:round/>
+                      <a:headEnd type="none" w="med" len="med"/>
+                      <a:tailEnd type="none" w="med" len="med"/>
+                    </a:lnR>
+                    <a:lnT w="12700" cap="flat" cmpd="sng" algn="ctr">
+                      <a:solidFill>
+                        <a:schemeClr val="tx1"/>
+                      </a:solidFill>
+                      <a:prstDash val="solid"/>
+                      <a:round/>
+                      <a:headEnd type="none" w="med" len="med"/>
+                      <a:tailEnd type="none" w="med" len="med"/>
+                    </a:lnT>
+                    <a:lnB w="12700" cap="flat" cmpd="sng" algn="ctr">
+                      <a:solidFill>
+                        <a:schemeClr val="tx1"/>
+                      </a:solidFill>
+                      <a:prstDash val="solid"/>
+                      <a:round/>
+                      <a:headEnd type="none" w="med" len="med"/>
+                      <a:tailEnd type="none" w="med" len="med"/>
+                    </a:lnB>
+                    <a:noFill/>
+                  </a:tcPr>
+                </a:tc>
+                <a:tc>
+                  <a:txBody>
+                    <a:bodyPr/>
+                    <a:lstStyle/>
+                    <a:p>
+                      <a:endParaRPr kumimoji="1" lang="ja-JP" altLang="en-US" dirty="0"/>
+                    </a:p>
+                  </a:txBody>
+                  <a:tcPr>
+                    <a:lnL w="12700" cap="flat" cmpd="sng" algn="ctr">
+                      <a:solidFill>
+                        <a:schemeClr val="tx1"/>
+                      </a:solidFill>
+                      <a:prstDash val="solid"/>
+                      <a:round/>
+                      <a:headEnd type="none" w="med" len="med"/>
+                      <a:tailEnd type="none" w="med" len="med"/>
+                    </a:lnL>
+                    <a:lnR w="12700" cap="flat" cmpd="sng" algn="ctr">
+                      <a:solidFill>
+                        <a:schemeClr val="tx1"/>
+                      </a:solidFill>
+                      <a:prstDash val="solid"/>
+                      <a:round/>
+                      <a:headEnd type="none" w="med" len="med"/>
+                      <a:tailEnd type="none" w="med" len="med"/>
+                    </a:lnR>
+                    <a:lnT w="12700" cap="flat" cmpd="sng" algn="ctr">
+                      <a:solidFill>
+                        <a:schemeClr val="tx1"/>
+                      </a:solidFill>
+                      <a:prstDash val="solid"/>
+                      <a:round/>
+                      <a:headEnd type="none" w="med" len="med"/>
+                      <a:tailEnd type="none" w="med" len="med"/>
+                    </a:lnT>
+                    <a:lnB w="12700" cap="flat" cmpd="sng" algn="ctr">
+                      <a:solidFill>
+                        <a:schemeClr val="tx1"/>
+                      </a:solidFill>
+                      <a:prstDash val="solid"/>
+                      <a:round/>
+                      <a:headEnd type="none" w="med" len="med"/>
+                      <a:tailEnd type="none" w="med" len="med"/>
+                    </a:lnB>
+                    <a:noFill/>
+                  </a:tcPr>
+                </a:tc>
+                <a:tc>
+                  <a:txBody>
+                    <a:bodyPr/>
+                    <a:lstStyle/>
+                    <a:p>
+                      <a:endParaRPr kumimoji="1" lang="ja-JP" altLang="en-US"/>
+                    </a:p>
+                  </a:txBody>
+                  <a:tcPr>
+                    <a:lnL w="12700" cap="flat" cmpd="sng" algn="ctr">
+                      <a:solidFill>
+                        <a:schemeClr val="tx1"/>
+                      </a:solidFill>
+                      <a:prstDash val="solid"/>
+                      <a:round/>
+                      <a:headEnd type="none" w="med" len="med"/>
+                      <a:tailEnd type="none" w="med" len="med"/>
+                    </a:lnL>
+                    <a:lnR w="12700" cap="flat" cmpd="sng" algn="ctr">
+                      <a:solidFill>
+                        <a:schemeClr val="tx1"/>
+                      </a:solidFill>
+                      <a:prstDash val="solid"/>
+                      <a:round/>
+                      <a:headEnd type="none" w="med" len="med"/>
+                      <a:tailEnd type="none" w="med" len="med"/>
+                    </a:lnR>
+                    <a:lnT w="12700" cap="flat" cmpd="sng" algn="ctr">
+                      <a:solidFill>
+                        <a:schemeClr val="tx1"/>
+                      </a:solidFill>
+                      <a:prstDash val="solid"/>
+                      <a:round/>
+                      <a:headEnd type="none" w="med" len="med"/>
+                      <a:tailEnd type="none" w="med" len="med"/>
+                    </a:lnT>
+                    <a:lnB w="12700" cap="flat" cmpd="sng" algn="ctr">
+                      <a:solidFill>
+                        <a:schemeClr val="tx1"/>
+                      </a:solidFill>
+                      <a:prstDash val="solid"/>
+                      <a:round/>
+                      <a:headEnd type="none" w="med" len="med"/>
+                      <a:tailEnd type="none" w="med" len="med"/>
+                    </a:lnB>
+                    <a:noFill/>
+                  </a:tcPr>
+                </a:tc>
+                <a:tc>
+                  <a:txBody>
+                    <a:bodyPr/>
+                    <a:lstStyle/>
+                    <a:p>
+                      <a:endParaRPr kumimoji="1" lang="ja-JP" altLang="en-US"/>
+                    </a:p>
+                  </a:txBody>
+                  <a:tcPr>
+                    <a:lnL w="12700" cap="flat" cmpd="sng" algn="ctr">
+                      <a:solidFill>
+                        <a:schemeClr val="tx1"/>
+                      </a:solidFill>
+                      <a:prstDash val="solid"/>
+                      <a:round/>
+                      <a:headEnd type="none" w="med" len="med"/>
+                      <a:tailEnd type="none" w="med" len="med"/>
+                    </a:lnL>
+                    <a:lnR w="12700" cap="flat" cmpd="sng" algn="ctr">
+                      <a:solidFill>
+                        <a:schemeClr val="tx1"/>
+                      </a:solidFill>
+                      <a:prstDash val="solid"/>
+                      <a:round/>
+                      <a:headEnd type="none" w="med" len="med"/>
+                      <a:tailEnd type="none" w="med" len="med"/>
+                    </a:lnR>
+                    <a:lnT w="12700" cap="flat" cmpd="sng" algn="ctr">
+                      <a:solidFill>
+                        <a:schemeClr val="tx1"/>
+                      </a:solidFill>
+                      <a:prstDash val="solid"/>
+                      <a:round/>
+                      <a:headEnd type="none" w="med" len="med"/>
+                      <a:tailEnd type="none" w="med" len="med"/>
+                    </a:lnT>
+                    <a:lnB w="12700" cap="flat" cmpd="sng" algn="ctr">
+                      <a:solidFill>
+                        <a:schemeClr val="tx1"/>
+                      </a:solidFill>
+                      <a:prstDash val="solid"/>
+                      <a:round/>
+                      <a:headEnd type="none" w="med" len="med"/>
+                      <a:tailEnd type="none" w="med" len="med"/>
+                    </a:lnB>
+                    <a:noFill/>
+                  </a:tcPr>
+                </a:tc>
+                <a:extLst>
+                  <a:ext uri="{0D108BD9-81ED-4DB2-BD59-A6C34878D82A}">
+                    <a16:rowId xmlns:a16="http://schemas.microsoft.com/office/drawing/2014/main" val="1664081783"/>
+                  </a:ext>
+                </a:extLst>
+              </a:tr>
+              <a:tr h="1440000">
+                <a:tc>
+                  <a:txBody>
+                    <a:bodyPr/>
+                    <a:lstStyle/>
+                    <a:p>
+                      <a:endParaRPr kumimoji="1" lang="ja-JP" altLang="en-US"/>
+                    </a:p>
+                  </a:txBody>
+                  <a:tcPr>
+                    <a:lnL w="12700" cap="flat" cmpd="sng" algn="ctr">
+                      <a:solidFill>
+                        <a:schemeClr val="tx1"/>
+                      </a:solidFill>
+                      <a:prstDash val="solid"/>
+                      <a:round/>
+                      <a:headEnd type="none" w="med" len="med"/>
+                      <a:tailEnd type="none" w="med" len="med"/>
+                    </a:lnL>
+                    <a:lnR w="12700" cap="flat" cmpd="sng" algn="ctr">
+                      <a:solidFill>
+                        <a:schemeClr val="tx1"/>
+                      </a:solidFill>
+                      <a:prstDash val="solid"/>
+                      <a:round/>
+                      <a:headEnd type="none" w="med" len="med"/>
+                      <a:tailEnd type="none" w="med" len="med"/>
+                    </a:lnR>
+                    <a:lnT w="12700" cap="flat" cmpd="sng" algn="ctr">
+                      <a:solidFill>
+                        <a:schemeClr val="tx1"/>
+                      </a:solidFill>
+                      <a:prstDash val="solid"/>
+                      <a:round/>
+                      <a:headEnd type="none" w="med" len="med"/>
+                      <a:tailEnd type="none" w="med" len="med"/>
+                    </a:lnT>
+                    <a:lnB w="12700" cap="flat" cmpd="sng" algn="ctr">
+                      <a:solidFill>
+                        <a:schemeClr val="tx1"/>
+                      </a:solidFill>
+                      <a:prstDash val="solid"/>
+                      <a:round/>
+                      <a:headEnd type="none" w="med" len="med"/>
+                      <a:tailEnd type="none" w="med" len="med"/>
+                    </a:lnB>
+                    <a:noFill/>
+                  </a:tcPr>
+                </a:tc>
+                <a:tc>
+                  <a:txBody>
+                    <a:bodyPr/>
+                    <a:lstStyle/>
+                    <a:p>
+                      <a:endParaRPr kumimoji="1" lang="ja-JP" altLang="en-US"/>
+                    </a:p>
+                  </a:txBody>
+                  <a:tcPr>
+                    <a:lnL w="12700" cap="flat" cmpd="sng" algn="ctr">
+                      <a:solidFill>
+                        <a:schemeClr val="tx1"/>
+                      </a:solidFill>
+                      <a:prstDash val="solid"/>
+                      <a:round/>
+                      <a:headEnd type="none" w="med" len="med"/>
+                      <a:tailEnd type="none" w="med" len="med"/>
+                    </a:lnL>
+                    <a:lnR w="12700" cap="flat" cmpd="sng" algn="ctr">
+                      <a:solidFill>
+                        <a:schemeClr val="tx1"/>
+                      </a:solidFill>
+                      <a:prstDash val="solid"/>
+                      <a:round/>
+                      <a:headEnd type="none" w="med" len="med"/>
+                      <a:tailEnd type="none" w="med" len="med"/>
+                    </a:lnR>
+                    <a:lnT w="12700" cap="flat" cmpd="sng" algn="ctr">
+                      <a:solidFill>
+                        <a:schemeClr val="tx1"/>
+                      </a:solidFill>
+                      <a:prstDash val="solid"/>
+                      <a:round/>
+                      <a:headEnd type="none" w="med" len="med"/>
+                      <a:tailEnd type="none" w="med" len="med"/>
+                    </a:lnT>
+                    <a:lnB w="12700" cap="flat" cmpd="sng" algn="ctr">
+                      <a:solidFill>
+                        <a:schemeClr val="tx1"/>
+                      </a:solidFill>
+                      <a:prstDash val="solid"/>
+                      <a:round/>
+                      <a:headEnd type="none" w="med" len="med"/>
+                      <a:tailEnd type="none" w="med" len="med"/>
+                    </a:lnB>
+                    <a:noFill/>
+                  </a:tcPr>
+                </a:tc>
+                <a:tc>
+                  <a:txBody>
+                    <a:bodyPr/>
+                    <a:lstStyle/>
+                    <a:p>
+                      <a:endParaRPr kumimoji="1" lang="ja-JP" altLang="en-US"/>
+                    </a:p>
+                  </a:txBody>
+                  <a:tcPr>
+                    <a:lnL w="12700" cap="flat" cmpd="sng" algn="ctr">
+                      <a:solidFill>
+                        <a:schemeClr val="tx1"/>
+                      </a:solidFill>
+                      <a:prstDash val="solid"/>
+                      <a:round/>
+                      <a:headEnd type="none" w="med" len="med"/>
+                      <a:tailEnd type="none" w="med" len="med"/>
+                    </a:lnL>
+                    <a:lnR w="12700" cap="flat" cmpd="sng" algn="ctr">
+                      <a:solidFill>
+                        <a:schemeClr val="tx1"/>
+                      </a:solidFill>
+                      <a:prstDash val="solid"/>
+                      <a:round/>
+                      <a:headEnd type="none" w="med" len="med"/>
+                      <a:tailEnd type="none" w="med" len="med"/>
+                    </a:lnR>
+                    <a:lnT w="12700" cap="flat" cmpd="sng" algn="ctr">
+                      <a:solidFill>
+                        <a:schemeClr val="tx1"/>
+                      </a:solidFill>
+                      <a:prstDash val="solid"/>
+                      <a:round/>
+                      <a:headEnd type="none" w="med" len="med"/>
+                      <a:tailEnd type="none" w="med" len="med"/>
+                    </a:lnT>
+                    <a:lnB w="12700" cap="flat" cmpd="sng" algn="ctr">
+                      <a:solidFill>
+                        <a:schemeClr val="tx1"/>
+                      </a:solidFill>
+                      <a:prstDash val="solid"/>
+                      <a:round/>
+                      <a:headEnd type="none" w="med" len="med"/>
+                      <a:tailEnd type="none" w="med" len="med"/>
+                    </a:lnB>
+                    <a:noFill/>
+                  </a:tcPr>
+                </a:tc>
+                <a:tc>
+                  <a:txBody>
+                    <a:bodyPr/>
+                    <a:lstStyle/>
+                    <a:p>
+                      <a:endParaRPr kumimoji="1" lang="ja-JP" altLang="en-US"/>
+                    </a:p>
+                  </a:txBody>
+                  <a:tcPr>
+                    <a:lnL w="12700" cap="flat" cmpd="sng" algn="ctr">
+                      <a:solidFill>
+                        <a:schemeClr val="tx1"/>
+                      </a:solidFill>
+                      <a:prstDash val="solid"/>
+                      <a:round/>
+                      <a:headEnd type="none" w="med" len="med"/>
+                      <a:tailEnd type="none" w="med" len="med"/>
+                    </a:lnL>
+                    <a:lnR w="12700" cap="flat" cmpd="sng" algn="ctr">
+                      <a:solidFill>
+                        <a:schemeClr val="tx1"/>
+                      </a:solidFill>
+                      <a:prstDash val="solid"/>
+                      <a:round/>
+                      <a:headEnd type="none" w="med" len="med"/>
+                      <a:tailEnd type="none" w="med" len="med"/>
+                    </a:lnR>
+                    <a:lnT w="12700" cap="flat" cmpd="sng" algn="ctr">
+                      <a:solidFill>
+                        <a:schemeClr val="tx1"/>
+                      </a:solidFill>
+                      <a:prstDash val="solid"/>
+                      <a:round/>
+                      <a:headEnd type="none" w="med" len="med"/>
+                      <a:tailEnd type="none" w="med" len="med"/>
+                    </a:lnT>
+                    <a:lnB w="12700" cap="flat" cmpd="sng" algn="ctr">
+                      <a:solidFill>
+                        <a:schemeClr val="tx1"/>
+                      </a:solidFill>
+                      <a:prstDash val="solid"/>
+                      <a:round/>
+                      <a:headEnd type="none" w="med" len="med"/>
+                      <a:tailEnd type="none" w="med" len="med"/>
+                    </a:lnB>
+                    <a:noFill/>
+                  </a:tcPr>
+                </a:tc>
+                <a:extLst>
+                  <a:ext uri="{0D108BD9-81ED-4DB2-BD59-A6C34878D82A}">
+                    <a16:rowId xmlns:a16="http://schemas.microsoft.com/office/drawing/2014/main" val="1460733207"/>
+                  </a:ext>
+                </a:extLst>
+              </a:tr>
+              <a:tr h="1440000">
+                <a:tc>
+                  <a:txBody>
+                    <a:bodyPr/>
+                    <a:lstStyle/>
+                    <a:p>
+                      <a:endParaRPr kumimoji="1" lang="ja-JP" altLang="en-US"/>
+                    </a:p>
+                  </a:txBody>
+                  <a:tcPr>
+                    <a:lnL w="12700" cap="flat" cmpd="sng" algn="ctr">
+                      <a:solidFill>
+                        <a:schemeClr val="tx1"/>
+                      </a:solidFill>
+                      <a:prstDash val="solid"/>
+                      <a:round/>
+                      <a:headEnd type="none" w="med" len="med"/>
+                      <a:tailEnd type="none" w="med" len="med"/>
+                    </a:lnL>
+                    <a:lnR w="12700" cap="flat" cmpd="sng" algn="ctr">
+                      <a:solidFill>
+                        <a:schemeClr val="tx1"/>
+                      </a:solidFill>
+                      <a:prstDash val="solid"/>
+                      <a:round/>
+                      <a:headEnd type="none" w="med" len="med"/>
+                      <a:tailEnd type="none" w="med" len="med"/>
+                    </a:lnR>
+                    <a:lnT w="12700" cap="flat" cmpd="sng" algn="ctr">
+                      <a:solidFill>
+                        <a:schemeClr val="tx1"/>
+                      </a:solidFill>
+                      <a:prstDash val="solid"/>
+                      <a:round/>
+                      <a:headEnd type="none" w="med" len="med"/>
+                      <a:tailEnd type="none" w="med" len="med"/>
+                    </a:lnT>
+                    <a:lnB w="12700" cap="flat" cmpd="sng" algn="ctr">
+                      <a:solidFill>
+                        <a:schemeClr val="tx1"/>
+                      </a:solidFill>
+                      <a:prstDash val="solid"/>
+                      <a:round/>
+                      <a:headEnd type="none" w="med" len="med"/>
+                      <a:tailEnd type="none" w="med" len="med"/>
+                    </a:lnB>
+                    <a:noFill/>
+                  </a:tcPr>
+                </a:tc>
+                <a:tc>
+                  <a:txBody>
+                    <a:bodyPr/>
+                    <a:lstStyle/>
+                    <a:p>
+                      <a:endParaRPr kumimoji="1" lang="ja-JP" altLang="en-US"/>
+                    </a:p>
+                  </a:txBody>
+                  <a:tcPr>
+                    <a:lnL w="12700" cap="flat" cmpd="sng" algn="ctr">
+                      <a:solidFill>
+                        <a:schemeClr val="tx1"/>
+                      </a:solidFill>
+                      <a:prstDash val="solid"/>
+                      <a:round/>
+                      <a:headEnd type="none" w="med" len="med"/>
+                      <a:tailEnd type="none" w="med" len="med"/>
+                    </a:lnL>
+                    <a:lnR w="12700" cap="flat" cmpd="sng" algn="ctr">
+                      <a:solidFill>
+                        <a:schemeClr val="tx1"/>
+                      </a:solidFill>
+                      <a:prstDash val="solid"/>
+                      <a:round/>
+                      <a:headEnd type="none" w="med" len="med"/>
+                      <a:tailEnd type="none" w="med" len="med"/>
+                    </a:lnR>
+                    <a:lnT w="12700" cap="flat" cmpd="sng" algn="ctr">
+                      <a:solidFill>
+                        <a:schemeClr val="tx1"/>
+                      </a:solidFill>
+                      <a:prstDash val="solid"/>
+                      <a:round/>
+                      <a:headEnd type="none" w="med" len="med"/>
+                      <a:tailEnd type="none" w="med" len="med"/>
+                    </a:lnT>
+                    <a:lnB w="12700" cap="flat" cmpd="sng" algn="ctr">
+                      <a:solidFill>
+                        <a:schemeClr val="tx1"/>
+                      </a:solidFill>
+                      <a:prstDash val="solid"/>
+                      <a:round/>
+                      <a:headEnd type="none" w="med" len="med"/>
+                      <a:tailEnd type="none" w="med" len="med"/>
+                    </a:lnB>
+                    <a:noFill/>
+                  </a:tcPr>
+                </a:tc>
+                <a:tc>
+                  <a:txBody>
+                    <a:bodyPr/>
+                    <a:lstStyle/>
+                    <a:p>
+                      <a:endParaRPr kumimoji="1" lang="ja-JP" altLang="en-US" dirty="0"/>
+                    </a:p>
+                  </a:txBody>
+                  <a:tcPr>
+                    <a:lnL w="12700" cap="flat" cmpd="sng" algn="ctr">
+                      <a:solidFill>
+                        <a:schemeClr val="tx1"/>
+                      </a:solidFill>
+                      <a:prstDash val="solid"/>
+                      <a:round/>
+                      <a:headEnd type="none" w="med" len="med"/>
+                      <a:tailEnd type="none" w="med" len="med"/>
+                    </a:lnL>
+                    <a:lnR w="12700" cap="flat" cmpd="sng" algn="ctr">
+                      <a:solidFill>
+                        <a:schemeClr val="tx1"/>
+                      </a:solidFill>
+                      <a:prstDash val="solid"/>
+                      <a:round/>
+                      <a:headEnd type="none" w="med" len="med"/>
+                      <a:tailEnd type="none" w="med" len="med"/>
+                    </a:lnR>
+                    <a:lnT w="12700" cap="flat" cmpd="sng" algn="ctr">
+                      <a:solidFill>
+                        <a:schemeClr val="tx1"/>
+                      </a:solidFill>
+                      <a:prstDash val="solid"/>
+                      <a:round/>
+                      <a:headEnd type="none" w="med" len="med"/>
+                      <a:tailEnd type="none" w="med" len="med"/>
+                    </a:lnT>
+                    <a:lnB w="12700" cap="flat" cmpd="sng" algn="ctr">
+                      <a:solidFill>
+                        <a:schemeClr val="tx1"/>
+                      </a:solidFill>
+                      <a:prstDash val="solid"/>
+                      <a:round/>
+                      <a:headEnd type="none" w="med" len="med"/>
+                      <a:tailEnd type="none" w="med" len="med"/>
+                    </a:lnB>
+                    <a:noFill/>
+                  </a:tcPr>
+                </a:tc>
+                <a:tc>
+                  <a:txBody>
+                    <a:bodyPr/>
+                    <a:lstStyle/>
+                    <a:p>
+                      <a:endParaRPr kumimoji="1" lang="ja-JP" altLang="en-US"/>
+                    </a:p>
+                  </a:txBody>
+                  <a:tcPr>
+                    <a:lnL w="12700" cap="flat" cmpd="sng" algn="ctr">
+                      <a:solidFill>
+                        <a:schemeClr val="tx1"/>
+                      </a:solidFill>
+                      <a:prstDash val="solid"/>
+                      <a:round/>
+                      <a:headEnd type="none" w="med" len="med"/>
+                      <a:tailEnd type="none" w="med" len="med"/>
+                    </a:lnL>
+                    <a:lnR w="12700" cap="flat" cmpd="sng" algn="ctr">
+                      <a:solidFill>
+                        <a:schemeClr val="tx1"/>
+                      </a:solidFill>
+                      <a:prstDash val="solid"/>
+                      <a:round/>
+                      <a:headEnd type="none" w="med" len="med"/>
+                      <a:tailEnd type="none" w="med" len="med"/>
+                    </a:lnR>
+                    <a:lnT w="12700" cap="flat" cmpd="sng" algn="ctr">
+                      <a:solidFill>
+                        <a:schemeClr val="tx1"/>
+                      </a:solidFill>
+                      <a:prstDash val="solid"/>
+                      <a:round/>
+                      <a:headEnd type="none" w="med" len="med"/>
+                      <a:tailEnd type="none" w="med" len="med"/>
+                    </a:lnT>
+                    <a:lnB w="12700" cap="flat" cmpd="sng" algn="ctr">
+                      <a:solidFill>
+                        <a:schemeClr val="tx1"/>
+                      </a:solidFill>
+                      <a:prstDash val="solid"/>
+                      <a:round/>
+                      <a:headEnd type="none" w="med" len="med"/>
+                      <a:tailEnd type="none" w="med" len="med"/>
+                    </a:lnB>
+                    <a:noFill/>
+                  </a:tcPr>
+                </a:tc>
+                <a:extLst>
+                  <a:ext uri="{0D108BD9-81ED-4DB2-BD59-A6C34878D82A}">
+                    <a16:rowId xmlns:a16="http://schemas.microsoft.com/office/drawing/2014/main" val="3239327951"/>
+                  </a:ext>
+                </a:extLst>
+              </a:tr>
+              <a:tr h="1440000">
+                <a:tc>
+                  <a:txBody>
+                    <a:bodyPr/>
+                    <a:lstStyle/>
+                    <a:p>
+                      <a:endParaRPr kumimoji="1" lang="ja-JP" altLang="en-US"/>
+                    </a:p>
+                  </a:txBody>
+                  <a:tcPr>
+                    <a:lnL w="12700" cap="flat" cmpd="sng" algn="ctr">
+                      <a:solidFill>
+                        <a:schemeClr val="tx1"/>
+                      </a:solidFill>
+                      <a:prstDash val="solid"/>
+                      <a:round/>
+                      <a:headEnd type="none" w="med" len="med"/>
+                      <a:tailEnd type="none" w="med" len="med"/>
+                    </a:lnL>
+                    <a:lnR w="12700" cap="flat" cmpd="sng" algn="ctr">
+                      <a:solidFill>
+                        <a:schemeClr val="tx1"/>
+                      </a:solidFill>
+                      <a:prstDash val="solid"/>
+                      <a:round/>
+                      <a:headEnd type="none" w="med" len="med"/>
+                      <a:tailEnd type="none" w="med" len="med"/>
+                    </a:lnR>
+                    <a:lnT w="12700" cap="flat" cmpd="sng" algn="ctr">
+                      <a:solidFill>
+                        <a:schemeClr val="tx1"/>
+                      </a:solidFill>
+                      <a:prstDash val="solid"/>
+                      <a:round/>
+                      <a:headEnd type="none" w="med" len="med"/>
+                      <a:tailEnd type="none" w="med" len="med"/>
+                    </a:lnT>
+                    <a:lnB w="12700" cap="flat" cmpd="sng" algn="ctr">
+                      <a:solidFill>
+                        <a:schemeClr val="tx1"/>
+                      </a:solidFill>
+                      <a:prstDash val="solid"/>
+                      <a:round/>
+                      <a:headEnd type="none" w="med" len="med"/>
+                      <a:tailEnd type="none" w="med" len="med"/>
+                    </a:lnB>
+                    <a:noFill/>
+                  </a:tcPr>
+                </a:tc>
+                <a:tc>
+                  <a:txBody>
+                    <a:bodyPr/>
+                    <a:lstStyle/>
+                    <a:p>
+                      <a:endParaRPr kumimoji="1" lang="ja-JP" altLang="en-US"/>
+                    </a:p>
+                  </a:txBody>
+                  <a:tcPr>
+                    <a:lnL w="12700" cap="flat" cmpd="sng" algn="ctr">
+                      <a:solidFill>
+                        <a:schemeClr val="tx1"/>
+                      </a:solidFill>
+                      <a:prstDash val="solid"/>
+                      <a:round/>
+                      <a:headEnd type="none" w="med" len="med"/>
+                      <a:tailEnd type="none" w="med" len="med"/>
+                    </a:lnL>
+                    <a:lnR w="12700" cap="flat" cmpd="sng" algn="ctr">
+                      <a:solidFill>
+                        <a:schemeClr val="tx1"/>
+                      </a:solidFill>
+                      <a:prstDash val="solid"/>
+                      <a:round/>
+                      <a:headEnd type="none" w="med" len="med"/>
+                      <a:tailEnd type="none" w="med" len="med"/>
+                    </a:lnR>
+                    <a:lnT w="12700" cap="flat" cmpd="sng" algn="ctr">
+                      <a:solidFill>
+                        <a:schemeClr val="tx1"/>
+                      </a:solidFill>
+                      <a:prstDash val="solid"/>
+                      <a:round/>
+                      <a:headEnd type="none" w="med" len="med"/>
+                      <a:tailEnd type="none" w="med" len="med"/>
+                    </a:lnT>
+                    <a:lnB w="12700" cap="flat" cmpd="sng" algn="ctr">
+                      <a:solidFill>
+                        <a:schemeClr val="tx1"/>
+                      </a:solidFill>
+                      <a:prstDash val="solid"/>
+                      <a:round/>
+                      <a:headEnd type="none" w="med" len="med"/>
+                      <a:tailEnd type="none" w="med" len="med"/>
+                    </a:lnB>
+                    <a:noFill/>
+                  </a:tcPr>
+                </a:tc>
+                <a:tc>
+                  <a:txBody>
+                    <a:bodyPr/>
+                    <a:lstStyle/>
+                    <a:p>
+                      <a:endParaRPr kumimoji="1" lang="ja-JP" altLang="en-US"/>
+                    </a:p>
+                  </a:txBody>
+                  <a:tcPr>
+                    <a:lnL w="12700" cap="flat" cmpd="sng" algn="ctr">
+                      <a:solidFill>
+                        <a:schemeClr val="tx1"/>
+                      </a:solidFill>
+                      <a:prstDash val="solid"/>
+                      <a:round/>
+                      <a:headEnd type="none" w="med" len="med"/>
+                      <a:tailEnd type="none" w="med" len="med"/>
+                    </a:lnL>
+                    <a:lnR w="12700" cap="flat" cmpd="sng" algn="ctr">
+                      <a:solidFill>
+                        <a:schemeClr val="tx1"/>
+                      </a:solidFill>
+                      <a:prstDash val="solid"/>
+                      <a:round/>
+                      <a:headEnd type="none" w="med" len="med"/>
+                      <a:tailEnd type="none" w="med" len="med"/>
+                    </a:lnR>
+                    <a:lnT w="12700" cap="flat" cmpd="sng" algn="ctr">
+                      <a:solidFill>
+                        <a:schemeClr val="tx1"/>
+                      </a:solidFill>
+                      <a:prstDash val="solid"/>
+                      <a:round/>
+                      <a:headEnd type="none" w="med" len="med"/>
+                      <a:tailEnd type="none" w="med" len="med"/>
+                    </a:lnT>
+                    <a:lnB w="12700" cap="flat" cmpd="sng" algn="ctr">
+                      <a:solidFill>
+                        <a:schemeClr val="tx1"/>
+                      </a:solidFill>
+                      <a:prstDash val="solid"/>
+                      <a:round/>
+                      <a:headEnd type="none" w="med" len="med"/>
+                      <a:tailEnd type="none" w="med" len="med"/>
+                    </a:lnB>
+                    <a:noFill/>
+                  </a:tcPr>
+                </a:tc>
+                <a:tc>
+                  <a:txBody>
+                    <a:bodyPr/>
+                    <a:lstStyle/>
+                    <a:p>
+                      <a:endParaRPr kumimoji="1" lang="ja-JP" altLang="en-US" dirty="0"/>
+                    </a:p>
+                  </a:txBody>
+                  <a:tcPr>
+                    <a:lnL w="12700" cap="flat" cmpd="sng" algn="ctr">
+                      <a:solidFill>
+                        <a:schemeClr val="tx1"/>
+                      </a:solidFill>
+                      <a:prstDash val="solid"/>
+                      <a:round/>
+                      <a:headEnd type="none" w="med" len="med"/>
+                      <a:tailEnd type="none" w="med" len="med"/>
+                    </a:lnL>
+                    <a:lnR w="12700" cap="flat" cmpd="sng" algn="ctr">
+                      <a:solidFill>
+                        <a:schemeClr val="tx1"/>
+                      </a:solidFill>
+                      <a:prstDash val="solid"/>
+                      <a:round/>
+                      <a:headEnd type="none" w="med" len="med"/>
+                      <a:tailEnd type="none" w="med" len="med"/>
+                    </a:lnR>
+                    <a:lnT w="12700" cap="flat" cmpd="sng" algn="ctr">
+                      <a:solidFill>
+                        <a:schemeClr val="tx1"/>
+                      </a:solidFill>
+                      <a:prstDash val="solid"/>
+                      <a:round/>
+                      <a:headEnd type="none" w="med" len="med"/>
+                      <a:tailEnd type="none" w="med" len="med"/>
+                    </a:lnT>
+                    <a:lnB w="12700" cap="flat" cmpd="sng" algn="ctr">
+                      <a:solidFill>
+                        <a:schemeClr val="tx1"/>
+                      </a:solidFill>
+                      <a:prstDash val="solid"/>
+                      <a:round/>
+                      <a:headEnd type="none" w="med" len="med"/>
+                      <a:tailEnd type="none" w="med" len="med"/>
+                    </a:lnB>
+                    <a:noFill/>
+                  </a:tcPr>
+                </a:tc>
+                <a:extLst>
+                  <a:ext uri="{0D108BD9-81ED-4DB2-BD59-A6C34878D82A}">
+                    <a16:rowId xmlns:a16="http://schemas.microsoft.com/office/drawing/2014/main" val="149269636"/>
+                  </a:ext>
+                </a:extLst>
+              </a:tr>
+            </a:tbl>
+          </a:graphicData>
+        </a:graphic>
+      </p:graphicFrame>
+      <p:pic>
+        <p:nvPicPr>
+          <p:cNvPr id="70" name="図 69">
+            <a:extLst>
+              <a:ext uri="{FF2B5EF4-FFF2-40B4-BE49-F238E27FC236}">
+                <a16:creationId xmlns:a16="http://schemas.microsoft.com/office/drawing/2014/main" id="{58C59D41-E291-41D3-9B9B-C1BD6CCE4417}"/>
+              </a:ext>
+            </a:extLst>
+          </p:cNvPr>
+          <p:cNvPicPr>
+            <a:picLocks noChangeAspect="1"/>
+          </p:cNvPicPr>
+          <p:nvPr/>
+        </p:nvPicPr>
+        <p:blipFill>
+          <a:blip r:embed="rId2" cstate="print">
+            <a:extLst>
+              <a:ext uri="{28A0092B-C50C-407E-A947-70E740481C1C}">
+                <a14:useLocalDpi xmlns:a14="http://schemas.microsoft.com/office/drawing/2010/main" val="0"/>
+              </a:ext>
+            </a:extLst>
+          </a:blip>
+          <a:stretch>
+            <a:fillRect/>
+          </a:stretch>
+        </p:blipFill>
+        <p:spPr>
+          <a:xfrm>
+            <a:off x="3391814" y="1001665"/>
+            <a:ext cx="720000" cy="1080000"/>
+          </a:xfrm>
+          <a:prstGeom prst="rect">
+            <a:avLst/>
+          </a:prstGeom>
+        </p:spPr>
+      </p:pic>
+      <p:pic>
+        <p:nvPicPr>
+          <p:cNvPr id="71" name="図 70">
+            <a:extLst>
+              <a:ext uri="{FF2B5EF4-FFF2-40B4-BE49-F238E27FC236}">
+                <a16:creationId xmlns:a16="http://schemas.microsoft.com/office/drawing/2014/main" id="{5D9D43C2-6EC5-46B5-8B73-3F518EEC3494}"/>
+              </a:ext>
+            </a:extLst>
+          </p:cNvPr>
+          <p:cNvPicPr>
+            <a:picLocks noChangeAspect="1"/>
+          </p:cNvPicPr>
+          <p:nvPr/>
+        </p:nvPicPr>
+        <p:blipFill>
+          <a:blip r:embed="rId3" cstate="print">
+            <a:extLst>
+              <a:ext uri="{28A0092B-C50C-407E-A947-70E740481C1C}">
+                <a14:useLocalDpi xmlns:a14="http://schemas.microsoft.com/office/drawing/2010/main" val="0"/>
+              </a:ext>
+            </a:extLst>
+          </a:blip>
+          <a:stretch>
+            <a:fillRect/>
+          </a:stretch>
+        </p:blipFill>
+        <p:spPr>
+          <a:xfrm>
+            <a:off x="3391685" y="2449823"/>
+            <a:ext cx="720000" cy="1080000"/>
+          </a:xfrm>
+          <a:prstGeom prst="rect">
+            <a:avLst/>
+          </a:prstGeom>
+        </p:spPr>
+      </p:pic>
+      <p:pic>
+        <p:nvPicPr>
+          <p:cNvPr id="72" name="図 71">
+            <a:extLst>
+              <a:ext uri="{FF2B5EF4-FFF2-40B4-BE49-F238E27FC236}">
+                <a16:creationId xmlns:a16="http://schemas.microsoft.com/office/drawing/2014/main" id="{38561F62-A8CC-4335-B6D1-2E1D655641BA}"/>
+              </a:ext>
+            </a:extLst>
+          </p:cNvPr>
+          <p:cNvPicPr>
+            <a:picLocks noChangeAspect="1"/>
+          </p:cNvPicPr>
+          <p:nvPr/>
+        </p:nvPicPr>
+        <p:blipFill>
+          <a:blip r:embed="rId4" cstate="print">
+            <a:extLst>
+              <a:ext uri="{28A0092B-C50C-407E-A947-70E740481C1C}">
+                <a14:useLocalDpi xmlns:a14="http://schemas.microsoft.com/office/drawing/2010/main" val="0"/>
+              </a:ext>
+            </a:extLst>
+          </a:blip>
+          <a:stretch>
+            <a:fillRect/>
+          </a:stretch>
+        </p:blipFill>
+        <p:spPr>
+          <a:xfrm>
+            <a:off x="3391685" y="3890304"/>
+            <a:ext cx="720000" cy="1080000"/>
+          </a:xfrm>
+          <a:prstGeom prst="rect">
+            <a:avLst/>
+          </a:prstGeom>
+        </p:spPr>
+      </p:pic>
+      <p:pic>
+        <p:nvPicPr>
+          <p:cNvPr id="73" name="図 72">
+            <a:extLst>
+              <a:ext uri="{FF2B5EF4-FFF2-40B4-BE49-F238E27FC236}">
+                <a16:creationId xmlns:a16="http://schemas.microsoft.com/office/drawing/2014/main" id="{035C865E-5948-4461-9B0E-3041C6B41A8A}"/>
+              </a:ext>
+            </a:extLst>
+          </p:cNvPr>
+          <p:cNvPicPr>
+            <a:picLocks noChangeAspect="1"/>
+          </p:cNvPicPr>
+          <p:nvPr/>
+        </p:nvPicPr>
+        <p:blipFill>
+          <a:blip r:embed="rId5" cstate="print">
+            <a:extLst>
+              <a:ext uri="{28A0092B-C50C-407E-A947-70E740481C1C}">
+                <a14:useLocalDpi xmlns:a14="http://schemas.microsoft.com/office/drawing/2010/main" val="0"/>
+              </a:ext>
+            </a:extLst>
+          </a:blip>
+          <a:stretch>
+            <a:fillRect/>
+          </a:stretch>
+        </p:blipFill>
+        <p:spPr>
+          <a:xfrm>
+            <a:off x="3391685" y="5330308"/>
+            <a:ext cx="720000" cy="1080000"/>
+          </a:xfrm>
+          <a:prstGeom prst="rect">
+            <a:avLst/>
+          </a:prstGeom>
+        </p:spPr>
+      </p:pic>
+      <p:pic>
+        <p:nvPicPr>
+          <p:cNvPr id="74" name="図 73">
+            <a:extLst>
+              <a:ext uri="{FF2B5EF4-FFF2-40B4-BE49-F238E27FC236}">
+                <a16:creationId xmlns:a16="http://schemas.microsoft.com/office/drawing/2014/main" id="{41AA225D-4823-4F1C-9FF2-F70005EA0FB5}"/>
+              </a:ext>
+            </a:extLst>
+          </p:cNvPr>
+          <p:cNvPicPr>
+            <a:picLocks noChangeAspect="1"/>
+          </p:cNvPicPr>
+          <p:nvPr/>
+        </p:nvPicPr>
+        <p:blipFill>
+          <a:blip r:embed="rId6" cstate="print">
+            <a:extLst>
+              <a:ext uri="{28A0092B-C50C-407E-A947-70E740481C1C}">
+                <a14:useLocalDpi xmlns:a14="http://schemas.microsoft.com/office/drawing/2010/main" val="0"/>
+              </a:ext>
+            </a:extLst>
+          </a:blip>
+          <a:stretch>
+            <a:fillRect/>
+          </a:stretch>
+        </p:blipFill>
+        <p:spPr>
+          <a:xfrm>
+            <a:off x="3391685" y="6771715"/>
+            <a:ext cx="720000" cy="1080000"/>
+          </a:xfrm>
+          <a:prstGeom prst="rect">
+            <a:avLst/>
+          </a:prstGeom>
+        </p:spPr>
+      </p:pic>
+      <p:pic>
+        <p:nvPicPr>
+          <p:cNvPr id="77" name="図 76">
+            <a:extLst>
+              <a:ext uri="{FF2B5EF4-FFF2-40B4-BE49-F238E27FC236}">
+                <a16:creationId xmlns:a16="http://schemas.microsoft.com/office/drawing/2014/main" id="{6BD0546A-03E3-4B0A-9DC0-6AB6C5673FA5}"/>
+              </a:ext>
+            </a:extLst>
+          </p:cNvPr>
+          <p:cNvPicPr>
+            <a:picLocks noChangeAspect="1"/>
+          </p:cNvPicPr>
+          <p:nvPr/>
+        </p:nvPicPr>
+        <p:blipFill>
+          <a:blip r:embed="rId7" cstate="print">
+            <a:extLst>
+              <a:ext uri="{28A0092B-C50C-407E-A947-70E740481C1C}">
+                <a14:useLocalDpi xmlns:a14="http://schemas.microsoft.com/office/drawing/2010/main" val="0"/>
+              </a:ext>
+            </a:extLst>
+          </a:blip>
+          <a:stretch>
+            <a:fillRect/>
+          </a:stretch>
+        </p:blipFill>
+        <p:spPr>
+          <a:xfrm>
+            <a:off x="3391685" y="8198194"/>
             <a:ext cx="720000" cy="1080000"/>
           </a:xfrm>
           <a:prstGeom prst="rect">
@@ -5721,8 +10464,8 @@
         </p:nvSpPr>
         <p:spPr>
           <a:xfrm>
-            <a:off x="164844" y="3145391"/>
-            <a:ext cx="886970" cy="369332"/>
+            <a:off x="1051814" y="2065549"/>
+            <a:ext cx="1068976" cy="369332"/>
           </a:xfrm>
           <a:prstGeom prst="rect">
             <a:avLst/>
@@ -5758,8 +10501,8 @@
         </p:nvSpPr>
         <p:spPr>
           <a:xfrm>
-            <a:off x="164844" y="4396884"/>
-            <a:ext cx="886970" cy="369332"/>
+            <a:off x="1051556" y="3510667"/>
+            <a:ext cx="1075786" cy="369332"/>
           </a:xfrm>
           <a:prstGeom prst="rect">
             <a:avLst/>
@@ -5795,8 +10538,8 @@
         </p:nvSpPr>
         <p:spPr>
           <a:xfrm>
-            <a:off x="164844" y="5647591"/>
-            <a:ext cx="886970" cy="369332"/>
+            <a:off x="1057272" y="4968358"/>
+            <a:ext cx="1091569" cy="369332"/>
           </a:xfrm>
           <a:prstGeom prst="rect">
             <a:avLst/>
@@ -5832,8 +10575,8 @@
         </p:nvSpPr>
         <p:spPr>
           <a:xfrm>
-            <a:off x="164844" y="6917496"/>
-            <a:ext cx="886970" cy="369332"/>
+            <a:off x="1051556" y="6383614"/>
+            <a:ext cx="1058210" cy="369332"/>
           </a:xfrm>
           <a:prstGeom prst="rect">
             <a:avLst/>
@@ -5869,8 +10612,8 @@
         </p:nvSpPr>
         <p:spPr>
           <a:xfrm>
-            <a:off x="164844" y="8168203"/>
-            <a:ext cx="886970" cy="369332"/>
+            <a:off x="1051556" y="7827973"/>
+            <a:ext cx="1075786" cy="369332"/>
           </a:xfrm>
           <a:prstGeom prst="rect">
             <a:avLst/>
@@ -5906,8 +10649,8 @@
         </p:nvSpPr>
         <p:spPr>
           <a:xfrm>
-            <a:off x="164844" y="9428766"/>
-            <a:ext cx="886970" cy="369332"/>
+            <a:off x="1051556" y="9293677"/>
+            <a:ext cx="1075786" cy="369332"/>
           </a:xfrm>
           <a:prstGeom prst="rect">
             <a:avLst/>
@@ -5937,10 +10680,10 @@
       </p:sp>
       <p:sp>
         <p:nvSpPr>
-          <p:cNvPr id="49" name="テキスト ボックス 48">
+          <p:cNvPr id="52" name="テキスト ボックス 51">
             <a:extLst>
               <a:ext uri="{FF2B5EF4-FFF2-40B4-BE49-F238E27FC236}">
-                <a16:creationId xmlns:a16="http://schemas.microsoft.com/office/drawing/2014/main" id="{6158376A-37C7-4BA3-B30F-F3ED8BBE3BC0}"/>
+                <a16:creationId xmlns:a16="http://schemas.microsoft.com/office/drawing/2014/main" id="{B9B25940-FDC8-447D-AA02-5C9253ABD50B}"/>
               </a:ext>
             </a:extLst>
           </p:cNvPr>
@@ -5949,8 +10692,176 @@
         </p:nvSpPr>
         <p:spPr>
           <a:xfrm>
-            <a:off x="3815446" y="10153432"/>
-            <a:ext cx="1267466" cy="646331"/>
+            <a:off x="1029766" y="9658308"/>
+            <a:ext cx="1080000" cy="323165"/>
+          </a:xfrm>
+          <a:prstGeom prst="rect">
+            <a:avLst/>
+          </a:prstGeom>
+          <a:noFill/>
+        </p:spPr>
+        <p:txBody>
+          <a:bodyPr wrap="square" rtlCol="0">
+            <a:spAutoFit/>
+          </a:bodyPr>
+          <a:lstStyle/>
+          <a:p>
+            <a:pPr algn="ctr"/>
+            <a:r>
+              <a:rPr lang="en-US" altLang="ja-JP" sz="1500" dirty="0">
+                <a:latin typeface="Times New Roman" panose="02020603050405020304" pitchFamily="18" charset="0"/>
+                <a:cs typeface="Times New Roman" panose="02020603050405020304" pitchFamily="18" charset="0"/>
+              </a:rPr>
+              <a:t>Case 1-1 </a:t>
+            </a:r>
+          </a:p>
+        </p:txBody>
+      </p:sp>
+      <p:sp>
+        <p:nvSpPr>
+          <p:cNvPr id="42" name="テキスト ボックス 41">
+            <a:extLst>
+              <a:ext uri="{FF2B5EF4-FFF2-40B4-BE49-F238E27FC236}">
+                <a16:creationId xmlns:a16="http://schemas.microsoft.com/office/drawing/2014/main" id="{F1596B8D-B682-4693-85BE-0B81C1F49A42}"/>
+              </a:ext>
+            </a:extLst>
+          </p:cNvPr>
+          <p:cNvSpPr txBox="1"/>
+          <p:nvPr/>
+        </p:nvSpPr>
+        <p:spPr>
+          <a:xfrm>
+            <a:off x="3211814" y="9648578"/>
+            <a:ext cx="1080000" cy="553998"/>
+          </a:xfrm>
+          <a:prstGeom prst="rect">
+            <a:avLst/>
+          </a:prstGeom>
+          <a:noFill/>
+        </p:spPr>
+        <p:txBody>
+          <a:bodyPr wrap="square" rtlCol="0">
+            <a:spAutoFit/>
+          </a:bodyPr>
+          <a:lstStyle/>
+          <a:p>
+            <a:pPr algn="ctr"/>
+            <a:r>
+              <a:rPr lang="en-US" altLang="ja-JP" sz="1500" dirty="0">
+                <a:latin typeface="Times New Roman" panose="02020603050405020304" pitchFamily="18" charset="0"/>
+                <a:cs typeface="Times New Roman" panose="02020603050405020304" pitchFamily="18" charset="0"/>
+              </a:rPr>
+              <a:t>Case 1-3 (500 mm/s)</a:t>
+            </a:r>
+            <a:endParaRPr lang="ja-JP" altLang="en-US" sz="1500" dirty="0">
+              <a:latin typeface="Times New Roman" panose="02020603050405020304" pitchFamily="18" charset="0"/>
+              <a:cs typeface="Times New Roman" panose="02020603050405020304" pitchFamily="18" charset="0"/>
+            </a:endParaRPr>
+          </a:p>
+        </p:txBody>
+      </p:sp>
+      <p:sp>
+        <p:nvSpPr>
+          <p:cNvPr id="43" name="テキスト ボックス 42">
+            <a:extLst>
+              <a:ext uri="{FF2B5EF4-FFF2-40B4-BE49-F238E27FC236}">
+                <a16:creationId xmlns:a16="http://schemas.microsoft.com/office/drawing/2014/main" id="{AA36FCAF-1539-4113-BCA4-D98EE9BB5473}"/>
+              </a:ext>
+            </a:extLst>
+          </p:cNvPr>
+          <p:cNvSpPr txBox="1"/>
+          <p:nvPr/>
+        </p:nvSpPr>
+        <p:spPr>
+          <a:xfrm>
+            <a:off x="2120790" y="9655491"/>
+            <a:ext cx="1080000" cy="553998"/>
+          </a:xfrm>
+          <a:prstGeom prst="rect">
+            <a:avLst/>
+          </a:prstGeom>
+          <a:noFill/>
+        </p:spPr>
+        <p:txBody>
+          <a:bodyPr wrap="square" rtlCol="0">
+            <a:spAutoFit/>
+          </a:bodyPr>
+          <a:lstStyle/>
+          <a:p>
+            <a:pPr algn="ctr"/>
+            <a:r>
+              <a:rPr lang="en-US" altLang="ja-JP" sz="1500" dirty="0">
+                <a:latin typeface="Times New Roman" panose="02020603050405020304" pitchFamily="18" charset="0"/>
+                <a:cs typeface="Times New Roman" panose="02020603050405020304" pitchFamily="18" charset="0"/>
+              </a:rPr>
+              <a:t>Case 1-2 (300 mm/s)</a:t>
+            </a:r>
+            <a:endParaRPr lang="ja-JP" altLang="en-US" sz="1500" dirty="0">
+              <a:latin typeface="Times New Roman" panose="02020603050405020304" pitchFamily="18" charset="0"/>
+              <a:cs typeface="Times New Roman" panose="02020603050405020304" pitchFamily="18" charset="0"/>
+            </a:endParaRPr>
+          </a:p>
+        </p:txBody>
+      </p:sp>
+      <p:sp>
+        <p:nvSpPr>
+          <p:cNvPr id="44" name="テキスト ボックス 43">
+            <a:extLst>
+              <a:ext uri="{FF2B5EF4-FFF2-40B4-BE49-F238E27FC236}">
+                <a16:creationId xmlns:a16="http://schemas.microsoft.com/office/drawing/2014/main" id="{CF2C1C30-766A-436E-A219-EEE2CA5703E1}"/>
+              </a:ext>
+            </a:extLst>
+          </p:cNvPr>
+          <p:cNvSpPr txBox="1"/>
+          <p:nvPr/>
+        </p:nvSpPr>
+        <p:spPr>
+          <a:xfrm>
+            <a:off x="4280790" y="9636990"/>
+            <a:ext cx="1080000" cy="553998"/>
+          </a:xfrm>
+          <a:prstGeom prst="rect">
+            <a:avLst/>
+          </a:prstGeom>
+          <a:noFill/>
+        </p:spPr>
+        <p:txBody>
+          <a:bodyPr wrap="square" rtlCol="0">
+            <a:spAutoFit/>
+          </a:bodyPr>
+          <a:lstStyle/>
+          <a:p>
+            <a:pPr algn="ctr"/>
+            <a:r>
+              <a:rPr lang="en-US" altLang="ja-JP" sz="1500" dirty="0">
+                <a:latin typeface="Times New Roman" panose="02020603050405020304" pitchFamily="18" charset="0"/>
+                <a:cs typeface="Times New Roman" panose="02020603050405020304" pitchFamily="18" charset="0"/>
+              </a:rPr>
+              <a:t>Case 1-4 (700 mm/s)</a:t>
+            </a:r>
+            <a:endParaRPr lang="ja-JP" altLang="en-US" sz="1500" dirty="0">
+              <a:latin typeface="Times New Roman" panose="02020603050405020304" pitchFamily="18" charset="0"/>
+              <a:cs typeface="Times New Roman" panose="02020603050405020304" pitchFamily="18" charset="0"/>
+            </a:endParaRPr>
+          </a:p>
+        </p:txBody>
+      </p:sp>
+      <p:sp>
+        <p:nvSpPr>
+          <p:cNvPr id="103" name="テキスト ボックス 102">
+            <a:extLst>
+              <a:ext uri="{FF2B5EF4-FFF2-40B4-BE49-F238E27FC236}">
+                <a16:creationId xmlns:a16="http://schemas.microsoft.com/office/drawing/2014/main" id="{1F232266-0E34-492C-80A6-C8BE68491721}"/>
+              </a:ext>
+            </a:extLst>
+          </p:cNvPr>
+          <p:cNvSpPr txBox="1"/>
+          <p:nvPr/>
+        </p:nvSpPr>
+        <p:spPr>
+          <a:xfrm>
+            <a:off x="2120790" y="2081161"/>
+            <a:ext cx="1068976" cy="369332"/>
           </a:xfrm>
           <a:prstGeom prst="rect">
             <a:avLst/>
@@ -5969,7 +10880,7 @@
                 <a:latin typeface="Times New Roman" panose="02020603050405020304" pitchFamily="18" charset="0"/>
                 <a:cs typeface="Times New Roman" panose="02020603050405020304" pitchFamily="18" charset="0"/>
               </a:rPr>
-              <a:t>Case 2-5 (500 mm/s)</a:t>
+              <a:t>0.020 s</a:t>
             </a:r>
             <a:endParaRPr lang="ja-JP" altLang="en-US" dirty="0">
               <a:latin typeface="Times New Roman" panose="02020603050405020304" pitchFamily="18" charset="0"/>
@@ -5980,10 +10891,10 @@
       </p:sp>
       <p:sp>
         <p:nvSpPr>
-          <p:cNvPr id="50" name="テキスト ボックス 49">
+          <p:cNvPr id="104" name="テキスト ボックス 103">
             <a:extLst>
               <a:ext uri="{FF2B5EF4-FFF2-40B4-BE49-F238E27FC236}">
-                <a16:creationId xmlns:a16="http://schemas.microsoft.com/office/drawing/2014/main" id="{D204A6FF-469B-4D28-ADA6-45897849EB2B}"/>
+                <a16:creationId xmlns:a16="http://schemas.microsoft.com/office/drawing/2014/main" id="{945F1A8C-9EF0-4746-A0BE-4B8445A1EE77}"/>
               </a:ext>
             </a:extLst>
           </p:cNvPr>
@@ -5992,8 +10903,8 @@
         </p:nvSpPr>
         <p:spPr>
           <a:xfrm>
-            <a:off x="5318057" y="10129533"/>
-            <a:ext cx="1267466" cy="646331"/>
+            <a:off x="2120532" y="3526279"/>
+            <a:ext cx="1075786" cy="369332"/>
           </a:xfrm>
           <a:prstGeom prst="rect">
             <a:avLst/>
@@ -6012,7 +10923,7 @@
                 <a:latin typeface="Times New Roman" panose="02020603050405020304" pitchFamily="18" charset="0"/>
                 <a:cs typeface="Times New Roman" panose="02020603050405020304" pitchFamily="18" charset="0"/>
               </a:rPr>
-              <a:t>Case 2-7 (700 mm/s)</a:t>
+              <a:t>0.060 s</a:t>
             </a:r>
             <a:endParaRPr lang="ja-JP" altLang="en-US" dirty="0">
               <a:latin typeface="Times New Roman" panose="02020603050405020304" pitchFamily="18" charset="0"/>
@@ -6023,10 +10934,10 @@
       </p:sp>
       <p:sp>
         <p:nvSpPr>
-          <p:cNvPr id="51" name="テキスト ボックス 50">
+          <p:cNvPr id="105" name="テキスト ボックス 104">
             <a:extLst>
               <a:ext uri="{FF2B5EF4-FFF2-40B4-BE49-F238E27FC236}">
-                <a16:creationId xmlns:a16="http://schemas.microsoft.com/office/drawing/2014/main" id="{5529E550-DF95-4DD7-8EFC-69A98E0F29B1}"/>
+                <a16:creationId xmlns:a16="http://schemas.microsoft.com/office/drawing/2014/main" id="{3C83A004-44E4-40DE-9A12-B0A145C61EE9}"/>
               </a:ext>
             </a:extLst>
           </p:cNvPr>
@@ -6035,8 +10946,8 @@
         </p:nvSpPr>
         <p:spPr>
           <a:xfrm>
-            <a:off x="778081" y="10129534"/>
-            <a:ext cx="1267466" cy="646331"/>
+            <a:off x="2126248" y="4983970"/>
+            <a:ext cx="1091569" cy="369332"/>
           </a:xfrm>
           <a:prstGeom prst="rect">
             <a:avLst/>
@@ -6055,7 +10966,7 @@
                 <a:latin typeface="Times New Roman" panose="02020603050405020304" pitchFamily="18" charset="0"/>
                 <a:cs typeface="Times New Roman" panose="02020603050405020304" pitchFamily="18" charset="0"/>
               </a:rPr>
-              <a:t>Case 2-1 (100 mm/s)</a:t>
+              <a:t>0.100 s</a:t>
             </a:r>
             <a:endParaRPr lang="ja-JP" altLang="en-US" dirty="0">
               <a:latin typeface="Times New Roman" panose="02020603050405020304" pitchFamily="18" charset="0"/>
@@ -6066,10 +10977,10 @@
       </p:sp>
       <p:sp>
         <p:nvSpPr>
-          <p:cNvPr id="52" name="テキスト ボックス 51">
+          <p:cNvPr id="106" name="テキスト ボックス 105">
             <a:extLst>
               <a:ext uri="{FF2B5EF4-FFF2-40B4-BE49-F238E27FC236}">
-                <a16:creationId xmlns:a16="http://schemas.microsoft.com/office/drawing/2014/main" id="{B9B25940-FDC8-447D-AA02-5C9253ABD50B}"/>
+                <a16:creationId xmlns:a16="http://schemas.microsoft.com/office/drawing/2014/main" id="{1C4D9722-7582-48F3-A0BF-42B6F97353E9}"/>
               </a:ext>
             </a:extLst>
           </p:cNvPr>
@@ -6078,8 +10989,8 @@
         </p:nvSpPr>
         <p:spPr>
           <a:xfrm>
-            <a:off x="2273378" y="10137168"/>
-            <a:ext cx="1267466" cy="646331"/>
+            <a:off x="2120532" y="6399226"/>
+            <a:ext cx="1058210" cy="369332"/>
           </a:xfrm>
           <a:prstGeom prst="rect">
             <a:avLst/>
@@ -6098,7 +11009,7 @@
                 <a:latin typeface="Times New Roman" panose="02020603050405020304" pitchFamily="18" charset="0"/>
                 <a:cs typeface="Times New Roman" panose="02020603050405020304" pitchFamily="18" charset="0"/>
               </a:rPr>
-              <a:t>Case 2-3 (300 mm/s)</a:t>
+              <a:t>0.140 s</a:t>
             </a:r>
             <a:endParaRPr lang="ja-JP" altLang="en-US" dirty="0">
               <a:latin typeface="Times New Roman" panose="02020603050405020304" pitchFamily="18" charset="0"/>
@@ -6107,10 +11018,1260 @@
           </a:p>
         </p:txBody>
       </p:sp>
+      <p:sp>
+        <p:nvSpPr>
+          <p:cNvPr id="107" name="テキスト ボックス 106">
+            <a:extLst>
+              <a:ext uri="{FF2B5EF4-FFF2-40B4-BE49-F238E27FC236}">
+                <a16:creationId xmlns:a16="http://schemas.microsoft.com/office/drawing/2014/main" id="{5FF024D5-56F3-4E87-BD86-47F09321307C}"/>
+              </a:ext>
+            </a:extLst>
+          </p:cNvPr>
+          <p:cNvSpPr txBox="1"/>
+          <p:nvPr/>
+        </p:nvSpPr>
+        <p:spPr>
+          <a:xfrm>
+            <a:off x="2120532" y="7843585"/>
+            <a:ext cx="1075786" cy="369332"/>
+          </a:xfrm>
+          <a:prstGeom prst="rect">
+            <a:avLst/>
+          </a:prstGeom>
+          <a:noFill/>
+        </p:spPr>
+        <p:txBody>
+          <a:bodyPr wrap="square" rtlCol="0">
+            <a:spAutoFit/>
+          </a:bodyPr>
+          <a:lstStyle/>
+          <a:p>
+            <a:pPr algn="ctr"/>
+            <a:r>
+              <a:rPr lang="en-US" altLang="ja-JP" dirty="0">
+                <a:latin typeface="Times New Roman" panose="02020603050405020304" pitchFamily="18" charset="0"/>
+                <a:cs typeface="Times New Roman" panose="02020603050405020304" pitchFamily="18" charset="0"/>
+              </a:rPr>
+              <a:t>0.180 s</a:t>
+            </a:r>
+            <a:endParaRPr lang="ja-JP" altLang="en-US" dirty="0">
+              <a:latin typeface="Times New Roman" panose="02020603050405020304" pitchFamily="18" charset="0"/>
+              <a:cs typeface="Times New Roman" panose="02020603050405020304" pitchFamily="18" charset="0"/>
+            </a:endParaRPr>
+          </a:p>
+        </p:txBody>
+      </p:sp>
+      <p:sp>
+        <p:nvSpPr>
+          <p:cNvPr id="108" name="テキスト ボックス 107">
+            <a:extLst>
+              <a:ext uri="{FF2B5EF4-FFF2-40B4-BE49-F238E27FC236}">
+                <a16:creationId xmlns:a16="http://schemas.microsoft.com/office/drawing/2014/main" id="{20A31BAC-A888-4E1A-A8CB-217412A2BA1C}"/>
+              </a:ext>
+            </a:extLst>
+          </p:cNvPr>
+          <p:cNvSpPr txBox="1"/>
+          <p:nvPr/>
+        </p:nvSpPr>
+        <p:spPr>
+          <a:xfrm>
+            <a:off x="2120532" y="9309289"/>
+            <a:ext cx="1075786" cy="369332"/>
+          </a:xfrm>
+          <a:prstGeom prst="rect">
+            <a:avLst/>
+          </a:prstGeom>
+          <a:noFill/>
+        </p:spPr>
+        <p:txBody>
+          <a:bodyPr wrap="square" rtlCol="0">
+            <a:spAutoFit/>
+          </a:bodyPr>
+          <a:lstStyle/>
+          <a:p>
+            <a:pPr algn="ctr"/>
+            <a:r>
+              <a:rPr lang="en-US" altLang="ja-JP" dirty="0">
+                <a:latin typeface="Times New Roman" panose="02020603050405020304" pitchFamily="18" charset="0"/>
+                <a:cs typeface="Times New Roman" panose="02020603050405020304" pitchFamily="18" charset="0"/>
+              </a:rPr>
+              <a:t>0.220 s</a:t>
+            </a:r>
+            <a:endParaRPr lang="ja-JP" altLang="en-US" dirty="0">
+              <a:latin typeface="Times New Roman" panose="02020603050405020304" pitchFamily="18" charset="0"/>
+              <a:cs typeface="Times New Roman" panose="02020603050405020304" pitchFamily="18" charset="0"/>
+            </a:endParaRPr>
+          </a:p>
+        </p:txBody>
+      </p:sp>
+      <p:sp>
+        <p:nvSpPr>
+          <p:cNvPr id="109" name="テキスト ボックス 108">
+            <a:extLst>
+              <a:ext uri="{FF2B5EF4-FFF2-40B4-BE49-F238E27FC236}">
+                <a16:creationId xmlns:a16="http://schemas.microsoft.com/office/drawing/2014/main" id="{F58B4688-A485-4003-A962-17044DDF43FD}"/>
+              </a:ext>
+            </a:extLst>
+          </p:cNvPr>
+          <p:cNvSpPr txBox="1"/>
+          <p:nvPr/>
+        </p:nvSpPr>
+        <p:spPr>
+          <a:xfrm>
+            <a:off x="3216286" y="2093289"/>
+            <a:ext cx="1068976" cy="369332"/>
+          </a:xfrm>
+          <a:prstGeom prst="rect">
+            <a:avLst/>
+          </a:prstGeom>
+          <a:noFill/>
+        </p:spPr>
+        <p:txBody>
+          <a:bodyPr wrap="square" rtlCol="0">
+            <a:spAutoFit/>
+          </a:bodyPr>
+          <a:lstStyle/>
+          <a:p>
+            <a:pPr algn="ctr"/>
+            <a:r>
+              <a:rPr lang="en-US" altLang="ja-JP" dirty="0">
+                <a:latin typeface="Times New Roman" panose="02020603050405020304" pitchFamily="18" charset="0"/>
+                <a:cs typeface="Times New Roman" panose="02020603050405020304" pitchFamily="18" charset="0"/>
+              </a:rPr>
+              <a:t>0.020 s</a:t>
+            </a:r>
+            <a:endParaRPr lang="ja-JP" altLang="en-US" dirty="0">
+              <a:latin typeface="Times New Roman" panose="02020603050405020304" pitchFamily="18" charset="0"/>
+              <a:cs typeface="Times New Roman" panose="02020603050405020304" pitchFamily="18" charset="0"/>
+            </a:endParaRPr>
+          </a:p>
+        </p:txBody>
+      </p:sp>
+      <p:sp>
+        <p:nvSpPr>
+          <p:cNvPr id="110" name="テキスト ボックス 109">
+            <a:extLst>
+              <a:ext uri="{FF2B5EF4-FFF2-40B4-BE49-F238E27FC236}">
+                <a16:creationId xmlns:a16="http://schemas.microsoft.com/office/drawing/2014/main" id="{86361BBE-0C0A-4FCA-BD6A-0DC0026E950A}"/>
+              </a:ext>
+            </a:extLst>
+          </p:cNvPr>
+          <p:cNvSpPr txBox="1"/>
+          <p:nvPr/>
+        </p:nvSpPr>
+        <p:spPr>
+          <a:xfrm>
+            <a:off x="3216028" y="3538407"/>
+            <a:ext cx="1075786" cy="369332"/>
+          </a:xfrm>
+          <a:prstGeom prst="rect">
+            <a:avLst/>
+          </a:prstGeom>
+          <a:noFill/>
+        </p:spPr>
+        <p:txBody>
+          <a:bodyPr wrap="square" rtlCol="0">
+            <a:spAutoFit/>
+          </a:bodyPr>
+          <a:lstStyle/>
+          <a:p>
+            <a:pPr algn="ctr"/>
+            <a:r>
+              <a:rPr lang="en-US" altLang="ja-JP" dirty="0">
+                <a:latin typeface="Times New Roman" panose="02020603050405020304" pitchFamily="18" charset="0"/>
+                <a:cs typeface="Times New Roman" panose="02020603050405020304" pitchFamily="18" charset="0"/>
+              </a:rPr>
+              <a:t>0.060 s</a:t>
+            </a:r>
+            <a:endParaRPr lang="ja-JP" altLang="en-US" dirty="0">
+              <a:latin typeface="Times New Roman" panose="02020603050405020304" pitchFamily="18" charset="0"/>
+              <a:cs typeface="Times New Roman" panose="02020603050405020304" pitchFamily="18" charset="0"/>
+            </a:endParaRPr>
+          </a:p>
+        </p:txBody>
+      </p:sp>
+      <p:sp>
+        <p:nvSpPr>
+          <p:cNvPr id="111" name="テキスト ボックス 110">
+            <a:extLst>
+              <a:ext uri="{FF2B5EF4-FFF2-40B4-BE49-F238E27FC236}">
+                <a16:creationId xmlns:a16="http://schemas.microsoft.com/office/drawing/2014/main" id="{CEBD432C-E45C-49AB-8850-BB588FAA78AF}"/>
+              </a:ext>
+            </a:extLst>
+          </p:cNvPr>
+          <p:cNvSpPr txBox="1"/>
+          <p:nvPr/>
+        </p:nvSpPr>
+        <p:spPr>
+          <a:xfrm>
+            <a:off x="3221744" y="4996098"/>
+            <a:ext cx="1091569" cy="369332"/>
+          </a:xfrm>
+          <a:prstGeom prst="rect">
+            <a:avLst/>
+          </a:prstGeom>
+          <a:noFill/>
+        </p:spPr>
+        <p:txBody>
+          <a:bodyPr wrap="square" rtlCol="0">
+            <a:spAutoFit/>
+          </a:bodyPr>
+          <a:lstStyle/>
+          <a:p>
+            <a:pPr algn="ctr"/>
+            <a:r>
+              <a:rPr lang="en-US" altLang="ja-JP" dirty="0">
+                <a:latin typeface="Times New Roman" panose="02020603050405020304" pitchFamily="18" charset="0"/>
+                <a:cs typeface="Times New Roman" panose="02020603050405020304" pitchFamily="18" charset="0"/>
+              </a:rPr>
+              <a:t>0.100 s</a:t>
+            </a:r>
+            <a:endParaRPr lang="ja-JP" altLang="en-US" dirty="0">
+              <a:latin typeface="Times New Roman" panose="02020603050405020304" pitchFamily="18" charset="0"/>
+              <a:cs typeface="Times New Roman" panose="02020603050405020304" pitchFamily="18" charset="0"/>
+            </a:endParaRPr>
+          </a:p>
+        </p:txBody>
+      </p:sp>
+      <p:sp>
+        <p:nvSpPr>
+          <p:cNvPr id="112" name="テキスト ボックス 111">
+            <a:extLst>
+              <a:ext uri="{FF2B5EF4-FFF2-40B4-BE49-F238E27FC236}">
+                <a16:creationId xmlns:a16="http://schemas.microsoft.com/office/drawing/2014/main" id="{AF2504F3-5782-463E-A4C5-824D514954E0}"/>
+              </a:ext>
+            </a:extLst>
+          </p:cNvPr>
+          <p:cNvSpPr txBox="1"/>
+          <p:nvPr/>
+        </p:nvSpPr>
+        <p:spPr>
+          <a:xfrm>
+            <a:off x="3216028" y="6411354"/>
+            <a:ext cx="1058210" cy="369332"/>
+          </a:xfrm>
+          <a:prstGeom prst="rect">
+            <a:avLst/>
+          </a:prstGeom>
+          <a:noFill/>
+        </p:spPr>
+        <p:txBody>
+          <a:bodyPr wrap="square" rtlCol="0">
+            <a:spAutoFit/>
+          </a:bodyPr>
+          <a:lstStyle/>
+          <a:p>
+            <a:pPr algn="ctr"/>
+            <a:r>
+              <a:rPr lang="en-US" altLang="ja-JP" dirty="0">
+                <a:latin typeface="Times New Roman" panose="02020603050405020304" pitchFamily="18" charset="0"/>
+                <a:cs typeface="Times New Roman" panose="02020603050405020304" pitchFamily="18" charset="0"/>
+              </a:rPr>
+              <a:t>0.140 s</a:t>
+            </a:r>
+            <a:endParaRPr lang="ja-JP" altLang="en-US" dirty="0">
+              <a:latin typeface="Times New Roman" panose="02020603050405020304" pitchFamily="18" charset="0"/>
+              <a:cs typeface="Times New Roman" panose="02020603050405020304" pitchFamily="18" charset="0"/>
+            </a:endParaRPr>
+          </a:p>
+        </p:txBody>
+      </p:sp>
+      <p:sp>
+        <p:nvSpPr>
+          <p:cNvPr id="113" name="テキスト ボックス 112">
+            <a:extLst>
+              <a:ext uri="{FF2B5EF4-FFF2-40B4-BE49-F238E27FC236}">
+                <a16:creationId xmlns:a16="http://schemas.microsoft.com/office/drawing/2014/main" id="{FE13C1C2-AF21-4C5F-976C-8F6320D24DCE}"/>
+              </a:ext>
+            </a:extLst>
+          </p:cNvPr>
+          <p:cNvSpPr txBox="1"/>
+          <p:nvPr/>
+        </p:nvSpPr>
+        <p:spPr>
+          <a:xfrm>
+            <a:off x="3216028" y="7855713"/>
+            <a:ext cx="1075786" cy="369332"/>
+          </a:xfrm>
+          <a:prstGeom prst="rect">
+            <a:avLst/>
+          </a:prstGeom>
+          <a:noFill/>
+        </p:spPr>
+        <p:txBody>
+          <a:bodyPr wrap="square" rtlCol="0">
+            <a:spAutoFit/>
+          </a:bodyPr>
+          <a:lstStyle/>
+          <a:p>
+            <a:pPr algn="ctr"/>
+            <a:r>
+              <a:rPr lang="en-US" altLang="ja-JP" dirty="0">
+                <a:latin typeface="Times New Roman" panose="02020603050405020304" pitchFamily="18" charset="0"/>
+                <a:cs typeface="Times New Roman" panose="02020603050405020304" pitchFamily="18" charset="0"/>
+              </a:rPr>
+              <a:t>0.180 s</a:t>
+            </a:r>
+            <a:endParaRPr lang="ja-JP" altLang="en-US" dirty="0">
+              <a:latin typeface="Times New Roman" panose="02020603050405020304" pitchFamily="18" charset="0"/>
+              <a:cs typeface="Times New Roman" panose="02020603050405020304" pitchFamily="18" charset="0"/>
+            </a:endParaRPr>
+          </a:p>
+        </p:txBody>
+      </p:sp>
+      <p:sp>
+        <p:nvSpPr>
+          <p:cNvPr id="114" name="テキスト ボックス 113">
+            <a:extLst>
+              <a:ext uri="{FF2B5EF4-FFF2-40B4-BE49-F238E27FC236}">
+                <a16:creationId xmlns:a16="http://schemas.microsoft.com/office/drawing/2014/main" id="{F8D459F4-53A2-4D60-88E4-83B058E47CA9}"/>
+              </a:ext>
+            </a:extLst>
+          </p:cNvPr>
+          <p:cNvSpPr txBox="1"/>
+          <p:nvPr/>
+        </p:nvSpPr>
+        <p:spPr>
+          <a:xfrm>
+            <a:off x="3216028" y="9321417"/>
+            <a:ext cx="1075786" cy="369332"/>
+          </a:xfrm>
+          <a:prstGeom prst="rect">
+            <a:avLst/>
+          </a:prstGeom>
+          <a:noFill/>
+        </p:spPr>
+        <p:txBody>
+          <a:bodyPr wrap="square" rtlCol="0">
+            <a:spAutoFit/>
+          </a:bodyPr>
+          <a:lstStyle/>
+          <a:p>
+            <a:pPr algn="ctr"/>
+            <a:r>
+              <a:rPr lang="en-US" altLang="ja-JP" dirty="0">
+                <a:latin typeface="Times New Roman" panose="02020603050405020304" pitchFamily="18" charset="0"/>
+                <a:cs typeface="Times New Roman" panose="02020603050405020304" pitchFamily="18" charset="0"/>
+              </a:rPr>
+              <a:t>0.220 s</a:t>
+            </a:r>
+            <a:endParaRPr lang="ja-JP" altLang="en-US" dirty="0">
+              <a:latin typeface="Times New Roman" panose="02020603050405020304" pitchFamily="18" charset="0"/>
+              <a:cs typeface="Times New Roman" panose="02020603050405020304" pitchFamily="18" charset="0"/>
+            </a:endParaRPr>
+          </a:p>
+        </p:txBody>
+      </p:sp>
+      <p:sp>
+        <p:nvSpPr>
+          <p:cNvPr id="115" name="テキスト ボックス 114">
+            <a:extLst>
+              <a:ext uri="{FF2B5EF4-FFF2-40B4-BE49-F238E27FC236}">
+                <a16:creationId xmlns:a16="http://schemas.microsoft.com/office/drawing/2014/main" id="{5B5FB423-2A01-4616-BEDF-EACD23BCC401}"/>
+              </a:ext>
+            </a:extLst>
+          </p:cNvPr>
+          <p:cNvSpPr txBox="1"/>
+          <p:nvPr/>
+        </p:nvSpPr>
+        <p:spPr>
+          <a:xfrm>
+            <a:off x="4299433" y="2075281"/>
+            <a:ext cx="1068976" cy="369332"/>
+          </a:xfrm>
+          <a:prstGeom prst="rect">
+            <a:avLst/>
+          </a:prstGeom>
+          <a:noFill/>
+        </p:spPr>
+        <p:txBody>
+          <a:bodyPr wrap="square" rtlCol="0">
+            <a:spAutoFit/>
+          </a:bodyPr>
+          <a:lstStyle/>
+          <a:p>
+            <a:pPr algn="ctr"/>
+            <a:r>
+              <a:rPr lang="en-US" altLang="ja-JP" dirty="0">
+                <a:latin typeface="Times New Roman" panose="02020603050405020304" pitchFamily="18" charset="0"/>
+                <a:cs typeface="Times New Roman" panose="02020603050405020304" pitchFamily="18" charset="0"/>
+              </a:rPr>
+              <a:t>0.020 s</a:t>
+            </a:r>
+            <a:endParaRPr lang="ja-JP" altLang="en-US" dirty="0">
+              <a:latin typeface="Times New Roman" panose="02020603050405020304" pitchFamily="18" charset="0"/>
+              <a:cs typeface="Times New Roman" panose="02020603050405020304" pitchFamily="18" charset="0"/>
+            </a:endParaRPr>
+          </a:p>
+        </p:txBody>
+      </p:sp>
+      <p:sp>
+        <p:nvSpPr>
+          <p:cNvPr id="116" name="テキスト ボックス 115">
+            <a:extLst>
+              <a:ext uri="{FF2B5EF4-FFF2-40B4-BE49-F238E27FC236}">
+                <a16:creationId xmlns:a16="http://schemas.microsoft.com/office/drawing/2014/main" id="{9FD77EF1-5602-49FD-84AC-2BE6904E1B96}"/>
+              </a:ext>
+            </a:extLst>
+          </p:cNvPr>
+          <p:cNvSpPr txBox="1"/>
+          <p:nvPr/>
+        </p:nvSpPr>
+        <p:spPr>
+          <a:xfrm>
+            <a:off x="4299175" y="3520399"/>
+            <a:ext cx="1075786" cy="369332"/>
+          </a:xfrm>
+          <a:prstGeom prst="rect">
+            <a:avLst/>
+          </a:prstGeom>
+          <a:noFill/>
+        </p:spPr>
+        <p:txBody>
+          <a:bodyPr wrap="square" rtlCol="0">
+            <a:spAutoFit/>
+          </a:bodyPr>
+          <a:lstStyle/>
+          <a:p>
+            <a:pPr algn="ctr"/>
+            <a:r>
+              <a:rPr lang="en-US" altLang="ja-JP" dirty="0">
+                <a:latin typeface="Times New Roman" panose="02020603050405020304" pitchFamily="18" charset="0"/>
+                <a:cs typeface="Times New Roman" panose="02020603050405020304" pitchFamily="18" charset="0"/>
+              </a:rPr>
+              <a:t>0.060 s</a:t>
+            </a:r>
+            <a:endParaRPr lang="ja-JP" altLang="en-US" dirty="0">
+              <a:latin typeface="Times New Roman" panose="02020603050405020304" pitchFamily="18" charset="0"/>
+              <a:cs typeface="Times New Roman" panose="02020603050405020304" pitchFamily="18" charset="0"/>
+            </a:endParaRPr>
+          </a:p>
+        </p:txBody>
+      </p:sp>
+      <p:sp>
+        <p:nvSpPr>
+          <p:cNvPr id="117" name="テキスト ボックス 116">
+            <a:extLst>
+              <a:ext uri="{FF2B5EF4-FFF2-40B4-BE49-F238E27FC236}">
+                <a16:creationId xmlns:a16="http://schemas.microsoft.com/office/drawing/2014/main" id="{4758EE28-74F7-4DBD-9B17-2AF15045AD30}"/>
+              </a:ext>
+            </a:extLst>
+          </p:cNvPr>
+          <p:cNvSpPr txBox="1"/>
+          <p:nvPr/>
+        </p:nvSpPr>
+        <p:spPr>
+          <a:xfrm>
+            <a:off x="4304891" y="4978090"/>
+            <a:ext cx="1091569" cy="369332"/>
+          </a:xfrm>
+          <a:prstGeom prst="rect">
+            <a:avLst/>
+          </a:prstGeom>
+          <a:noFill/>
+        </p:spPr>
+        <p:txBody>
+          <a:bodyPr wrap="square" rtlCol="0">
+            <a:spAutoFit/>
+          </a:bodyPr>
+          <a:lstStyle/>
+          <a:p>
+            <a:pPr algn="ctr"/>
+            <a:r>
+              <a:rPr lang="en-US" altLang="ja-JP" dirty="0">
+                <a:latin typeface="Times New Roman" panose="02020603050405020304" pitchFamily="18" charset="0"/>
+                <a:cs typeface="Times New Roman" panose="02020603050405020304" pitchFamily="18" charset="0"/>
+              </a:rPr>
+              <a:t>0.100 s</a:t>
+            </a:r>
+            <a:endParaRPr lang="ja-JP" altLang="en-US" dirty="0">
+              <a:latin typeface="Times New Roman" panose="02020603050405020304" pitchFamily="18" charset="0"/>
+              <a:cs typeface="Times New Roman" panose="02020603050405020304" pitchFamily="18" charset="0"/>
+            </a:endParaRPr>
+          </a:p>
+        </p:txBody>
+      </p:sp>
+      <p:sp>
+        <p:nvSpPr>
+          <p:cNvPr id="118" name="テキスト ボックス 117">
+            <a:extLst>
+              <a:ext uri="{FF2B5EF4-FFF2-40B4-BE49-F238E27FC236}">
+                <a16:creationId xmlns:a16="http://schemas.microsoft.com/office/drawing/2014/main" id="{1F2779AB-81F6-451E-A48F-09F273FD64A4}"/>
+              </a:ext>
+            </a:extLst>
+          </p:cNvPr>
+          <p:cNvSpPr txBox="1"/>
+          <p:nvPr/>
+        </p:nvSpPr>
+        <p:spPr>
+          <a:xfrm>
+            <a:off x="4299175" y="6393346"/>
+            <a:ext cx="1058210" cy="369332"/>
+          </a:xfrm>
+          <a:prstGeom prst="rect">
+            <a:avLst/>
+          </a:prstGeom>
+          <a:noFill/>
+        </p:spPr>
+        <p:txBody>
+          <a:bodyPr wrap="square" rtlCol="0">
+            <a:spAutoFit/>
+          </a:bodyPr>
+          <a:lstStyle/>
+          <a:p>
+            <a:pPr algn="ctr"/>
+            <a:r>
+              <a:rPr lang="en-US" altLang="ja-JP" dirty="0">
+                <a:latin typeface="Times New Roman" panose="02020603050405020304" pitchFamily="18" charset="0"/>
+                <a:cs typeface="Times New Roman" panose="02020603050405020304" pitchFamily="18" charset="0"/>
+              </a:rPr>
+              <a:t>0.140 s</a:t>
+            </a:r>
+            <a:endParaRPr lang="ja-JP" altLang="en-US" dirty="0">
+              <a:latin typeface="Times New Roman" panose="02020603050405020304" pitchFamily="18" charset="0"/>
+              <a:cs typeface="Times New Roman" panose="02020603050405020304" pitchFamily="18" charset="0"/>
+            </a:endParaRPr>
+          </a:p>
+        </p:txBody>
+      </p:sp>
+      <p:sp>
+        <p:nvSpPr>
+          <p:cNvPr id="119" name="テキスト ボックス 118">
+            <a:extLst>
+              <a:ext uri="{FF2B5EF4-FFF2-40B4-BE49-F238E27FC236}">
+                <a16:creationId xmlns:a16="http://schemas.microsoft.com/office/drawing/2014/main" id="{88BCE805-981F-4CBB-95A0-64C96D08F4A7}"/>
+              </a:ext>
+            </a:extLst>
+          </p:cNvPr>
+          <p:cNvSpPr txBox="1"/>
+          <p:nvPr/>
+        </p:nvSpPr>
+        <p:spPr>
+          <a:xfrm>
+            <a:off x="4299175" y="7837705"/>
+            <a:ext cx="1075786" cy="369332"/>
+          </a:xfrm>
+          <a:prstGeom prst="rect">
+            <a:avLst/>
+          </a:prstGeom>
+          <a:noFill/>
+        </p:spPr>
+        <p:txBody>
+          <a:bodyPr wrap="square" rtlCol="0">
+            <a:spAutoFit/>
+          </a:bodyPr>
+          <a:lstStyle/>
+          <a:p>
+            <a:pPr algn="ctr"/>
+            <a:r>
+              <a:rPr lang="en-US" altLang="ja-JP" dirty="0">
+                <a:latin typeface="Times New Roman" panose="02020603050405020304" pitchFamily="18" charset="0"/>
+                <a:cs typeface="Times New Roman" panose="02020603050405020304" pitchFamily="18" charset="0"/>
+              </a:rPr>
+              <a:t>0.180 s</a:t>
+            </a:r>
+            <a:endParaRPr lang="ja-JP" altLang="en-US" dirty="0">
+              <a:latin typeface="Times New Roman" panose="02020603050405020304" pitchFamily="18" charset="0"/>
+              <a:cs typeface="Times New Roman" panose="02020603050405020304" pitchFamily="18" charset="0"/>
+            </a:endParaRPr>
+          </a:p>
+        </p:txBody>
+      </p:sp>
+      <p:sp>
+        <p:nvSpPr>
+          <p:cNvPr id="120" name="テキスト ボックス 119">
+            <a:extLst>
+              <a:ext uri="{FF2B5EF4-FFF2-40B4-BE49-F238E27FC236}">
+                <a16:creationId xmlns:a16="http://schemas.microsoft.com/office/drawing/2014/main" id="{EEA02B39-2F90-444F-A9DA-9BDA54D66FAC}"/>
+              </a:ext>
+            </a:extLst>
+          </p:cNvPr>
+          <p:cNvSpPr txBox="1"/>
+          <p:nvPr/>
+        </p:nvSpPr>
+        <p:spPr>
+          <a:xfrm>
+            <a:off x="4299175" y="9303409"/>
+            <a:ext cx="1075786" cy="369332"/>
+          </a:xfrm>
+          <a:prstGeom prst="rect">
+            <a:avLst/>
+          </a:prstGeom>
+          <a:noFill/>
+        </p:spPr>
+        <p:txBody>
+          <a:bodyPr wrap="square" rtlCol="0">
+            <a:spAutoFit/>
+          </a:bodyPr>
+          <a:lstStyle/>
+          <a:p>
+            <a:pPr algn="ctr"/>
+            <a:r>
+              <a:rPr lang="en-US" altLang="ja-JP" dirty="0">
+                <a:latin typeface="Times New Roman" panose="02020603050405020304" pitchFamily="18" charset="0"/>
+                <a:cs typeface="Times New Roman" panose="02020603050405020304" pitchFamily="18" charset="0"/>
+              </a:rPr>
+              <a:t>0.220 s</a:t>
+            </a:r>
+            <a:endParaRPr lang="ja-JP" altLang="en-US" dirty="0">
+              <a:latin typeface="Times New Roman" panose="02020603050405020304" pitchFamily="18" charset="0"/>
+              <a:cs typeface="Times New Roman" panose="02020603050405020304" pitchFamily="18" charset="0"/>
+            </a:endParaRPr>
+          </a:p>
+        </p:txBody>
+      </p:sp>
+      <p:pic>
+        <p:nvPicPr>
+          <p:cNvPr id="75" name="図 74">
+            <a:extLst>
+              <a:ext uri="{FF2B5EF4-FFF2-40B4-BE49-F238E27FC236}">
+                <a16:creationId xmlns:a16="http://schemas.microsoft.com/office/drawing/2014/main" id="{F7FF3C58-8973-4F5B-9567-77115FD89C77}"/>
+              </a:ext>
+            </a:extLst>
+          </p:cNvPr>
+          <p:cNvPicPr>
+            <a:picLocks noChangeAspect="1"/>
+          </p:cNvPicPr>
+          <p:nvPr/>
+        </p:nvPicPr>
+        <p:blipFill>
+          <a:blip r:embed="rId8" cstate="print">
+            <a:extLst>
+              <a:ext uri="{28A0092B-C50C-407E-A947-70E740481C1C}">
+                <a14:useLocalDpi xmlns:a14="http://schemas.microsoft.com/office/drawing/2010/main" val="0"/>
+              </a:ext>
+            </a:extLst>
+          </a:blip>
+          <a:stretch>
+            <a:fillRect/>
+          </a:stretch>
+        </p:blipFill>
+        <p:spPr>
+          <a:xfrm>
+            <a:off x="2324800" y="1013289"/>
+            <a:ext cx="720000" cy="1080000"/>
+          </a:xfrm>
+          <a:prstGeom prst="rect">
+            <a:avLst/>
+          </a:prstGeom>
+        </p:spPr>
+      </p:pic>
+      <p:pic>
+        <p:nvPicPr>
+          <p:cNvPr id="76" name="図 75">
+            <a:extLst>
+              <a:ext uri="{FF2B5EF4-FFF2-40B4-BE49-F238E27FC236}">
+                <a16:creationId xmlns:a16="http://schemas.microsoft.com/office/drawing/2014/main" id="{B5A2CD12-B790-4505-AE12-D946785AF763}"/>
+              </a:ext>
+            </a:extLst>
+          </p:cNvPr>
+          <p:cNvPicPr>
+            <a:picLocks noChangeAspect="1"/>
+          </p:cNvPicPr>
+          <p:nvPr/>
+        </p:nvPicPr>
+        <p:blipFill>
+          <a:blip r:embed="rId9" cstate="print">
+            <a:extLst>
+              <a:ext uri="{28A0092B-C50C-407E-A947-70E740481C1C}">
+                <a14:useLocalDpi xmlns:a14="http://schemas.microsoft.com/office/drawing/2010/main" val="0"/>
+              </a:ext>
+            </a:extLst>
+          </a:blip>
+          <a:stretch>
+            <a:fillRect/>
+          </a:stretch>
+        </p:blipFill>
+        <p:spPr>
+          <a:xfrm>
+            <a:off x="2330167" y="2460353"/>
+            <a:ext cx="720000" cy="1080000"/>
+          </a:xfrm>
+          <a:prstGeom prst="rect">
+            <a:avLst/>
+          </a:prstGeom>
+        </p:spPr>
+      </p:pic>
+      <p:pic>
+        <p:nvPicPr>
+          <p:cNvPr id="78" name="図 77">
+            <a:extLst>
+              <a:ext uri="{FF2B5EF4-FFF2-40B4-BE49-F238E27FC236}">
+                <a16:creationId xmlns:a16="http://schemas.microsoft.com/office/drawing/2014/main" id="{92E8B32A-3388-494F-9F6A-353EAFD188DC}"/>
+              </a:ext>
+            </a:extLst>
+          </p:cNvPr>
+          <p:cNvPicPr>
+            <a:picLocks noChangeAspect="1"/>
+          </p:cNvPicPr>
+          <p:nvPr/>
+        </p:nvPicPr>
+        <p:blipFill>
+          <a:blip r:embed="rId10" cstate="print">
+            <a:extLst>
+              <a:ext uri="{28A0092B-C50C-407E-A947-70E740481C1C}">
+                <a14:useLocalDpi xmlns:a14="http://schemas.microsoft.com/office/drawing/2010/main" val="0"/>
+              </a:ext>
+            </a:extLst>
+          </a:blip>
+          <a:stretch>
+            <a:fillRect/>
+          </a:stretch>
+        </p:blipFill>
+        <p:spPr>
+          <a:xfrm>
+            <a:off x="2319433" y="3901116"/>
+            <a:ext cx="720000" cy="1080000"/>
+          </a:xfrm>
+          <a:prstGeom prst="rect">
+            <a:avLst/>
+          </a:prstGeom>
+        </p:spPr>
+      </p:pic>
+      <p:pic>
+        <p:nvPicPr>
+          <p:cNvPr id="79" name="図 78">
+            <a:extLst>
+              <a:ext uri="{FF2B5EF4-FFF2-40B4-BE49-F238E27FC236}">
+                <a16:creationId xmlns:a16="http://schemas.microsoft.com/office/drawing/2014/main" id="{4A06651B-D9F4-4CC1-ABF8-1D49694A6248}"/>
+              </a:ext>
+            </a:extLst>
+          </p:cNvPr>
+          <p:cNvPicPr>
+            <a:picLocks noChangeAspect="1"/>
+          </p:cNvPicPr>
+          <p:nvPr/>
+        </p:nvPicPr>
+        <p:blipFill>
+          <a:blip r:embed="rId11" cstate="print">
+            <a:extLst>
+              <a:ext uri="{28A0092B-C50C-407E-A947-70E740481C1C}">
+                <a14:useLocalDpi xmlns:a14="http://schemas.microsoft.com/office/drawing/2010/main" val="0"/>
+              </a:ext>
+            </a:extLst>
+          </a:blip>
+          <a:stretch>
+            <a:fillRect/>
+          </a:stretch>
+        </p:blipFill>
+        <p:spPr>
+          <a:xfrm>
+            <a:off x="2319433" y="5332386"/>
+            <a:ext cx="720000" cy="1080000"/>
+          </a:xfrm>
+          <a:prstGeom prst="rect">
+            <a:avLst/>
+          </a:prstGeom>
+        </p:spPr>
+      </p:pic>
+      <p:pic>
+        <p:nvPicPr>
+          <p:cNvPr id="84" name="図 83">
+            <a:extLst>
+              <a:ext uri="{FF2B5EF4-FFF2-40B4-BE49-F238E27FC236}">
+                <a16:creationId xmlns:a16="http://schemas.microsoft.com/office/drawing/2014/main" id="{A1E7DBB7-B8A9-46E1-BE4C-7C2A4A2CF5AA}"/>
+              </a:ext>
+            </a:extLst>
+          </p:cNvPr>
+          <p:cNvPicPr>
+            <a:picLocks noChangeAspect="1"/>
+          </p:cNvPicPr>
+          <p:nvPr/>
+        </p:nvPicPr>
+        <p:blipFill>
+          <a:blip r:embed="rId12" cstate="print">
+            <a:extLst>
+              <a:ext uri="{28A0092B-C50C-407E-A947-70E740481C1C}">
+                <a14:useLocalDpi xmlns:a14="http://schemas.microsoft.com/office/drawing/2010/main" val="0"/>
+              </a:ext>
+            </a:extLst>
+          </a:blip>
+          <a:stretch>
+            <a:fillRect/>
+          </a:stretch>
+        </p:blipFill>
+        <p:spPr>
+          <a:xfrm>
+            <a:off x="2319433" y="6779450"/>
+            <a:ext cx="720000" cy="1080000"/>
+          </a:xfrm>
+          <a:prstGeom prst="rect">
+            <a:avLst/>
+          </a:prstGeom>
+        </p:spPr>
+      </p:pic>
+      <p:pic>
+        <p:nvPicPr>
+          <p:cNvPr id="85" name="図 84">
+            <a:extLst>
+              <a:ext uri="{FF2B5EF4-FFF2-40B4-BE49-F238E27FC236}">
+                <a16:creationId xmlns:a16="http://schemas.microsoft.com/office/drawing/2014/main" id="{B0D14454-0F07-402E-BD24-1C5238E0C37F}"/>
+              </a:ext>
+            </a:extLst>
+          </p:cNvPr>
+          <p:cNvPicPr>
+            <a:picLocks noChangeAspect="1"/>
+          </p:cNvPicPr>
+          <p:nvPr/>
+        </p:nvPicPr>
+        <p:blipFill>
+          <a:blip r:embed="rId13" cstate="print">
+            <a:extLst>
+              <a:ext uri="{28A0092B-C50C-407E-A947-70E740481C1C}">
+                <a14:useLocalDpi xmlns:a14="http://schemas.microsoft.com/office/drawing/2010/main" val="0"/>
+              </a:ext>
+            </a:extLst>
+          </a:blip>
+          <a:stretch>
+            <a:fillRect/>
+          </a:stretch>
+        </p:blipFill>
+        <p:spPr>
+          <a:xfrm>
+            <a:off x="2330167" y="8226515"/>
+            <a:ext cx="720000" cy="1080000"/>
+          </a:xfrm>
+          <a:prstGeom prst="rect">
+            <a:avLst/>
+          </a:prstGeom>
+        </p:spPr>
+      </p:pic>
+      <p:pic>
+        <p:nvPicPr>
+          <p:cNvPr id="86" name="図 85">
+            <a:extLst>
+              <a:ext uri="{FF2B5EF4-FFF2-40B4-BE49-F238E27FC236}">
+                <a16:creationId xmlns:a16="http://schemas.microsoft.com/office/drawing/2014/main" id="{7C44E122-76EB-47F2-984F-F4B1402B8E1E}"/>
+              </a:ext>
+            </a:extLst>
+          </p:cNvPr>
+          <p:cNvPicPr>
+            <a:picLocks noChangeAspect="1"/>
+          </p:cNvPicPr>
+          <p:nvPr/>
+        </p:nvPicPr>
+        <p:blipFill>
+          <a:blip r:embed="rId14" cstate="print">
+            <a:extLst>
+              <a:ext uri="{28A0092B-C50C-407E-A947-70E740481C1C}">
+                <a14:useLocalDpi xmlns:a14="http://schemas.microsoft.com/office/drawing/2010/main" val="0"/>
+              </a:ext>
+            </a:extLst>
+          </a:blip>
+          <a:stretch>
+            <a:fillRect/>
+          </a:stretch>
+        </p:blipFill>
+        <p:spPr>
+          <a:xfrm>
+            <a:off x="4462752" y="3902533"/>
+            <a:ext cx="720000" cy="1080000"/>
+          </a:xfrm>
+          <a:prstGeom prst="rect">
+            <a:avLst/>
+          </a:prstGeom>
+        </p:spPr>
+      </p:pic>
+      <p:pic>
+        <p:nvPicPr>
+          <p:cNvPr id="87" name="図 86">
+            <a:extLst>
+              <a:ext uri="{FF2B5EF4-FFF2-40B4-BE49-F238E27FC236}">
+                <a16:creationId xmlns:a16="http://schemas.microsoft.com/office/drawing/2014/main" id="{33FE3560-6242-40C5-B666-AC48779AA73A}"/>
+              </a:ext>
+            </a:extLst>
+          </p:cNvPr>
+          <p:cNvPicPr>
+            <a:picLocks noChangeAspect="1"/>
+          </p:cNvPicPr>
+          <p:nvPr/>
+        </p:nvPicPr>
+        <p:blipFill>
+          <a:blip r:embed="rId15" cstate="print">
+            <a:extLst>
+              <a:ext uri="{28A0092B-C50C-407E-A947-70E740481C1C}">
+                <a14:useLocalDpi xmlns:a14="http://schemas.microsoft.com/office/drawing/2010/main" val="0"/>
+              </a:ext>
+            </a:extLst>
+          </a:blip>
+          <a:stretch>
+            <a:fillRect/>
+          </a:stretch>
+        </p:blipFill>
+        <p:spPr>
+          <a:xfrm>
+            <a:off x="4462752" y="5345985"/>
+            <a:ext cx="720000" cy="1080000"/>
+          </a:xfrm>
+          <a:prstGeom prst="rect">
+            <a:avLst/>
+          </a:prstGeom>
+        </p:spPr>
+      </p:pic>
+      <p:pic>
+        <p:nvPicPr>
+          <p:cNvPr id="88" name="図 87">
+            <a:extLst>
+              <a:ext uri="{FF2B5EF4-FFF2-40B4-BE49-F238E27FC236}">
+                <a16:creationId xmlns:a16="http://schemas.microsoft.com/office/drawing/2014/main" id="{2861D297-F513-47E3-8799-FA6B51EDA182}"/>
+              </a:ext>
+            </a:extLst>
+          </p:cNvPr>
+          <p:cNvPicPr>
+            <a:picLocks noChangeAspect="1"/>
+          </p:cNvPicPr>
+          <p:nvPr/>
+        </p:nvPicPr>
+        <p:blipFill>
+          <a:blip r:embed="rId16" cstate="print">
+            <a:extLst>
+              <a:ext uri="{28A0092B-C50C-407E-A947-70E740481C1C}">
+                <a14:useLocalDpi xmlns:a14="http://schemas.microsoft.com/office/drawing/2010/main" val="0"/>
+              </a:ext>
+            </a:extLst>
+          </a:blip>
+          <a:stretch>
+            <a:fillRect/>
+          </a:stretch>
+        </p:blipFill>
+        <p:spPr>
+          <a:xfrm>
+            <a:off x="4462752" y="6783503"/>
+            <a:ext cx="720000" cy="1080000"/>
+          </a:xfrm>
+          <a:prstGeom prst="rect">
+            <a:avLst/>
+          </a:prstGeom>
+        </p:spPr>
+      </p:pic>
+      <p:pic>
+        <p:nvPicPr>
+          <p:cNvPr id="89" name="図 88">
+            <a:extLst>
+              <a:ext uri="{FF2B5EF4-FFF2-40B4-BE49-F238E27FC236}">
+                <a16:creationId xmlns:a16="http://schemas.microsoft.com/office/drawing/2014/main" id="{632CD6A2-392B-4F50-AB87-74A24BEA484E}"/>
+              </a:ext>
+            </a:extLst>
+          </p:cNvPr>
+          <p:cNvPicPr>
+            <a:picLocks noChangeAspect="1"/>
+          </p:cNvPicPr>
+          <p:nvPr/>
+        </p:nvPicPr>
+        <p:blipFill>
+          <a:blip r:embed="rId17" cstate="print">
+            <a:extLst>
+              <a:ext uri="{28A0092B-C50C-407E-A947-70E740481C1C}">
+                <a14:useLocalDpi xmlns:a14="http://schemas.microsoft.com/office/drawing/2010/main" val="0"/>
+              </a:ext>
+            </a:extLst>
+          </a:blip>
+          <a:stretch>
+            <a:fillRect/>
+          </a:stretch>
+        </p:blipFill>
+        <p:spPr>
+          <a:xfrm>
+            <a:off x="4462752" y="8223409"/>
+            <a:ext cx="720000" cy="1080000"/>
+          </a:xfrm>
+          <a:prstGeom prst="rect">
+            <a:avLst/>
+          </a:prstGeom>
+        </p:spPr>
+      </p:pic>
+      <p:pic>
+        <p:nvPicPr>
+          <p:cNvPr id="90" name="図 89">
+            <a:extLst>
+              <a:ext uri="{FF2B5EF4-FFF2-40B4-BE49-F238E27FC236}">
+                <a16:creationId xmlns:a16="http://schemas.microsoft.com/office/drawing/2014/main" id="{C0A2640D-2C49-42AF-B01D-6BB0D4A7FE5A}"/>
+              </a:ext>
+            </a:extLst>
+          </p:cNvPr>
+          <p:cNvPicPr>
+            <a:picLocks noChangeAspect="1"/>
+          </p:cNvPicPr>
+          <p:nvPr/>
+        </p:nvPicPr>
+        <p:blipFill>
+          <a:blip r:embed="rId18" cstate="print">
+            <a:extLst>
+              <a:ext uri="{28A0092B-C50C-407E-A947-70E740481C1C}">
+                <a14:useLocalDpi xmlns:a14="http://schemas.microsoft.com/office/drawing/2010/main" val="0"/>
+              </a:ext>
+            </a:extLst>
+          </a:blip>
+          <a:stretch>
+            <a:fillRect/>
+          </a:stretch>
+        </p:blipFill>
+        <p:spPr>
+          <a:xfrm>
+            <a:off x="4462752" y="1017342"/>
+            <a:ext cx="720000" cy="1080000"/>
+          </a:xfrm>
+          <a:prstGeom prst="rect">
+            <a:avLst/>
+          </a:prstGeom>
+        </p:spPr>
+      </p:pic>
+      <p:pic>
+        <p:nvPicPr>
+          <p:cNvPr id="91" name="図 90">
+            <a:extLst>
+              <a:ext uri="{FF2B5EF4-FFF2-40B4-BE49-F238E27FC236}">
+                <a16:creationId xmlns:a16="http://schemas.microsoft.com/office/drawing/2014/main" id="{48337646-E84C-4715-9A25-21807852D26F}"/>
+              </a:ext>
+            </a:extLst>
+          </p:cNvPr>
+          <p:cNvPicPr>
+            <a:picLocks noChangeAspect="1"/>
+          </p:cNvPicPr>
+          <p:nvPr/>
+        </p:nvPicPr>
+        <p:blipFill>
+          <a:blip r:embed="rId19" cstate="print">
+            <a:extLst>
+              <a:ext uri="{28A0092B-C50C-407E-A947-70E740481C1C}">
+                <a14:useLocalDpi xmlns:a14="http://schemas.microsoft.com/office/drawing/2010/main" val="0"/>
+              </a:ext>
+            </a:extLst>
+          </a:blip>
+          <a:stretch>
+            <a:fillRect/>
+          </a:stretch>
+        </p:blipFill>
+        <p:spPr>
+          <a:xfrm>
+            <a:off x="4462752" y="2460794"/>
+            <a:ext cx="720000" cy="1080000"/>
+          </a:xfrm>
+          <a:prstGeom prst="rect">
+            <a:avLst/>
+          </a:prstGeom>
+        </p:spPr>
+      </p:pic>
+      <p:pic>
+        <p:nvPicPr>
+          <p:cNvPr id="92" name="図 91">
+            <a:extLst>
+              <a:ext uri="{FF2B5EF4-FFF2-40B4-BE49-F238E27FC236}">
+                <a16:creationId xmlns:a16="http://schemas.microsoft.com/office/drawing/2014/main" id="{58404B91-E136-4879-84C9-96FB57162B8A}"/>
+              </a:ext>
+            </a:extLst>
+          </p:cNvPr>
+          <p:cNvPicPr>
+            <a:picLocks noChangeAspect="1"/>
+          </p:cNvPicPr>
+          <p:nvPr/>
+        </p:nvPicPr>
+        <p:blipFill>
+          <a:blip r:embed="rId20" cstate="print">
+            <a:extLst>
+              <a:ext uri="{28A0092B-C50C-407E-A947-70E740481C1C}">
+                <a14:useLocalDpi xmlns:a14="http://schemas.microsoft.com/office/drawing/2010/main" val="0"/>
+              </a:ext>
+            </a:extLst>
+          </a:blip>
+          <a:stretch>
+            <a:fillRect/>
+          </a:stretch>
+        </p:blipFill>
+        <p:spPr>
+          <a:xfrm>
+            <a:off x="1202303" y="3888825"/>
+            <a:ext cx="720000" cy="1080000"/>
+          </a:xfrm>
+          <a:prstGeom prst="rect">
+            <a:avLst/>
+          </a:prstGeom>
+        </p:spPr>
+      </p:pic>
+      <p:pic>
+        <p:nvPicPr>
+          <p:cNvPr id="93" name="図 92">
+            <a:extLst>
+              <a:ext uri="{FF2B5EF4-FFF2-40B4-BE49-F238E27FC236}">
+                <a16:creationId xmlns:a16="http://schemas.microsoft.com/office/drawing/2014/main" id="{ABAE2C4B-E782-452A-8FE0-F2471E59425C}"/>
+              </a:ext>
+            </a:extLst>
+          </p:cNvPr>
+          <p:cNvPicPr>
+            <a:picLocks noChangeAspect="1"/>
+          </p:cNvPicPr>
+          <p:nvPr/>
+        </p:nvPicPr>
+        <p:blipFill>
+          <a:blip r:embed="rId21" cstate="print">
+            <a:extLst>
+              <a:ext uri="{28A0092B-C50C-407E-A947-70E740481C1C}">
+                <a14:useLocalDpi xmlns:a14="http://schemas.microsoft.com/office/drawing/2010/main" val="0"/>
+              </a:ext>
+            </a:extLst>
+          </a:blip>
+          <a:stretch>
+            <a:fillRect/>
+          </a:stretch>
+        </p:blipFill>
+        <p:spPr>
+          <a:xfrm>
+            <a:off x="1202303" y="1000998"/>
+            <a:ext cx="720000" cy="1080000"/>
+          </a:xfrm>
+          <a:prstGeom prst="rect">
+            <a:avLst/>
+          </a:prstGeom>
+        </p:spPr>
+      </p:pic>
+      <p:pic>
+        <p:nvPicPr>
+          <p:cNvPr id="94" name="図 93">
+            <a:extLst>
+              <a:ext uri="{FF2B5EF4-FFF2-40B4-BE49-F238E27FC236}">
+                <a16:creationId xmlns:a16="http://schemas.microsoft.com/office/drawing/2014/main" id="{53D9D0BF-81F2-444D-80E9-7ED8EF66BD4C}"/>
+              </a:ext>
+            </a:extLst>
+          </p:cNvPr>
+          <p:cNvPicPr>
+            <a:picLocks noChangeAspect="1"/>
+          </p:cNvPicPr>
+          <p:nvPr/>
+        </p:nvPicPr>
+        <p:blipFill>
+          <a:blip r:embed="rId22" cstate="print">
+            <a:extLst>
+              <a:ext uri="{28A0092B-C50C-407E-A947-70E740481C1C}">
+                <a14:useLocalDpi xmlns:a14="http://schemas.microsoft.com/office/drawing/2010/main" val="0"/>
+              </a:ext>
+            </a:extLst>
+          </a:blip>
+          <a:stretch>
+            <a:fillRect/>
+          </a:stretch>
+        </p:blipFill>
+        <p:spPr>
+          <a:xfrm>
+            <a:off x="1202303" y="2448062"/>
+            <a:ext cx="720000" cy="1080000"/>
+          </a:xfrm>
+          <a:prstGeom prst="rect">
+            <a:avLst/>
+          </a:prstGeom>
+        </p:spPr>
+      </p:pic>
+      <p:pic>
+        <p:nvPicPr>
+          <p:cNvPr id="95" name="図 94">
+            <a:extLst>
+              <a:ext uri="{FF2B5EF4-FFF2-40B4-BE49-F238E27FC236}">
+                <a16:creationId xmlns:a16="http://schemas.microsoft.com/office/drawing/2014/main" id="{698483D1-C521-47C4-9CAE-2CB44D1270BC}"/>
+              </a:ext>
+            </a:extLst>
+          </p:cNvPr>
+          <p:cNvPicPr>
+            <a:picLocks noChangeAspect="1"/>
+          </p:cNvPicPr>
+          <p:nvPr/>
+        </p:nvPicPr>
+        <p:blipFill>
+          <a:blip r:embed="rId23" cstate="print">
+            <a:extLst>
+              <a:ext uri="{28A0092B-C50C-407E-A947-70E740481C1C}">
+                <a14:useLocalDpi xmlns:a14="http://schemas.microsoft.com/office/drawing/2010/main" val="0"/>
+              </a:ext>
+            </a:extLst>
+          </a:blip>
+          <a:stretch>
+            <a:fillRect/>
+          </a:stretch>
+        </p:blipFill>
+        <p:spPr>
+          <a:xfrm>
+            <a:off x="1202303" y="5325399"/>
+            <a:ext cx="720000" cy="1080000"/>
+          </a:xfrm>
+          <a:prstGeom prst="rect">
+            <a:avLst/>
+          </a:prstGeom>
+        </p:spPr>
+      </p:pic>
+      <p:pic>
+        <p:nvPicPr>
+          <p:cNvPr id="96" name="図 95">
+            <a:extLst>
+              <a:ext uri="{FF2B5EF4-FFF2-40B4-BE49-F238E27FC236}">
+                <a16:creationId xmlns:a16="http://schemas.microsoft.com/office/drawing/2014/main" id="{96430DC0-0EAA-4AFF-8D60-6125F1CDF103}"/>
+              </a:ext>
+            </a:extLst>
+          </p:cNvPr>
+          <p:cNvPicPr>
+            <a:picLocks noChangeAspect="1"/>
+          </p:cNvPicPr>
+          <p:nvPr/>
+        </p:nvPicPr>
+        <p:blipFill>
+          <a:blip r:embed="rId24" cstate="print">
+            <a:extLst>
+              <a:ext uri="{28A0092B-C50C-407E-A947-70E740481C1C}">
+                <a14:useLocalDpi xmlns:a14="http://schemas.microsoft.com/office/drawing/2010/main" val="0"/>
+              </a:ext>
+            </a:extLst>
+          </a:blip>
+          <a:stretch>
+            <a:fillRect/>
+          </a:stretch>
+        </p:blipFill>
+        <p:spPr>
+          <a:xfrm>
+            <a:off x="1202303" y="6767159"/>
+            <a:ext cx="720000" cy="1080000"/>
+          </a:xfrm>
+          <a:prstGeom prst="rect">
+            <a:avLst/>
+          </a:prstGeom>
+        </p:spPr>
+      </p:pic>
+      <p:pic>
+        <p:nvPicPr>
+          <p:cNvPr id="97" name="図 96">
+            <a:extLst>
+              <a:ext uri="{FF2B5EF4-FFF2-40B4-BE49-F238E27FC236}">
+                <a16:creationId xmlns:a16="http://schemas.microsoft.com/office/drawing/2014/main" id="{D81441D6-C210-4AC1-B688-1D3F1BFAF47F}"/>
+              </a:ext>
+            </a:extLst>
+          </p:cNvPr>
+          <p:cNvPicPr>
+            <a:picLocks noChangeAspect="1"/>
+          </p:cNvPicPr>
+          <p:nvPr/>
+        </p:nvPicPr>
+        <p:blipFill>
+          <a:blip r:embed="rId25" cstate="print">
+            <a:extLst>
+              <a:ext uri="{28A0092B-C50C-407E-A947-70E740481C1C}">
+                <a14:useLocalDpi xmlns:a14="http://schemas.microsoft.com/office/drawing/2010/main" val="0"/>
+              </a:ext>
+            </a:extLst>
+          </a:blip>
+          <a:stretch>
+            <a:fillRect/>
+          </a:stretch>
+        </p:blipFill>
+        <p:spPr>
+          <a:xfrm>
+            <a:off x="1217186" y="8211118"/>
+            <a:ext cx="720000" cy="1080000"/>
+          </a:xfrm>
+          <a:prstGeom prst="rect">
+            <a:avLst/>
+          </a:prstGeom>
+        </p:spPr>
+      </p:pic>
     </p:spTree>
     <p:extLst>
       <p:ext uri="{BB962C8B-B14F-4D97-AF65-F5344CB8AC3E}">
-        <p14:creationId xmlns:p14="http://schemas.microsoft.com/office/powerpoint/2010/main" val="2355257455"/>
+        <p14:creationId xmlns:p14="http://schemas.microsoft.com/office/powerpoint/2010/main" val="2505797532"/>
       </p:ext>
     </p:extLst>
   </p:cSld>
